--- a/RegularExpressions(Regex).pptx
+++ b/RegularExpressions(Regex).pptx
@@ -5,42 +5,43 @@
     <p:sldMasterId id="2147483684" r:id="rId1"/>
   </p:sldMasterIdLst>
   <p:notesMasterIdLst>
-    <p:notesMasterId r:id="rId35"/>
+    <p:notesMasterId r:id="rId36"/>
   </p:notesMasterIdLst>
   <p:sldIdLst>
     <p:sldId id="256" r:id="rId2"/>
     <p:sldId id="272" r:id="rId3"/>
-    <p:sldId id="303" r:id="rId4"/>
-    <p:sldId id="257" r:id="rId5"/>
-    <p:sldId id="300" r:id="rId6"/>
-    <p:sldId id="258" r:id="rId7"/>
-    <p:sldId id="265" r:id="rId8"/>
-    <p:sldId id="260" r:id="rId9"/>
-    <p:sldId id="266" r:id="rId10"/>
-    <p:sldId id="259" r:id="rId11"/>
-    <p:sldId id="267" r:id="rId12"/>
-    <p:sldId id="268" r:id="rId13"/>
-    <p:sldId id="269" r:id="rId14"/>
-    <p:sldId id="262" r:id="rId15"/>
-    <p:sldId id="270" r:id="rId16"/>
-    <p:sldId id="263" r:id="rId17"/>
-    <p:sldId id="271" r:id="rId18"/>
-    <p:sldId id="264" r:id="rId19"/>
-    <p:sldId id="261" r:id="rId20"/>
-    <p:sldId id="299" r:id="rId21"/>
-    <p:sldId id="302" r:id="rId22"/>
-    <p:sldId id="287" r:id="rId23"/>
-    <p:sldId id="291" r:id="rId24"/>
-    <p:sldId id="295" r:id="rId25"/>
-    <p:sldId id="307" r:id="rId26"/>
-    <p:sldId id="289" r:id="rId27"/>
-    <p:sldId id="288" r:id="rId28"/>
-    <p:sldId id="304" r:id="rId29"/>
-    <p:sldId id="290" r:id="rId30"/>
-    <p:sldId id="273" r:id="rId31"/>
-    <p:sldId id="308" r:id="rId32"/>
-    <p:sldId id="286" r:id="rId33"/>
-    <p:sldId id="275" r:id="rId34"/>
+    <p:sldId id="309" r:id="rId4"/>
+    <p:sldId id="303" r:id="rId5"/>
+    <p:sldId id="257" r:id="rId6"/>
+    <p:sldId id="300" r:id="rId7"/>
+    <p:sldId id="258" r:id="rId8"/>
+    <p:sldId id="265" r:id="rId9"/>
+    <p:sldId id="260" r:id="rId10"/>
+    <p:sldId id="266" r:id="rId11"/>
+    <p:sldId id="259" r:id="rId12"/>
+    <p:sldId id="267" r:id="rId13"/>
+    <p:sldId id="268" r:id="rId14"/>
+    <p:sldId id="269" r:id="rId15"/>
+    <p:sldId id="262" r:id="rId16"/>
+    <p:sldId id="270" r:id="rId17"/>
+    <p:sldId id="263" r:id="rId18"/>
+    <p:sldId id="271" r:id="rId19"/>
+    <p:sldId id="264" r:id="rId20"/>
+    <p:sldId id="261" r:id="rId21"/>
+    <p:sldId id="299" r:id="rId22"/>
+    <p:sldId id="302" r:id="rId23"/>
+    <p:sldId id="287" r:id="rId24"/>
+    <p:sldId id="291" r:id="rId25"/>
+    <p:sldId id="295" r:id="rId26"/>
+    <p:sldId id="307" r:id="rId27"/>
+    <p:sldId id="289" r:id="rId28"/>
+    <p:sldId id="288" r:id="rId29"/>
+    <p:sldId id="304" r:id="rId30"/>
+    <p:sldId id="290" r:id="rId31"/>
+    <p:sldId id="273" r:id="rId32"/>
+    <p:sldId id="308" r:id="rId33"/>
+    <p:sldId id="286" r:id="rId34"/>
+    <p:sldId id="275" r:id="rId35"/>
   </p:sldIdLst>
   <p:sldSz cx="12192000" cy="6858000"/>
   <p:notesSz cx="6858000" cy="9144000"/>
@@ -259,7 +260,7 @@
           <a:p>
             <a:fld id="{05D0D121-5E8D-4554-92D1-936CE9EEC2C8}" type="datetimeFigureOut">
               <a:rPr lang="en-US" smtClean="0"/>
-              <a:t>12/2/2019</a:t>
+              <a:t>8/11/2021</a:t>
             </a:fld>
             <a:endParaRPr lang="en-US" dirty="0"/>
           </a:p>
@@ -323,38 +324,37 @@
           <a:p>
             <a:pPr lvl="0"/>
             <a:r>
-              <a:rPr lang="en-US" smtClean="0"/>
+              <a:rPr lang="en-US"/>
               <a:t>Edit Master text styles</a:t>
             </a:r>
           </a:p>
           <a:p>
             <a:pPr lvl="1"/>
             <a:r>
-              <a:rPr lang="en-US" smtClean="0"/>
+              <a:rPr lang="en-US"/>
               <a:t>Second level</a:t>
             </a:r>
           </a:p>
           <a:p>
             <a:pPr lvl="2"/>
             <a:r>
-              <a:rPr lang="en-US" smtClean="0"/>
+              <a:rPr lang="en-US"/>
               <a:t>Third level</a:t>
             </a:r>
           </a:p>
           <a:p>
             <a:pPr lvl="3"/>
             <a:r>
-              <a:rPr lang="en-US" smtClean="0"/>
+              <a:rPr lang="en-US"/>
               <a:t>Fourth level</a:t>
             </a:r>
           </a:p>
           <a:p>
             <a:pPr lvl="4"/>
             <a:r>
-              <a:rPr lang="en-US" smtClean="0"/>
+              <a:rPr lang="en-US"/>
               <a:t>Fifth level</a:t>
             </a:r>
-            <a:endParaRPr lang="en-US"/>
           </a:p>
         </p:txBody>
       </p:sp>
@@ -623,10 +623,9 @@
           </a:lstStyle>
           <a:p>
             <a:r>
-              <a:rPr lang="en-US" smtClean="0"/>
+              <a:rPr lang="en-US"/>
               <a:t>Click to edit Master title style</a:t>
             </a:r>
-            <a:endParaRPr lang="en-US"/>
           </a:p>
         </p:txBody>
       </p:sp>
@@ -657,10 +656,9 @@
           </a:lstStyle>
           <a:p>
             <a:r>
-              <a:rPr lang="en-US" smtClean="0"/>
+              <a:rPr lang="en-US"/>
               <a:t>Click to edit Master subtitle style</a:t>
             </a:r>
-            <a:endParaRPr lang="en-US"/>
           </a:p>
         </p:txBody>
       </p:sp>
@@ -690,7 +688,7 @@
           <a:p>
             <a:fld id="{51CB6274-A09F-4279-A347-CBF532D103D6}" type="datetime1">
               <a:rPr lang="en-US" smtClean="0"/>
-              <a:t>12/2/2019</a:t>
+              <a:t>8/11/2021</a:t>
             </a:fld>
             <a:endParaRPr lang="en-US" dirty="0"/>
           </a:p>
@@ -10256,13 +10254,6 @@
   <p:clrMapOvr>
     <a:masterClrMapping/>
   </p:clrMapOvr>
-  <p:timing>
-    <p:tnLst>
-      <p:par>
-        <p:cTn id="1" dur="indefinite" restart="never" nodeType="tmRoot"/>
-      </p:par>
-    </p:tnLst>
-  </p:timing>
 </p:sldLayout>
 </file>
 
@@ -10299,10 +10290,9 @@
           <a:lstStyle/>
           <a:p>
             <a:r>
-              <a:rPr lang="en-US" smtClean="0"/>
+              <a:rPr lang="en-US"/>
               <a:t>Click to edit Master title style</a:t>
             </a:r>
-            <a:endParaRPr lang="en-US"/>
           </a:p>
         </p:txBody>
       </p:sp>
@@ -10323,38 +10313,37 @@
           <a:p>
             <a:pPr lvl="0"/>
             <a:r>
-              <a:rPr lang="en-US" smtClean="0"/>
+              <a:rPr lang="en-US"/>
               <a:t>Edit Master text styles</a:t>
             </a:r>
           </a:p>
           <a:p>
             <a:pPr lvl="1"/>
             <a:r>
-              <a:rPr lang="en-US" smtClean="0"/>
+              <a:rPr lang="en-US"/>
               <a:t>Second level</a:t>
             </a:r>
           </a:p>
           <a:p>
             <a:pPr lvl="2"/>
             <a:r>
-              <a:rPr lang="en-US" smtClean="0"/>
+              <a:rPr lang="en-US"/>
               <a:t>Third level</a:t>
             </a:r>
           </a:p>
           <a:p>
             <a:pPr lvl="3"/>
             <a:r>
-              <a:rPr lang="en-US" smtClean="0"/>
+              <a:rPr lang="en-US"/>
               <a:t>Fourth level</a:t>
             </a:r>
           </a:p>
           <a:p>
             <a:pPr lvl="4"/>
             <a:r>
-              <a:rPr lang="en-US" smtClean="0"/>
+              <a:rPr lang="en-US"/>
               <a:t>Fifth level</a:t>
             </a:r>
-            <a:endParaRPr lang="en-US"/>
           </a:p>
         </p:txBody>
       </p:sp>
@@ -10382,7 +10371,7 @@
             <a:fld id="{42ACB018-E9ED-4C47-97D1-E24C1546B0DE}" type="datetime1">
               <a:rPr lang="en-US" smtClean="0"/>
               <a:pPr/>
-              <a:t>12/2/2019</a:t>
+              <a:t>8/11/2021</a:t>
             </a:fld>
             <a:endParaRPr lang="en-US" dirty="0"/>
           </a:p>
@@ -10453,13 +10442,6 @@
   <p:clrMapOvr>
     <a:masterClrMapping/>
   </p:clrMapOvr>
-  <p:timing>
-    <p:tnLst>
-      <p:par>
-        <p:cTn id="1" dur="indefinite" restart="never" nodeType="tmRoot"/>
-      </p:par>
-    </p:tnLst>
-  </p:timing>
 </p:sldLayout>
 </file>
 
@@ -10501,10 +10483,9 @@
           <a:lstStyle/>
           <a:p>
             <a:r>
-              <a:rPr lang="en-US" smtClean="0"/>
+              <a:rPr lang="en-US"/>
               <a:t>Click to edit Master title style</a:t>
             </a:r>
-            <a:endParaRPr lang="en-US"/>
           </a:p>
         </p:txBody>
       </p:sp>
@@ -10530,38 +10511,37 @@
           <a:p>
             <a:pPr lvl="0"/>
             <a:r>
-              <a:rPr lang="en-US" smtClean="0"/>
+              <a:rPr lang="en-US"/>
               <a:t>Edit Master text styles</a:t>
             </a:r>
           </a:p>
           <a:p>
             <a:pPr lvl="1"/>
             <a:r>
-              <a:rPr lang="en-US" smtClean="0"/>
+              <a:rPr lang="en-US"/>
               <a:t>Second level</a:t>
             </a:r>
           </a:p>
           <a:p>
             <a:pPr lvl="2"/>
             <a:r>
-              <a:rPr lang="en-US" smtClean="0"/>
+              <a:rPr lang="en-US"/>
               <a:t>Third level</a:t>
             </a:r>
           </a:p>
           <a:p>
             <a:pPr lvl="3"/>
             <a:r>
-              <a:rPr lang="en-US" smtClean="0"/>
+              <a:rPr lang="en-US"/>
               <a:t>Fourth level</a:t>
             </a:r>
           </a:p>
           <a:p>
             <a:pPr lvl="4"/>
             <a:r>
-              <a:rPr lang="en-US" smtClean="0"/>
+              <a:rPr lang="en-US"/>
               <a:t>Fifth level</a:t>
             </a:r>
-            <a:endParaRPr lang="en-US"/>
           </a:p>
         </p:txBody>
       </p:sp>
@@ -10589,7 +10569,7 @@
             <a:fld id="{694D4FE5-EBA4-44E1-8F35-77B290BDB348}" type="datetime1">
               <a:rPr lang="en-US" smtClean="0"/>
               <a:pPr/>
-              <a:t>12/2/2019</a:t>
+              <a:t>8/11/2021</a:t>
             </a:fld>
             <a:endParaRPr lang="en-US" dirty="0"/>
           </a:p>
@@ -10660,13 +10640,6 @@
   <p:clrMapOvr>
     <a:masterClrMapping/>
   </p:clrMapOvr>
-  <p:timing>
-    <p:tnLst>
-      <p:par>
-        <p:cTn id="1" dur="indefinite" restart="never" nodeType="tmRoot"/>
-      </p:par>
-    </p:tnLst>
-  </p:timing>
 </p:sldLayout>
 </file>
 
@@ -10707,10 +10680,9 @@
           </a:lstStyle>
           <a:p>
             <a:r>
-              <a:rPr lang="en-US" dirty="0" smtClean="0"/>
+              <a:rPr lang="en-US" dirty="0"/>
               <a:t>Click to edit Master title style</a:t>
             </a:r>
-            <a:endParaRPr lang="en-US" dirty="0"/>
           </a:p>
         </p:txBody>
       </p:sp>
@@ -10731,35 +10703,35 @@
           <a:p>
             <a:pPr lvl="0"/>
             <a:r>
-              <a:rPr lang="en-US" smtClean="0"/>
+              <a:rPr lang="en-US"/>
               <a:t>Edit Master text styles</a:t>
             </a:r>
           </a:p>
           <a:p>
             <a:pPr lvl="1"/>
             <a:r>
-              <a:rPr lang="en-US" smtClean="0"/>
+              <a:rPr lang="en-US"/>
               <a:t>Second level</a:t>
             </a:r>
           </a:p>
           <a:p>
             <a:pPr lvl="2"/>
             <a:r>
-              <a:rPr lang="en-US" smtClean="0"/>
+              <a:rPr lang="en-US"/>
               <a:t>Third level</a:t>
             </a:r>
           </a:p>
           <a:p>
             <a:pPr lvl="3"/>
             <a:r>
-              <a:rPr lang="en-US" smtClean="0"/>
+              <a:rPr lang="en-US"/>
               <a:t>Fourth level</a:t>
             </a:r>
           </a:p>
           <a:p>
             <a:pPr lvl="4"/>
             <a:r>
-              <a:rPr lang="en-US" smtClean="0"/>
+              <a:rPr lang="en-US"/>
               <a:t>Fifth level</a:t>
             </a:r>
             <a:endParaRPr lang="en-US" dirty="0"/>
@@ -10790,7 +10762,7 @@
             <a:fld id="{B921EDED-0E86-43F3-8F11-2BC2298BFF33}" type="datetime1">
               <a:rPr lang="en-US" smtClean="0"/>
               <a:pPr/>
-              <a:t>12/2/2019</a:t>
+              <a:t>8/11/2021</a:t>
             </a:fld>
             <a:endParaRPr lang="en-US" dirty="0"/>
           </a:p>
@@ -10861,13 +10833,6 @@
   <p:clrMapOvr>
     <a:masterClrMapping/>
   </p:clrMapOvr>
-  <p:timing>
-    <p:tnLst>
-      <p:par>
-        <p:cTn id="1" dur="indefinite" restart="never" nodeType="tmRoot"/>
-      </p:par>
-    </p:tnLst>
-  </p:timing>
 </p:sldLayout>
 </file>
 
@@ -10913,10 +10878,9 @@
           </a:lstStyle>
           <a:p>
             <a:r>
-              <a:rPr lang="en-US" smtClean="0"/>
+              <a:rPr lang="en-US"/>
               <a:t>Click to edit Master title style</a:t>
             </a:r>
-            <a:endParaRPr lang="en-US"/>
           </a:p>
         </p:txBody>
       </p:sp>
@@ -10979,7 +10943,7 @@
           <a:p>
             <a:pPr lvl="0"/>
             <a:r>
-              <a:rPr lang="en-US" smtClean="0"/>
+              <a:rPr lang="en-US"/>
               <a:t>Edit Master text styles</a:t>
             </a:r>
           </a:p>
@@ -11009,7 +10973,7 @@
             <a:fld id="{276DD3B1-B084-4015-B47A-8A8C15B5A663}" type="datetime1">
               <a:rPr lang="en-US" smtClean="0"/>
               <a:pPr/>
-              <a:t>12/2/2019</a:t>
+              <a:t>8/11/2021</a:t>
             </a:fld>
             <a:endParaRPr lang="en-US" dirty="0"/>
           </a:p>
@@ -11080,13 +11044,6 @@
   <p:clrMapOvr>
     <a:masterClrMapping/>
   </p:clrMapOvr>
-  <p:timing>
-    <p:tnLst>
-      <p:par>
-        <p:cTn id="1" dur="indefinite" restart="never" nodeType="tmRoot"/>
-      </p:par>
-    </p:tnLst>
-  </p:timing>
 </p:sldLayout>
 </file>
 
@@ -11123,10 +11080,9 @@
           <a:lstStyle/>
           <a:p>
             <a:r>
-              <a:rPr lang="en-US" smtClean="0"/>
+              <a:rPr lang="en-US"/>
               <a:t>Click to edit Master title style</a:t>
             </a:r>
-            <a:endParaRPr lang="en-US"/>
           </a:p>
         </p:txBody>
       </p:sp>
@@ -11180,38 +11136,37 @@
           <a:p>
             <a:pPr lvl="0"/>
             <a:r>
-              <a:rPr lang="en-US" smtClean="0"/>
+              <a:rPr lang="en-US"/>
               <a:t>Edit Master text styles</a:t>
             </a:r>
           </a:p>
           <a:p>
             <a:pPr lvl="1"/>
             <a:r>
-              <a:rPr lang="en-US" smtClean="0"/>
+              <a:rPr lang="en-US"/>
               <a:t>Second level</a:t>
             </a:r>
           </a:p>
           <a:p>
             <a:pPr lvl="2"/>
             <a:r>
-              <a:rPr lang="en-US" smtClean="0"/>
+              <a:rPr lang="en-US"/>
               <a:t>Third level</a:t>
             </a:r>
           </a:p>
           <a:p>
             <a:pPr lvl="3"/>
             <a:r>
-              <a:rPr lang="en-US" smtClean="0"/>
+              <a:rPr lang="en-US"/>
               <a:t>Fourth level</a:t>
             </a:r>
           </a:p>
           <a:p>
             <a:pPr lvl="4"/>
             <a:r>
-              <a:rPr lang="en-US" smtClean="0"/>
+              <a:rPr lang="en-US"/>
               <a:t>Fifth level</a:t>
             </a:r>
-            <a:endParaRPr lang="en-US"/>
           </a:p>
         </p:txBody>
       </p:sp>
@@ -11265,38 +11220,37 @@
           <a:p>
             <a:pPr lvl="0"/>
             <a:r>
-              <a:rPr lang="en-US" smtClean="0"/>
+              <a:rPr lang="en-US"/>
               <a:t>Edit Master text styles</a:t>
             </a:r>
           </a:p>
           <a:p>
             <a:pPr lvl="1"/>
             <a:r>
-              <a:rPr lang="en-US" smtClean="0"/>
+              <a:rPr lang="en-US"/>
               <a:t>Second level</a:t>
             </a:r>
           </a:p>
           <a:p>
             <a:pPr lvl="2"/>
             <a:r>
-              <a:rPr lang="en-US" smtClean="0"/>
+              <a:rPr lang="en-US"/>
               <a:t>Third level</a:t>
             </a:r>
           </a:p>
           <a:p>
             <a:pPr lvl="3"/>
             <a:r>
-              <a:rPr lang="en-US" smtClean="0"/>
+              <a:rPr lang="en-US"/>
               <a:t>Fourth level</a:t>
             </a:r>
           </a:p>
           <a:p>
             <a:pPr lvl="4"/>
             <a:r>
-              <a:rPr lang="en-US" smtClean="0"/>
+              <a:rPr lang="en-US"/>
               <a:t>Fifth level</a:t>
             </a:r>
-            <a:endParaRPr lang="en-US"/>
           </a:p>
         </p:txBody>
       </p:sp>
@@ -11324,7 +11278,7 @@
             <a:fld id="{B755B1AF-D682-4821-AA28-BBC5C5BDD481}" type="datetime1">
               <a:rPr lang="en-US" smtClean="0"/>
               <a:pPr/>
-              <a:t>12/2/2019</a:t>
+              <a:t>8/11/2021</a:t>
             </a:fld>
             <a:endParaRPr lang="en-US" dirty="0"/>
           </a:p>
@@ -11395,13 +11349,6 @@
   <p:clrMapOvr>
     <a:masterClrMapping/>
   </p:clrMapOvr>
-  <p:timing>
-    <p:tnLst>
-      <p:par>
-        <p:cTn id="1" dur="indefinite" restart="never" nodeType="tmRoot"/>
-      </p:par>
-    </p:tnLst>
-  </p:timing>
 </p:sldLayout>
 </file>
 
@@ -11447,10 +11394,9 @@
           </a:lstStyle>
           <a:p>
             <a:r>
-              <a:rPr lang="en-US" smtClean="0"/>
+              <a:rPr lang="en-US"/>
               <a:t>Click to edit Master title style</a:t>
             </a:r>
-            <a:endParaRPr lang="en-US"/>
           </a:p>
         </p:txBody>
       </p:sp>
@@ -11513,7 +11459,7 @@
           <a:p>
             <a:pPr lvl="0"/>
             <a:r>
-              <a:rPr lang="en-US" smtClean="0"/>
+              <a:rPr lang="en-US"/>
               <a:t>Edit Master text styles</a:t>
             </a:r>
           </a:p>
@@ -11569,38 +11515,37 @@
           <a:p>
             <a:pPr lvl="0"/>
             <a:r>
-              <a:rPr lang="en-US" smtClean="0"/>
+              <a:rPr lang="en-US"/>
               <a:t>Edit Master text styles</a:t>
             </a:r>
           </a:p>
           <a:p>
             <a:pPr lvl="1"/>
             <a:r>
-              <a:rPr lang="en-US" smtClean="0"/>
+              <a:rPr lang="en-US"/>
               <a:t>Second level</a:t>
             </a:r>
           </a:p>
           <a:p>
             <a:pPr lvl="2"/>
             <a:r>
-              <a:rPr lang="en-US" smtClean="0"/>
+              <a:rPr lang="en-US"/>
               <a:t>Third level</a:t>
             </a:r>
           </a:p>
           <a:p>
             <a:pPr lvl="3"/>
             <a:r>
-              <a:rPr lang="en-US" smtClean="0"/>
+              <a:rPr lang="en-US"/>
               <a:t>Fourth level</a:t>
             </a:r>
           </a:p>
           <a:p>
             <a:pPr lvl="4"/>
             <a:r>
-              <a:rPr lang="en-US" smtClean="0"/>
+              <a:rPr lang="en-US"/>
               <a:t>Fifth level</a:t>
             </a:r>
-            <a:endParaRPr lang="en-US"/>
           </a:p>
         </p:txBody>
       </p:sp>
@@ -11663,7 +11608,7 @@
           <a:p>
             <a:pPr lvl="0"/>
             <a:r>
-              <a:rPr lang="en-US" smtClean="0"/>
+              <a:rPr lang="en-US"/>
               <a:t>Edit Master text styles</a:t>
             </a:r>
           </a:p>
@@ -11719,38 +11664,37 @@
           <a:p>
             <a:pPr lvl="0"/>
             <a:r>
-              <a:rPr lang="en-US" smtClean="0"/>
+              <a:rPr lang="en-US"/>
               <a:t>Edit Master text styles</a:t>
             </a:r>
           </a:p>
           <a:p>
             <a:pPr lvl="1"/>
             <a:r>
-              <a:rPr lang="en-US" smtClean="0"/>
+              <a:rPr lang="en-US"/>
               <a:t>Second level</a:t>
             </a:r>
           </a:p>
           <a:p>
             <a:pPr lvl="2"/>
             <a:r>
-              <a:rPr lang="en-US" smtClean="0"/>
+              <a:rPr lang="en-US"/>
               <a:t>Third level</a:t>
             </a:r>
           </a:p>
           <a:p>
             <a:pPr lvl="3"/>
             <a:r>
-              <a:rPr lang="en-US" smtClean="0"/>
+              <a:rPr lang="en-US"/>
               <a:t>Fourth level</a:t>
             </a:r>
           </a:p>
           <a:p>
             <a:pPr lvl="4"/>
             <a:r>
-              <a:rPr lang="en-US" smtClean="0"/>
+              <a:rPr lang="en-US"/>
               <a:t>Fifth level</a:t>
             </a:r>
-            <a:endParaRPr lang="en-US"/>
           </a:p>
         </p:txBody>
       </p:sp>
@@ -11778,7 +11722,7 @@
             <a:fld id="{5D72A7F2-DB45-429E-8447-16C20B5137E1}" type="datetime1">
               <a:rPr lang="en-US" smtClean="0"/>
               <a:pPr/>
-              <a:t>12/2/2019</a:t>
+              <a:t>8/11/2021</a:t>
             </a:fld>
             <a:endParaRPr lang="en-US" dirty="0"/>
           </a:p>
@@ -11849,13 +11793,6 @@
   <p:clrMapOvr>
     <a:masterClrMapping/>
   </p:clrMapOvr>
-  <p:timing>
-    <p:tnLst>
-      <p:par>
-        <p:cTn id="1" dur="indefinite" restart="never" nodeType="tmRoot"/>
-      </p:par>
-    </p:tnLst>
-  </p:timing>
 </p:sldLayout>
 </file>
 
@@ -11892,10 +11829,9 @@
           <a:lstStyle/>
           <a:p>
             <a:r>
-              <a:rPr lang="en-US" smtClean="0"/>
+              <a:rPr lang="en-US"/>
               <a:t>Click to edit Master title style</a:t>
             </a:r>
-            <a:endParaRPr lang="en-US"/>
           </a:p>
         </p:txBody>
       </p:sp>
@@ -11923,7 +11859,7 @@
             <a:fld id="{619394F5-B8A7-4698-99E8-4ADE556D1CA1}" type="datetime1">
               <a:rPr lang="en-US" smtClean="0"/>
               <a:pPr/>
-              <a:t>12/2/2019</a:t>
+              <a:t>8/11/2021</a:t>
             </a:fld>
             <a:endParaRPr lang="en-US" dirty="0"/>
           </a:p>
@@ -11994,13 +11930,6 @@
   <p:clrMapOvr>
     <a:masterClrMapping/>
   </p:clrMapOvr>
-  <p:timing>
-    <p:tnLst>
-      <p:par>
-        <p:cTn id="1" dur="indefinite" restart="never" nodeType="tmRoot"/>
-      </p:par>
-    </p:tnLst>
-  </p:timing>
 </p:sldLayout>
 </file>
 
@@ -12045,7 +11974,7 @@
             <a:fld id="{F246205F-42B7-4232-A68D-096EE77D5111}" type="datetime1">
               <a:rPr lang="en-US" smtClean="0"/>
               <a:pPr/>
-              <a:t>12/2/2019</a:t>
+              <a:t>8/11/2021</a:t>
             </a:fld>
             <a:endParaRPr lang="en-US" dirty="0"/>
           </a:p>
@@ -12116,13 +12045,6 @@
   <p:clrMapOvr>
     <a:masterClrMapping/>
   </p:clrMapOvr>
-  <p:timing>
-    <p:tnLst>
-      <p:par>
-        <p:cTn id="1" dur="indefinite" restart="never" nodeType="tmRoot"/>
-      </p:par>
-    </p:tnLst>
-  </p:timing>
 </p:sldLayout>
 </file>
 
@@ -12168,10 +12090,9 @@
           </a:lstStyle>
           <a:p>
             <a:r>
-              <a:rPr lang="en-US" smtClean="0"/>
+              <a:rPr lang="en-US"/>
               <a:t>Click to edit Master title style</a:t>
             </a:r>
-            <a:endParaRPr lang="en-US"/>
           </a:p>
         </p:txBody>
       </p:sp>
@@ -12225,38 +12146,37 @@
           <a:p>
             <a:pPr lvl="0"/>
             <a:r>
-              <a:rPr lang="en-US" smtClean="0"/>
+              <a:rPr lang="en-US"/>
               <a:t>Edit Master text styles</a:t>
             </a:r>
           </a:p>
           <a:p>
             <a:pPr lvl="1"/>
             <a:r>
-              <a:rPr lang="en-US" smtClean="0"/>
+              <a:rPr lang="en-US"/>
               <a:t>Second level</a:t>
             </a:r>
           </a:p>
           <a:p>
             <a:pPr lvl="2"/>
             <a:r>
-              <a:rPr lang="en-US" smtClean="0"/>
+              <a:rPr lang="en-US"/>
               <a:t>Third level</a:t>
             </a:r>
           </a:p>
           <a:p>
             <a:pPr lvl="3"/>
             <a:r>
-              <a:rPr lang="en-US" smtClean="0"/>
+              <a:rPr lang="en-US"/>
               <a:t>Fourth level</a:t>
             </a:r>
           </a:p>
           <a:p>
             <a:pPr lvl="4"/>
             <a:r>
-              <a:rPr lang="en-US" smtClean="0"/>
+              <a:rPr lang="en-US"/>
               <a:t>Fifth level</a:t>
             </a:r>
-            <a:endParaRPr lang="en-US"/>
           </a:p>
         </p:txBody>
       </p:sp>
@@ -12319,7 +12239,7 @@
           <a:p>
             <a:pPr lvl="0"/>
             <a:r>
-              <a:rPr lang="en-US" smtClean="0"/>
+              <a:rPr lang="en-US"/>
               <a:t>Edit Master text styles</a:t>
             </a:r>
           </a:p>
@@ -12349,7 +12269,7 @@
             <a:fld id="{89BB694E-36CC-4ECD-86D6-831BC8BC21F0}" type="datetime1">
               <a:rPr lang="en-US" smtClean="0"/>
               <a:pPr/>
-              <a:t>12/2/2019</a:t>
+              <a:t>8/11/2021</a:t>
             </a:fld>
             <a:endParaRPr lang="en-US" dirty="0"/>
           </a:p>
@@ -12420,13 +12340,6 @@
   <p:clrMapOvr>
     <a:masterClrMapping/>
   </p:clrMapOvr>
-  <p:timing>
-    <p:tnLst>
-      <p:par>
-        <p:cTn id="1" dur="indefinite" restart="never" nodeType="tmRoot"/>
-      </p:par>
-    </p:tnLst>
-  </p:timing>
 </p:sldLayout>
 </file>
 
@@ -12472,10 +12385,9 @@
           </a:lstStyle>
           <a:p>
             <a:r>
-              <a:rPr lang="en-US" smtClean="0"/>
+              <a:rPr lang="en-US"/>
               <a:t>Click to edit Master title style</a:t>
             </a:r>
-            <a:endParaRPr lang="en-US"/>
           </a:p>
         </p:txBody>
       </p:sp>
@@ -12538,7 +12450,7 @@
           <a:p>
             <a:pPr lvl="0"/>
             <a:r>
-              <a:rPr lang="en-US" noProof="0" dirty="0" smtClean="0"/>
+              <a:rPr lang="en-US" noProof="0" dirty="0"/>
               <a:t>Click icon to add picture</a:t>
             </a:r>
           </a:p>
@@ -12603,7 +12515,7 @@
           <a:p>
             <a:pPr lvl="0"/>
             <a:r>
-              <a:rPr lang="en-US" smtClean="0"/>
+              <a:rPr lang="en-US"/>
               <a:t>Edit Master text styles</a:t>
             </a:r>
           </a:p>
@@ -12633,7 +12545,7 @@
             <a:fld id="{56E38262-D868-49F8-A321-F30C228F9226}" type="datetime1">
               <a:rPr lang="en-US" smtClean="0"/>
               <a:pPr/>
-              <a:t>12/2/2019</a:t>
+              <a:t>8/11/2021</a:t>
             </a:fld>
             <a:endParaRPr lang="en-US" dirty="0"/>
           </a:p>
@@ -12704,13 +12616,6 @@
   <p:clrMapOvr>
     <a:masterClrMapping/>
   </p:clrMapOvr>
-  <p:timing>
-    <p:tnLst>
-      <p:par>
-        <p:cTn id="1" dur="indefinite" restart="never" nodeType="tmRoot"/>
-      </p:par>
-    </p:tnLst>
-  </p:timing>
 </p:sldLayout>
 </file>
 
@@ -12793,7 +12698,7 @@
           <a:p>
             <a:pPr lvl="0"/>
             <a:r>
-              <a:rPr lang="en-US" smtClean="0"/>
+              <a:rPr lang="en-US"/>
               <a:t>Click to edit Master title style</a:t>
             </a:r>
           </a:p>
@@ -12851,35 +12756,35 @@
           <a:p>
             <a:pPr lvl="0"/>
             <a:r>
-              <a:rPr lang="en-US" dirty="0" smtClean="0"/>
+              <a:rPr lang="en-US" dirty="0"/>
               <a:t>Edit Master text styles</a:t>
             </a:r>
           </a:p>
           <a:p>
             <a:pPr lvl="1"/>
             <a:r>
-              <a:rPr lang="en-US" dirty="0" smtClean="0"/>
+              <a:rPr lang="en-US" dirty="0"/>
               <a:t>Second level</a:t>
             </a:r>
           </a:p>
           <a:p>
             <a:pPr lvl="2"/>
             <a:r>
-              <a:rPr lang="en-US" dirty="0" smtClean="0"/>
+              <a:rPr lang="en-US" dirty="0"/>
               <a:t>Third level</a:t>
             </a:r>
           </a:p>
           <a:p>
             <a:pPr lvl="3"/>
             <a:r>
-              <a:rPr lang="en-US" dirty="0" smtClean="0"/>
+              <a:rPr lang="en-US" dirty="0"/>
               <a:t>Fourth level</a:t>
             </a:r>
           </a:p>
           <a:p>
             <a:pPr lvl="4"/>
             <a:r>
-              <a:rPr lang="en-US" dirty="0" smtClean="0"/>
+              <a:rPr lang="en-US" dirty="0"/>
               <a:t>Fifth level</a:t>
             </a:r>
           </a:p>
@@ -12929,7 +12834,7 @@
             <a:fld id="{DD2B8664-4383-4A7B-A7A4-81250D0DA999}" type="datetime1">
               <a:rPr lang="en-US" smtClean="0"/>
               <a:pPr/>
-              <a:t>12/2/2019</a:t>
+              <a:t>8/11/2021</a:t>
             </a:fld>
             <a:endParaRPr lang="en-US" dirty="0"/>
           </a:p>
@@ -21553,13 +21458,6 @@
     <p:sldLayoutId id="2147483694" r:id="rId10"/>
     <p:sldLayoutId id="2147483695" r:id="rId11"/>
   </p:sldLayoutIdLst>
-  <p:timing>
-    <p:tnLst>
-      <p:par>
-        <p:cTn id="1" dur="indefinite" restart="never" nodeType="tmRoot"/>
-      </p:par>
-    </p:tnLst>
-  </p:timing>
   <p:hf hdr="0" ftr="0" dt="0"/>
   <p:txStyles>
     <p:titleStyle>
@@ -21963,10 +21861,9 @@
           <a:lstStyle/>
           <a:p>
             <a:r>
-              <a:rPr lang="en-US" dirty="0" smtClean="0"/>
+              <a:rPr lang="en-US" dirty="0"/>
               <a:t>Regular Expressions (Regex)</a:t>
             </a:r>
-            <a:endParaRPr lang="en-US" dirty="0"/>
           </a:p>
         </p:txBody>
       </p:sp>
@@ -21986,10 +21883,9 @@
           <a:lstStyle/>
           <a:p>
             <a:r>
-              <a:rPr lang="en-US" dirty="0" smtClean="0"/>
+              <a:rPr lang="en-US" dirty="0"/>
               <a:t>James R. Bradley</a:t>
             </a:r>
-            <a:endParaRPr lang="en-US" dirty="0"/>
           </a:p>
         </p:txBody>
       </p:sp>
@@ -22003,13 +21899,6 @@
   <p:clrMapOvr>
     <a:masterClrMapping/>
   </p:clrMapOvr>
-  <p:timing>
-    <p:tnLst>
-      <p:par>
-        <p:cTn id="1" dur="indefinite" restart="never" nodeType="tmRoot"/>
-      </p:par>
-    </p:tnLst>
-  </p:timing>
 </p:sld>
 </file>
 
@@ -22046,10 +21935,9 @@
           <a:lstStyle/>
           <a:p>
             <a:r>
-              <a:rPr lang="en-US" dirty="0" smtClean="0"/>
-              <a:t>Syntax Instance #2</a:t>
-            </a:r>
-            <a:endParaRPr lang="en-US" dirty="0"/>
+              <a:rPr lang="en-US" dirty="0"/>
+              <a:t>Exercise 1</a:t>
+            </a:r>
           </a:p>
         </p:txBody>
       </p:sp>
@@ -22069,147 +21957,30 @@
           <a:lstStyle/>
           <a:p>
             <a:r>
-              <a:rPr lang="en-US" dirty="0" smtClean="0">
-                <a:latin typeface="Courier New" panose="02070309020205020404" pitchFamily="49" charset="0"/>
-                <a:cs typeface="Courier New" panose="02070309020205020404" pitchFamily="49" charset="0"/>
-              </a:rPr>
-              <a:t>\w</a:t>
-            </a:r>
-            <a:r>
-              <a:rPr lang="en-US" dirty="0" smtClean="0"/>
-              <a:t>: </a:t>
-            </a:r>
-          </a:p>
-          <a:p>
-            <a:pPr lvl="1"/>
-            <a:r>
-              <a:rPr lang="en-US" dirty="0" smtClean="0"/>
-              <a:t>Any character that could be used in a word, plus digits and the underscore</a:t>
-            </a:r>
-          </a:p>
-          <a:p>
-            <a:pPr lvl="1"/>
-            <a:r>
-              <a:rPr lang="en-US" dirty="0" smtClean="0"/>
-              <a:t>Any </a:t>
-            </a:r>
-            <a:r>
               <a:rPr lang="en-US" dirty="0"/>
-              <a:t>character from a-z, A-Z, 0-9, including </a:t>
-            </a:r>
-            <a:r>
-              <a:rPr lang="en-US" dirty="0" smtClean="0"/>
-              <a:t>_ </a:t>
-            </a:r>
+              <a:t>Match any sequence of 2 digits</a:t>
+            </a:r>
+          </a:p>
+          <a:p>
             <a:r>
               <a:rPr lang="en-US" dirty="0"/>
-              <a:t>(underscore</a:t>
-            </a:r>
-            <a:r>
-              <a:rPr lang="en-US" dirty="0" smtClean="0"/>
-              <a:t>)</a:t>
-            </a:r>
-          </a:p>
-          <a:p>
-            <a:pPr lvl="1"/>
-            <a:r>
-              <a:rPr lang="en-US" dirty="0" smtClean="0"/>
-              <a:t>Also could be written </a:t>
-            </a:r>
-            <a:r>
-              <a:rPr lang="en-US" dirty="0" smtClean="0">
-                <a:latin typeface="Courier New" panose="02070309020205020404" pitchFamily="49" charset="0"/>
-                <a:cs typeface="Courier New" panose="02070309020205020404" pitchFamily="49" charset="0"/>
-              </a:rPr>
-              <a:t>[a-zA-Z0-9_]</a:t>
-            </a:r>
-          </a:p>
-          <a:p>
-            <a:pPr lvl="2"/>
-            <a:r>
-              <a:rPr lang="en-US" dirty="0" smtClean="0"/>
-              <a:t>The </a:t>
-            </a:r>
-            <a:r>
-              <a:rPr lang="en-US" dirty="0" smtClean="0">
-                <a:latin typeface="Courier New" panose="02070309020205020404" pitchFamily="49" charset="0"/>
-                <a:cs typeface="Courier New" panose="02070309020205020404" pitchFamily="49" charset="0"/>
-              </a:rPr>
-              <a:t>[]</a:t>
-            </a:r>
-            <a:r>
-              <a:rPr lang="en-US" dirty="0" smtClean="0"/>
-              <a:t> syntax permits matching any one of the characters within the brackets</a:t>
-            </a:r>
-          </a:p>
-          <a:p>
-            <a:r>
-              <a:rPr lang="en-US" dirty="0" smtClean="0">
-                <a:latin typeface="Courier New" panose="02070309020205020404" pitchFamily="49" charset="0"/>
-                <a:cs typeface="Courier New" panose="02070309020205020404" pitchFamily="49" charset="0"/>
-              </a:rPr>
-              <a:t>\W</a:t>
-            </a:r>
-            <a:r>
-              <a:rPr lang="en-US" dirty="0" smtClean="0"/>
-              <a:t>: characters that are not numeric digits</a:t>
-            </a:r>
-          </a:p>
-          <a:p>
-            <a:r>
-              <a:rPr lang="en-US" dirty="0" smtClean="0"/>
-              <a:t>Examples (to try in </a:t>
-            </a:r>
-            <a:r>
-              <a:rPr lang="en-US" dirty="0" smtClean="0">
-                <a:latin typeface="Courier"/>
-              </a:rPr>
-              <a:t>regexr.com</a:t>
-            </a:r>
-            <a:r>
-              <a:rPr lang="en-US" dirty="0" smtClean="0"/>
-              <a:t>)</a:t>
-            </a:r>
-          </a:p>
-          <a:p>
-            <a:pPr lvl="1"/>
-            <a:r>
-              <a:rPr lang="en-US" dirty="0" smtClean="0">
-                <a:latin typeface="Courier New" panose="02070309020205020404" pitchFamily="49" charset="0"/>
-                <a:cs typeface="Courier New" panose="02070309020205020404" pitchFamily="49" charset="0"/>
-              </a:rPr>
-              <a:t>\w</a:t>
-            </a:r>
-          </a:p>
-          <a:p>
-            <a:pPr lvl="1"/>
-            <a:r>
-              <a:rPr lang="en-US" dirty="0" smtClean="0">
-                <a:latin typeface="Courier New" panose="02070309020205020404" pitchFamily="49" charset="0"/>
-                <a:cs typeface="Courier New" panose="02070309020205020404" pitchFamily="49" charset="0"/>
-              </a:rPr>
-              <a:t>\w{3}</a:t>
-            </a:r>
-          </a:p>
-          <a:p>
-            <a:pPr lvl="1"/>
-            <a:r>
-              <a:rPr lang="en-US" dirty="0" smtClean="0">
-                <a:latin typeface="Courier New" panose="02070309020205020404" pitchFamily="49" charset="0"/>
-                <a:cs typeface="Courier New" panose="02070309020205020404" pitchFamily="49" charset="0"/>
-              </a:rPr>
-              <a:t>\W</a:t>
-            </a:r>
-          </a:p>
-          <a:p>
-            <a:pPr lvl="1"/>
-            <a:r>
-              <a:rPr lang="en-US" dirty="0" smtClean="0">
-                <a:latin typeface="Courier New" panose="02070309020205020404" pitchFamily="49" charset="0"/>
-                <a:cs typeface="Courier New" panose="02070309020205020404" pitchFamily="49" charset="0"/>
-              </a:rPr>
-              <a:t>\W{2}</a:t>
-            </a:r>
+              <a:t>Search for patterns of 1 to 3 consecutive digits</a:t>
+            </a:r>
+          </a:p>
+          <a:p>
+            <a:r>
+              <a:rPr lang="en-US" dirty="0"/>
+              <a:t>Match any sequence of 3 or 4 digits preceded by a dash</a:t>
+            </a:r>
+          </a:p>
+          <a:p>
+            <a:r>
+              <a:rPr lang="en-US" dirty="0"/>
+              <a:t>Find sequences of digits, any length, followed by a decimal point</a:t>
+            </a:r>
+          </a:p>
+          <a:p>
+            <a:endParaRPr lang="en-US" dirty="0"/>
           </a:p>
         </p:txBody>
       </p:sp>
@@ -22239,20 +22010,13 @@
     </p:spTree>
     <p:extLst>
       <p:ext uri="{BB962C8B-B14F-4D97-AF65-F5344CB8AC3E}">
-        <p14:creationId xmlns:p14="http://schemas.microsoft.com/office/powerpoint/2010/main" val="913548445"/>
+        <p14:creationId xmlns:p14="http://schemas.microsoft.com/office/powerpoint/2010/main" val="4051533214"/>
       </p:ext>
     </p:extLst>
   </p:cSld>
   <p:clrMapOvr>
     <a:masterClrMapping/>
   </p:clrMapOvr>
-  <p:timing>
-    <p:tnLst>
-      <p:par>
-        <p:cTn id="1" dur="indefinite" restart="never" nodeType="tmRoot"/>
-      </p:par>
-    </p:tnLst>
-  </p:timing>
 </p:sld>
 </file>
 
@@ -22289,10 +22053,9 @@
           <a:lstStyle/>
           <a:p>
             <a:r>
-              <a:rPr lang="en-US" dirty="0" smtClean="0"/>
-              <a:t>Exercise 2</a:t>
-            </a:r>
-            <a:endParaRPr lang="en-US" dirty="0"/>
+              <a:rPr lang="en-US" dirty="0"/>
+              <a:t>Syntax Instance #2</a:t>
+            </a:r>
           </a:p>
         </p:txBody>
       </p:sp>
@@ -22312,25 +22075,131 @@
           <a:lstStyle/>
           <a:p>
             <a:r>
-              <a:rPr lang="en-US" dirty="0" smtClean="0"/>
-              <a:t>Match all words and numbers that have three characters, and without and decimal points or periods</a:t>
+              <a:rPr lang="en-US" dirty="0">
+                <a:latin typeface="Courier New" panose="02070309020205020404" pitchFamily="49" charset="0"/>
+                <a:cs typeface="Courier New" panose="02070309020205020404" pitchFamily="49" charset="0"/>
+              </a:rPr>
+              <a:t>\w</a:t>
+            </a:r>
+            <a:r>
+              <a:rPr lang="en-US" dirty="0"/>
+              <a:t>: </a:t>
             </a:r>
           </a:p>
           <a:p>
             <a:pPr lvl="1"/>
             <a:r>
-              <a:rPr lang="en-US" dirty="0" smtClean="0"/>
-              <a:t>e.g., 123, abc, 1c5</a:t>
-            </a:r>
-          </a:p>
-          <a:p>
-            <a:r>
-              <a:rPr lang="en-US" dirty="0" smtClean="0"/>
-              <a:t>Search for between 3 and 5 contiguous word characters</a:t>
-            </a:r>
-          </a:p>
-          <a:p>
-            <a:endParaRPr lang="en-US" dirty="0"/>
+              <a:rPr lang="en-US" dirty="0"/>
+              <a:t>Any character that could be used in a word, plus digits and the underscore</a:t>
+            </a:r>
+          </a:p>
+          <a:p>
+            <a:pPr lvl="1"/>
+            <a:r>
+              <a:rPr lang="en-US" dirty="0"/>
+              <a:t>Any character from a-z, A-Z, 0-9, including _ (underscore)</a:t>
+            </a:r>
+          </a:p>
+          <a:p>
+            <a:pPr lvl="1"/>
+            <a:r>
+              <a:rPr lang="en-US" dirty="0"/>
+              <a:t>Also could be written </a:t>
+            </a:r>
+            <a:r>
+              <a:rPr lang="en-US" dirty="0">
+                <a:latin typeface="Courier New" panose="02070309020205020404" pitchFamily="49" charset="0"/>
+                <a:cs typeface="Courier New" panose="02070309020205020404" pitchFamily="49" charset="0"/>
+              </a:rPr>
+              <a:t>[a-zA-Z0-9_]</a:t>
+            </a:r>
+          </a:p>
+          <a:p>
+            <a:pPr lvl="2"/>
+            <a:r>
+              <a:rPr lang="en-US" dirty="0"/>
+              <a:t>The </a:t>
+            </a:r>
+            <a:r>
+              <a:rPr lang="en-US" dirty="0">
+                <a:latin typeface="Courier New" panose="02070309020205020404" pitchFamily="49" charset="0"/>
+                <a:cs typeface="Courier New" panose="02070309020205020404" pitchFamily="49" charset="0"/>
+              </a:rPr>
+              <a:t>[]</a:t>
+            </a:r>
+            <a:r>
+              <a:rPr lang="en-US" dirty="0"/>
+              <a:t> syntax permits matching any one of the characters within the brackets</a:t>
+            </a:r>
+          </a:p>
+          <a:p>
+            <a:r>
+              <a:rPr lang="en-US" dirty="0">
+                <a:latin typeface="Courier New" panose="02070309020205020404" pitchFamily="49" charset="0"/>
+                <a:cs typeface="Courier New" panose="02070309020205020404" pitchFamily="49" charset="0"/>
+              </a:rPr>
+              <a:t>\W</a:t>
+            </a:r>
+            <a:r>
+              <a:rPr lang="en-US" dirty="0"/>
+              <a:t>: characters that are not numeric digits</a:t>
+            </a:r>
+          </a:p>
+          <a:p>
+            <a:r>
+              <a:rPr lang="en-US" dirty="0"/>
+              <a:t>Examples (to try in </a:t>
+            </a:r>
+            <a:r>
+              <a:rPr lang="en-US" dirty="0">
+                <a:latin typeface="Courier"/>
+              </a:rPr>
+              <a:t>regexr.com</a:t>
+            </a:r>
+            <a:r>
+              <a:rPr lang="en-US" dirty="0"/>
+              <a:t>)</a:t>
+            </a:r>
+          </a:p>
+          <a:p>
+            <a:pPr lvl="1"/>
+            <a:r>
+              <a:rPr lang="en-US" dirty="0">
+                <a:latin typeface="Courier New" panose="02070309020205020404" pitchFamily="49" charset="0"/>
+                <a:cs typeface="Courier New" panose="02070309020205020404" pitchFamily="49" charset="0"/>
+              </a:rPr>
+              <a:t>\w</a:t>
+            </a:r>
+          </a:p>
+          <a:p>
+            <a:pPr lvl="1"/>
+            <a:r>
+              <a:rPr lang="en-US" dirty="0">
+                <a:latin typeface="Courier New" panose="02070309020205020404" pitchFamily="49" charset="0"/>
+                <a:cs typeface="Courier New" panose="02070309020205020404" pitchFamily="49" charset="0"/>
+              </a:rPr>
+              <a:t>\w{3}</a:t>
+            </a:r>
+          </a:p>
+          <a:p>
+            <a:pPr lvl="1"/>
+            <a:r>
+              <a:rPr lang="en-US" dirty="0">
+                <a:latin typeface="Courier New" panose="02070309020205020404" pitchFamily="49" charset="0"/>
+                <a:cs typeface="Courier New" panose="02070309020205020404" pitchFamily="49" charset="0"/>
+              </a:rPr>
+              <a:t>\W</a:t>
+            </a:r>
+          </a:p>
+          <a:p>
+            <a:pPr lvl="1"/>
+            <a:r>
+              <a:rPr lang="en-US" dirty="0">
+                <a:latin typeface="Courier New" panose="02070309020205020404" pitchFamily="49" charset="0"/>
+                <a:cs typeface="Courier New" panose="02070309020205020404" pitchFamily="49" charset="0"/>
+              </a:rPr>
+              <a:t>\W{2}</a:t>
+            </a:r>
           </a:p>
         </p:txBody>
       </p:sp>
@@ -22360,20 +22229,13 @@
     </p:spTree>
     <p:extLst>
       <p:ext uri="{BB962C8B-B14F-4D97-AF65-F5344CB8AC3E}">
-        <p14:creationId xmlns:p14="http://schemas.microsoft.com/office/powerpoint/2010/main" val="1194024432"/>
+        <p14:creationId xmlns:p14="http://schemas.microsoft.com/office/powerpoint/2010/main" val="913548445"/>
       </p:ext>
     </p:extLst>
   </p:cSld>
   <p:clrMapOvr>
     <a:masterClrMapping/>
   </p:clrMapOvr>
-  <p:timing>
-    <p:tnLst>
-      <p:par>
-        <p:cTn id="1" dur="indefinite" restart="never" nodeType="tmRoot"/>
-      </p:par>
-    </p:tnLst>
-  </p:timing>
 </p:sld>
 </file>
 
@@ -22410,10 +22272,9 @@
           <a:lstStyle/>
           <a:p>
             <a:r>
-              <a:rPr lang="en-US" dirty="0" smtClean="0"/>
-              <a:t>Syntax Instance 3</a:t>
-            </a:r>
-            <a:endParaRPr lang="en-US" dirty="0"/>
+              <a:rPr lang="en-US" dirty="0"/>
+              <a:t>Exercise 2</a:t>
+            </a:r>
           </a:p>
         </p:txBody>
       </p:sp>
@@ -22433,57 +22294,25 @@
           <a:lstStyle/>
           <a:p>
             <a:r>
-              <a:rPr lang="en-US" dirty="0" smtClean="0">
-                <a:latin typeface="Courier New" panose="02070309020205020404" pitchFamily="49" charset="0"/>
-                <a:cs typeface="Courier New" panose="02070309020205020404" pitchFamily="49" charset="0"/>
-              </a:rPr>
-              <a:t>\b</a:t>
+              <a:rPr lang="en-US" dirty="0"/>
+              <a:t>Match all words and numbers that have three characters, and without and decimal points or periods</a:t>
             </a:r>
           </a:p>
           <a:p>
             <a:pPr lvl="1"/>
             <a:r>
-              <a:rPr lang="en-US" dirty="0" smtClean="0"/>
-              <a:t>Detects “word breaks” which consist of white space, newlines, symbols, etc.</a:t>
-            </a:r>
-          </a:p>
-          <a:p>
-            <a:r>
-              <a:rPr lang="en-US" dirty="0" smtClean="0"/>
-              <a:t>Examples:</a:t>
-            </a:r>
-          </a:p>
-          <a:p>
-            <a:pPr lvl="1"/>
-            <a:r>
-              <a:rPr lang="en-US" dirty="0" smtClean="0"/>
-              <a:t> </a:t>
-            </a:r>
-            <a:r>
-              <a:rPr lang="en-US" dirty="0" smtClean="0">
-                <a:latin typeface="Courier New" panose="02070309020205020404" pitchFamily="49" charset="0"/>
-                <a:cs typeface="Courier New" panose="02070309020205020404" pitchFamily="49" charset="0"/>
-              </a:rPr>
-              <a:t>\b\w{3}</a:t>
-            </a:r>
-          </a:p>
-          <a:p>
-            <a:pPr lvl="1"/>
-            <a:r>
-              <a:rPr lang="en-US" dirty="0" smtClean="0"/>
-              <a:t> </a:t>
-            </a:r>
-            <a:r>
-              <a:rPr lang="en-US" dirty="0" smtClean="0">
-                <a:latin typeface="Courier New" panose="02070309020205020404" pitchFamily="49" charset="0"/>
-                <a:cs typeface="Courier New" panose="02070309020205020404" pitchFamily="49" charset="0"/>
-              </a:rPr>
-              <a:t>\b\w{4}\b</a:t>
-            </a:r>
-            <a:endParaRPr lang="en-US" dirty="0">
-              <a:latin typeface="Courier New" panose="02070309020205020404" pitchFamily="49" charset="0"/>
-              <a:cs typeface="Courier New" panose="02070309020205020404" pitchFamily="49" charset="0"/>
-            </a:endParaRPr>
+              <a:rPr lang="en-US" dirty="0"/>
+              <a:t>e.g., 123, abc, 1c5</a:t>
+            </a:r>
+          </a:p>
+          <a:p>
+            <a:r>
+              <a:rPr lang="en-US" dirty="0"/>
+              <a:t>Search for between 3 and 5 contiguous word characters</a:t>
+            </a:r>
+          </a:p>
+          <a:p>
+            <a:endParaRPr lang="en-US" dirty="0"/>
           </a:p>
         </p:txBody>
       </p:sp>
@@ -22513,20 +22342,13 @@
     </p:spTree>
     <p:extLst>
       <p:ext uri="{BB962C8B-B14F-4D97-AF65-F5344CB8AC3E}">
-        <p14:creationId xmlns:p14="http://schemas.microsoft.com/office/powerpoint/2010/main" val="713019898"/>
+        <p14:creationId xmlns:p14="http://schemas.microsoft.com/office/powerpoint/2010/main" val="1194024432"/>
       </p:ext>
     </p:extLst>
   </p:cSld>
   <p:clrMapOvr>
     <a:masterClrMapping/>
   </p:clrMapOvr>
-  <p:timing>
-    <p:tnLst>
-      <p:par>
-        <p:cTn id="1" dur="indefinite" restart="never" nodeType="tmRoot"/>
-      </p:par>
-    </p:tnLst>
-  </p:timing>
 </p:sld>
 </file>
 
@@ -22563,10 +22385,9 @@
           <a:lstStyle/>
           <a:p>
             <a:r>
-              <a:rPr lang="en-US" dirty="0" smtClean="0"/>
-              <a:t>Exercise 3</a:t>
-            </a:r>
-            <a:endParaRPr lang="en-US" dirty="0"/>
+              <a:rPr lang="en-US" dirty="0"/>
+              <a:t>Syntax Instance 3</a:t>
+            </a:r>
           </a:p>
         </p:txBody>
       </p:sp>
@@ -22586,10 +22407,53 @@
           <a:lstStyle/>
           <a:p>
             <a:r>
-              <a:rPr lang="en-US" dirty="0" smtClean="0"/>
-              <a:t>Detect patterns of 3 contiguous digits with word breaks before and after</a:t>
-            </a:r>
-            <a:endParaRPr lang="en-US" dirty="0"/>
+              <a:rPr lang="en-US" dirty="0">
+                <a:latin typeface="Courier New" panose="02070309020205020404" pitchFamily="49" charset="0"/>
+                <a:cs typeface="Courier New" panose="02070309020205020404" pitchFamily="49" charset="0"/>
+              </a:rPr>
+              <a:t>\b</a:t>
+            </a:r>
+          </a:p>
+          <a:p>
+            <a:pPr lvl="1"/>
+            <a:r>
+              <a:rPr lang="en-US" dirty="0"/>
+              <a:t>Detects “word breaks” which consist of white space, newlines, symbols, etc.</a:t>
+            </a:r>
+          </a:p>
+          <a:p>
+            <a:r>
+              <a:rPr lang="en-US" dirty="0"/>
+              <a:t>Examples:</a:t>
+            </a:r>
+          </a:p>
+          <a:p>
+            <a:pPr lvl="1"/>
+            <a:r>
+              <a:rPr lang="en-US" dirty="0"/>
+              <a:t> </a:t>
+            </a:r>
+            <a:r>
+              <a:rPr lang="en-US" dirty="0">
+                <a:latin typeface="Courier New" panose="02070309020205020404" pitchFamily="49" charset="0"/>
+                <a:cs typeface="Courier New" panose="02070309020205020404" pitchFamily="49" charset="0"/>
+              </a:rPr>
+              <a:t>\b\w{3}</a:t>
+            </a:r>
+          </a:p>
+          <a:p>
+            <a:pPr lvl="1"/>
+            <a:r>
+              <a:rPr lang="en-US" dirty="0"/>
+              <a:t> </a:t>
+            </a:r>
+            <a:r>
+              <a:rPr lang="en-US" dirty="0">
+                <a:latin typeface="Courier New" panose="02070309020205020404" pitchFamily="49" charset="0"/>
+                <a:cs typeface="Courier New" panose="02070309020205020404" pitchFamily="49" charset="0"/>
+              </a:rPr>
+              <a:t>\b\w{4}\b</a:t>
+            </a:r>
           </a:p>
         </p:txBody>
       </p:sp>
@@ -22619,20 +22483,13 @@
     </p:spTree>
     <p:extLst>
       <p:ext uri="{BB962C8B-B14F-4D97-AF65-F5344CB8AC3E}">
-        <p14:creationId xmlns:p14="http://schemas.microsoft.com/office/powerpoint/2010/main" val="4276081093"/>
+        <p14:creationId xmlns:p14="http://schemas.microsoft.com/office/powerpoint/2010/main" val="713019898"/>
       </p:ext>
     </p:extLst>
   </p:cSld>
   <p:clrMapOvr>
     <a:masterClrMapping/>
   </p:clrMapOvr>
-  <p:timing>
-    <p:tnLst>
-      <p:par>
-        <p:cTn id="1" dur="indefinite" restart="never" nodeType="tmRoot"/>
-      </p:par>
-    </p:tnLst>
-  </p:timing>
 </p:sld>
 </file>
 
@@ -22669,10 +22526,9 @@
           <a:lstStyle/>
           <a:p>
             <a:r>
-              <a:rPr lang="en-US" dirty="0" smtClean="0"/>
-              <a:t>Syntax Instance 4</a:t>
-            </a:r>
-            <a:endParaRPr lang="en-US" dirty="0"/>
+              <a:rPr lang="en-US" dirty="0"/>
+              <a:t>Exercise 3</a:t>
+            </a:r>
           </a:p>
         </p:txBody>
       </p:sp>
@@ -22692,41 +22548,8 @@
           <a:lstStyle/>
           <a:p>
             <a:r>
-              <a:rPr lang="en-US" dirty="0" smtClean="0">
-                <a:latin typeface="Courier New" panose="02070309020205020404" pitchFamily="49" charset="0"/>
-                <a:cs typeface="Courier New" panose="02070309020205020404" pitchFamily="49" charset="0"/>
-              </a:rPr>
-              <a:t>.</a:t>
-            </a:r>
-          </a:p>
-          <a:p>
-            <a:pPr lvl="1"/>
-            <a:r>
-              <a:rPr lang="en-US" dirty="0" smtClean="0"/>
-              <a:t>Matches any character except a newline character</a:t>
-            </a:r>
-          </a:p>
-          <a:p>
-            <a:r>
-              <a:rPr lang="en-US" dirty="0" smtClean="0">
-                <a:latin typeface="Courier New" panose="02070309020205020404" pitchFamily="49" charset="0"/>
-                <a:cs typeface="Courier New" panose="02070309020205020404" pitchFamily="49" charset="0"/>
-              </a:rPr>
-              <a:t>\.</a:t>
-            </a:r>
-          </a:p>
-          <a:p>
-            <a:pPr lvl="1"/>
-            <a:r>
-              <a:rPr lang="en-US" dirty="0" smtClean="0"/>
-              <a:t>Matches a period or decimal point</a:t>
-            </a:r>
-          </a:p>
-          <a:p>
-            <a:pPr lvl="1"/>
-            <a:r>
-              <a:rPr lang="en-US" dirty="0" smtClean="0"/>
-              <a:t>\ is an escape character: says that you aren’t using . as a wildcard</a:t>
+              <a:rPr lang="en-US" dirty="0"/>
+              <a:t>Detect patterns of 3 contiguous digits with word breaks before and after</a:t>
             </a:r>
           </a:p>
         </p:txBody>
@@ -22757,20 +22580,13 @@
     </p:spTree>
     <p:extLst>
       <p:ext uri="{BB962C8B-B14F-4D97-AF65-F5344CB8AC3E}">
-        <p14:creationId xmlns:p14="http://schemas.microsoft.com/office/powerpoint/2010/main" val="2528122437"/>
+        <p14:creationId xmlns:p14="http://schemas.microsoft.com/office/powerpoint/2010/main" val="4276081093"/>
       </p:ext>
     </p:extLst>
   </p:cSld>
   <p:clrMapOvr>
     <a:masterClrMapping/>
   </p:clrMapOvr>
-  <p:timing>
-    <p:tnLst>
-      <p:par>
-        <p:cTn id="1" dur="indefinite" restart="never" nodeType="tmRoot"/>
-      </p:par>
-    </p:tnLst>
-  </p:timing>
 </p:sld>
 </file>
 
@@ -22807,10 +22623,9 @@
           <a:lstStyle/>
           <a:p>
             <a:r>
-              <a:rPr lang="en-US" dirty="0" smtClean="0"/>
-              <a:t>Example 4</a:t>
-            </a:r>
-            <a:endParaRPr lang="en-US" dirty="0"/>
+              <a:rPr lang="en-US" dirty="0"/>
+              <a:t>Syntax Instance 4</a:t>
+            </a:r>
           </a:p>
         </p:txBody>
       </p:sp>
@@ -22830,20 +22645,42 @@
           <a:lstStyle/>
           <a:p>
             <a:r>
-              <a:rPr lang="en-US" dirty="0" smtClean="0"/>
-              <a:t>Find all periods on </a:t>
-            </a:r>
-            <a:r>
-              <a:rPr lang="en-US" dirty="0" smtClean="0">
+              <a:rPr lang="en-US" dirty="0">
                 <a:latin typeface="Courier New" panose="02070309020205020404" pitchFamily="49" charset="0"/>
                 <a:cs typeface="Courier New" panose="02070309020205020404" pitchFamily="49" charset="0"/>
               </a:rPr>
-              <a:t>regexr.com</a:t>
-            </a:r>
-            <a:endParaRPr lang="en-US" dirty="0">
-              <a:latin typeface="Courier New" panose="02070309020205020404" pitchFamily="49" charset="0"/>
-              <a:cs typeface="Courier New" panose="02070309020205020404" pitchFamily="49" charset="0"/>
-            </a:endParaRPr>
+              <a:t>.</a:t>
+            </a:r>
+          </a:p>
+          <a:p>
+            <a:pPr lvl="1"/>
+            <a:r>
+              <a:rPr lang="en-US" dirty="0"/>
+              <a:t>Matches any character except a newline character</a:t>
+            </a:r>
+          </a:p>
+          <a:p>
+            <a:r>
+              <a:rPr lang="en-US" dirty="0">
+                <a:latin typeface="Courier New" panose="02070309020205020404" pitchFamily="49" charset="0"/>
+                <a:cs typeface="Courier New" panose="02070309020205020404" pitchFamily="49" charset="0"/>
+              </a:rPr>
+              <a:t>\.</a:t>
+            </a:r>
+          </a:p>
+          <a:p>
+            <a:pPr lvl="1"/>
+            <a:r>
+              <a:rPr lang="en-US" dirty="0"/>
+              <a:t>Matches a period or decimal point</a:t>
+            </a:r>
+          </a:p>
+          <a:p>
+            <a:pPr lvl="1"/>
+            <a:r>
+              <a:rPr lang="en-US" dirty="0"/>
+              <a:t>\ is an escape character: says that you aren’t using . as a wildcard</a:t>
+            </a:r>
           </a:p>
         </p:txBody>
       </p:sp>
@@ -22873,20 +22710,13 @@
     </p:spTree>
     <p:extLst>
       <p:ext uri="{BB962C8B-B14F-4D97-AF65-F5344CB8AC3E}">
-        <p14:creationId xmlns:p14="http://schemas.microsoft.com/office/powerpoint/2010/main" val="3167180861"/>
+        <p14:creationId xmlns:p14="http://schemas.microsoft.com/office/powerpoint/2010/main" val="2528122437"/>
       </p:ext>
     </p:extLst>
   </p:cSld>
   <p:clrMapOvr>
     <a:masterClrMapping/>
   </p:clrMapOvr>
-  <p:timing>
-    <p:tnLst>
-      <p:par>
-        <p:cTn id="1" dur="indefinite" restart="never" nodeType="tmRoot"/>
-      </p:par>
-    </p:tnLst>
-  </p:timing>
 </p:sld>
 </file>
 
@@ -22923,10 +22753,9 @@
           <a:lstStyle/>
           <a:p>
             <a:r>
-              <a:rPr lang="en-US" dirty="0" smtClean="0"/>
-              <a:t>Syntax Instance 5</a:t>
-            </a:r>
-            <a:endParaRPr lang="en-US" dirty="0"/>
+              <a:rPr lang="en-US" dirty="0"/>
+              <a:t>Example 4</a:t>
+            </a:r>
           </a:p>
         </p:txBody>
       </p:sp>
@@ -22946,121 +22775,15 @@
           <a:lstStyle/>
           <a:p>
             <a:r>
-              <a:rPr lang="en-US" dirty="0" smtClean="0">
-                <a:latin typeface="Courier New" panose="02070309020205020404" pitchFamily="49" charset="0"/>
-                <a:cs typeface="Courier New" panose="02070309020205020404" pitchFamily="49" charset="0"/>
-              </a:rPr>
-              <a:t>?</a:t>
-            </a:r>
-          </a:p>
-          <a:p>
-            <a:pPr lvl="1"/>
-            <a:r>
-              <a:rPr lang="en-US" dirty="0" smtClean="0"/>
-              <a:t>Find 0 or 1 of a character</a:t>
-            </a:r>
-          </a:p>
-          <a:p>
-            <a:r>
-              <a:rPr lang="en-US" dirty="0" smtClean="0">
-                <a:latin typeface="Courier New" panose="02070309020205020404" pitchFamily="49" charset="0"/>
-                <a:cs typeface="Courier New" panose="02070309020205020404" pitchFamily="49" charset="0"/>
-              </a:rPr>
-              <a:t>*</a:t>
-            </a:r>
-          </a:p>
-          <a:p>
-            <a:pPr lvl="1"/>
-            <a:r>
-              <a:rPr lang="en-US" dirty="0" smtClean="0"/>
-              <a:t>Find 0 or more of a character</a:t>
-            </a:r>
-          </a:p>
-          <a:p>
-            <a:r>
-              <a:rPr lang="en-US" dirty="0" smtClean="0">
-                <a:latin typeface="Courier New" panose="02070309020205020404" pitchFamily="49" charset="0"/>
-                <a:cs typeface="Courier New" panose="02070309020205020404" pitchFamily="49" charset="0"/>
-              </a:rPr>
-              <a:t>+</a:t>
-            </a:r>
-            <a:endParaRPr lang="en-US" dirty="0">
-              <a:latin typeface="Courier New" panose="02070309020205020404" pitchFamily="49" charset="0"/>
-              <a:cs typeface="Courier New" panose="02070309020205020404" pitchFamily="49" charset="0"/>
-            </a:endParaRPr>
-          </a:p>
-          <a:p>
-            <a:pPr lvl="1"/>
-            <a:r>
-              <a:rPr lang="en-US" dirty="0" smtClean="0"/>
-              <a:t>Find 1 or more of a character</a:t>
-            </a:r>
-          </a:p>
-          <a:p>
-            <a:r>
-              <a:rPr lang="en-US" dirty="0" smtClean="0"/>
-              <a:t>Examples</a:t>
-            </a:r>
-          </a:p>
-          <a:p>
-            <a:pPr lvl="1"/>
-            <a:r>
-              <a:rPr lang="en-US" dirty="0" smtClean="0">
-                <a:latin typeface="Courier New" panose="02070309020205020404" pitchFamily="49" charset="0"/>
-                <a:cs typeface="Courier New" panose="02070309020205020404" pitchFamily="49" charset="0"/>
-              </a:rPr>
-              <a:t>\w+</a:t>
-            </a:r>
-          </a:p>
-          <a:p>
-            <a:pPr lvl="1"/>
-            <a:r>
-              <a:rPr lang="en-US" dirty="0" smtClean="0">
-                <a:latin typeface="Courier New" panose="02070309020205020404" pitchFamily="49" charset="0"/>
-                <a:cs typeface="Courier New" panose="02070309020205020404" pitchFamily="49" charset="0"/>
-              </a:rPr>
-              <a:t>[0-9]+</a:t>
-            </a:r>
-          </a:p>
-          <a:p>
-            <a:pPr lvl="1"/>
-            <a:r>
-              <a:rPr lang="en-US" dirty="0" smtClean="0">
-                <a:latin typeface="Courier New" panose="02070309020205020404" pitchFamily="49" charset="0"/>
-                <a:cs typeface="Courier New" panose="02070309020205020404" pitchFamily="49" charset="0"/>
-              </a:rPr>
-              <a:t>[0-9]+\.?</a:t>
-            </a:r>
-          </a:p>
-          <a:p>
-            <a:pPr lvl="1"/>
-            <a:r>
-              <a:rPr lang="en-US" dirty="0" smtClean="0">
-                <a:latin typeface="Courier New" panose="02070309020205020404" pitchFamily="49" charset="0"/>
-                <a:cs typeface="Courier New" panose="02070309020205020404" pitchFamily="49" charset="0"/>
-              </a:rPr>
-              <a:t>[</a:t>
+              <a:rPr lang="en-US" dirty="0"/>
+              <a:t>Find all periods on </a:t>
             </a:r>
             <a:r>
               <a:rPr lang="en-US" dirty="0">
                 <a:latin typeface="Courier New" panose="02070309020205020404" pitchFamily="49" charset="0"/>
                 <a:cs typeface="Courier New" panose="02070309020205020404" pitchFamily="49" charset="0"/>
               </a:rPr>
-              <a:t>0-9</a:t>
-            </a:r>
-            <a:r>
-              <a:rPr lang="en-US" dirty="0" smtClean="0">
-                <a:latin typeface="Courier New" panose="02070309020205020404" pitchFamily="49" charset="0"/>
-                <a:cs typeface="Courier New" panose="02070309020205020404" pitchFamily="49" charset="0"/>
-              </a:rPr>
-              <a:t>]*\.?[</a:t>
-            </a:r>
-            <a:r>
-              <a:rPr lang="en-US" dirty="0">
-                <a:latin typeface="Courier New" panose="02070309020205020404" pitchFamily="49" charset="0"/>
-                <a:cs typeface="Courier New" panose="02070309020205020404" pitchFamily="49" charset="0"/>
-              </a:rPr>
-              <a:t>0-9]+</a:t>
+              <a:t>regexr.com</a:t>
             </a:r>
           </a:p>
         </p:txBody>
@@ -23091,20 +22814,13 @@
     </p:spTree>
     <p:extLst>
       <p:ext uri="{BB962C8B-B14F-4D97-AF65-F5344CB8AC3E}">
-        <p14:creationId xmlns:p14="http://schemas.microsoft.com/office/powerpoint/2010/main" val="1335931986"/>
+        <p14:creationId xmlns:p14="http://schemas.microsoft.com/office/powerpoint/2010/main" val="3167180861"/>
       </p:ext>
     </p:extLst>
   </p:cSld>
   <p:clrMapOvr>
     <a:masterClrMapping/>
   </p:clrMapOvr>
-  <p:timing>
-    <p:tnLst>
-      <p:par>
-        <p:cTn id="1" dur="indefinite" restart="never" nodeType="tmRoot"/>
-      </p:par>
-    </p:tnLst>
-  </p:timing>
 </p:sld>
 </file>
 
@@ -23141,10 +22857,9 @@
           <a:lstStyle/>
           <a:p>
             <a:r>
-              <a:rPr lang="en-US" dirty="0" smtClean="0"/>
-              <a:t>Exercise 5</a:t>
-            </a:r>
-            <a:endParaRPr lang="en-US" dirty="0"/>
+              <a:rPr lang="en-US" dirty="0"/>
+              <a:t>Syntax Instance 5</a:t>
+            </a:r>
           </a:p>
         </p:txBody>
       </p:sp>
@@ -23164,54 +22879,97 @@
           <a:lstStyle/>
           <a:p>
             <a:r>
-              <a:rPr lang="en-US" dirty="0" smtClean="0"/>
-              <a:t>Find patterns with:</a:t>
-            </a:r>
-          </a:p>
-          <a:p>
-            <a:pPr marL="714375" lvl="1" indent="-457200">
-              <a:buFont typeface="+mj-lt"/>
-              <a:buAutoNum type="arabicPeriod"/>
-            </a:pPr>
-            <a:r>
-              <a:rPr lang="en-US" dirty="0" smtClean="0"/>
-              <a:t>Any number of numeric digits, </a:t>
-            </a:r>
-          </a:p>
-          <a:p>
-            <a:pPr marL="714375" lvl="1" indent="-457200">
-              <a:buFont typeface="+mj-lt"/>
-              <a:buAutoNum type="arabicPeriod"/>
-            </a:pPr>
-            <a:r>
-              <a:rPr lang="en-US" dirty="0" smtClean="0"/>
-              <a:t>Followed by either a decimal point or a comma, </a:t>
-            </a:r>
-          </a:p>
-          <a:p>
-            <a:pPr marL="714375" lvl="1" indent="-457200">
-              <a:buFont typeface="+mj-lt"/>
-              <a:buAutoNum type="arabicPeriod"/>
-            </a:pPr>
-            <a:r>
-              <a:rPr lang="en-US" dirty="0" smtClean="0"/>
-              <a:t>Followed by three numeric digits, </a:t>
-            </a:r>
-          </a:p>
-          <a:p>
-            <a:pPr marL="714375" lvl="1" indent="-457200">
-              <a:buFont typeface="+mj-lt"/>
-              <a:buAutoNum type="arabicPeriod"/>
-            </a:pPr>
-            <a:r>
-              <a:rPr lang="en-US" smtClean="0"/>
-              <a:t>Followed </a:t>
-            </a:r>
-            <a:r>
-              <a:rPr lang="en-US" dirty="0" smtClean="0"/>
-              <a:t>by a word break</a:t>
-            </a:r>
-            <a:endParaRPr lang="en-US" dirty="0"/>
+              <a:rPr lang="en-US" dirty="0">
+                <a:latin typeface="Courier New" panose="02070309020205020404" pitchFamily="49" charset="0"/>
+                <a:cs typeface="Courier New" panose="02070309020205020404" pitchFamily="49" charset="0"/>
+              </a:rPr>
+              <a:t>?</a:t>
+            </a:r>
+          </a:p>
+          <a:p>
+            <a:pPr lvl="1"/>
+            <a:r>
+              <a:rPr lang="en-US" dirty="0"/>
+              <a:t>Find 0 or 1 of a character</a:t>
+            </a:r>
+          </a:p>
+          <a:p>
+            <a:r>
+              <a:rPr lang="en-US" dirty="0">
+                <a:latin typeface="Courier New" panose="02070309020205020404" pitchFamily="49" charset="0"/>
+                <a:cs typeface="Courier New" panose="02070309020205020404" pitchFamily="49" charset="0"/>
+              </a:rPr>
+              <a:t>*</a:t>
+            </a:r>
+          </a:p>
+          <a:p>
+            <a:pPr lvl="1"/>
+            <a:r>
+              <a:rPr lang="en-US" dirty="0"/>
+              <a:t>Find 0 or more of a character</a:t>
+            </a:r>
+          </a:p>
+          <a:p>
+            <a:r>
+              <a:rPr lang="en-US" dirty="0">
+                <a:latin typeface="Courier New" panose="02070309020205020404" pitchFamily="49" charset="0"/>
+                <a:cs typeface="Courier New" panose="02070309020205020404" pitchFamily="49" charset="0"/>
+              </a:rPr>
+              <a:t>+</a:t>
+            </a:r>
+          </a:p>
+          <a:p>
+            <a:pPr lvl="1"/>
+            <a:r>
+              <a:rPr lang="en-US" dirty="0"/>
+              <a:t>Find 1 or more of a character</a:t>
+            </a:r>
+          </a:p>
+          <a:p>
+            <a:r>
+              <a:rPr lang="en-US" dirty="0"/>
+              <a:t>Examples</a:t>
+            </a:r>
+          </a:p>
+          <a:p>
+            <a:pPr lvl="1"/>
+            <a:r>
+              <a:rPr lang="en-US" dirty="0">
+                <a:latin typeface="Courier New" panose="02070309020205020404" pitchFamily="49" charset="0"/>
+                <a:cs typeface="Courier New" panose="02070309020205020404" pitchFamily="49" charset="0"/>
+              </a:rPr>
+              <a:t>\w+</a:t>
+            </a:r>
+          </a:p>
+          <a:p>
+            <a:pPr lvl="1"/>
+            <a:r>
+              <a:rPr lang="en-US" dirty="0">
+                <a:latin typeface="Courier New" panose="02070309020205020404" pitchFamily="49" charset="0"/>
+                <a:cs typeface="Courier New" panose="02070309020205020404" pitchFamily="49" charset="0"/>
+              </a:rPr>
+              <a:t>[0-9]+</a:t>
+            </a:r>
+          </a:p>
+          <a:p>
+            <a:pPr lvl="1"/>
+            <a:r>
+              <a:rPr lang="en-US" dirty="0">
+                <a:latin typeface="Courier New" panose="02070309020205020404" pitchFamily="49" charset="0"/>
+                <a:cs typeface="Courier New" panose="02070309020205020404" pitchFamily="49" charset="0"/>
+              </a:rPr>
+              <a:t>[0-9]+\.?</a:t>
+            </a:r>
+          </a:p>
+          <a:p>
+            <a:pPr lvl="1"/>
+            <a:r>
+              <a:rPr lang="en-US" dirty="0">
+                <a:latin typeface="Courier New" panose="02070309020205020404" pitchFamily="49" charset="0"/>
+                <a:cs typeface="Courier New" panose="02070309020205020404" pitchFamily="49" charset="0"/>
+              </a:rPr>
+              <a:t>[0-9]*\.?[0-9]+</a:t>
+            </a:r>
           </a:p>
         </p:txBody>
       </p:sp>
@@ -23241,20 +22999,13 @@
     </p:spTree>
     <p:extLst>
       <p:ext uri="{BB962C8B-B14F-4D97-AF65-F5344CB8AC3E}">
-        <p14:creationId xmlns:p14="http://schemas.microsoft.com/office/powerpoint/2010/main" val="1405646308"/>
+        <p14:creationId xmlns:p14="http://schemas.microsoft.com/office/powerpoint/2010/main" val="1335931986"/>
       </p:ext>
     </p:extLst>
   </p:cSld>
   <p:clrMapOvr>
     <a:masterClrMapping/>
   </p:clrMapOvr>
-  <p:timing>
-    <p:tnLst>
-      <p:par>
-        <p:cTn id="1" dur="indefinite" restart="never" nodeType="tmRoot"/>
-      </p:par>
-    </p:tnLst>
-  </p:timing>
 </p:sld>
 </file>
 
@@ -23291,10 +23042,9 @@
           <a:lstStyle/>
           <a:p>
             <a:r>
-              <a:rPr lang="en-US" dirty="0" smtClean="0"/>
-              <a:t>Syntax Instance 6</a:t>
-            </a:r>
-            <a:endParaRPr lang="en-US" dirty="0"/>
+              <a:rPr lang="en-US" dirty="0"/>
+              <a:t>Exercise 5</a:t>
+            </a:r>
           </a:p>
         </p:txBody>
       </p:sp>
@@ -23314,60 +23064,53 @@
           <a:lstStyle/>
           <a:p>
             <a:r>
-              <a:rPr lang="en-US" dirty="0" smtClean="0">
-                <a:latin typeface="Courier New" panose="02070309020205020404" pitchFamily="49" charset="0"/>
-                <a:cs typeface="Courier New" panose="02070309020205020404" pitchFamily="49" charset="0"/>
-              </a:rPr>
-              <a:t>[^w]</a:t>
-            </a:r>
-          </a:p>
-          <a:p>
-            <a:pPr lvl="1"/>
-            <a:r>
-              <a:rPr lang="en-US" dirty="0" smtClean="0"/>
-              <a:t>Within brackets the caret, </a:t>
-            </a:r>
-            <a:r>
-              <a:rPr lang="en-US" dirty="0" smtClean="0">
-                <a:latin typeface="Courier New" panose="02070309020205020404" pitchFamily="49" charset="0"/>
-                <a:cs typeface="Courier New" panose="02070309020205020404" pitchFamily="49" charset="0"/>
-              </a:rPr>
-              <a:t>^</a:t>
-            </a:r>
-            <a:r>
-              <a:rPr lang="en-US" dirty="0" smtClean="0"/>
-              <a:t>, means “not one of these characters”.  Here “not w”</a:t>
-            </a:r>
-          </a:p>
-          <a:p>
-            <a:r>
-              <a:rPr lang="en-US" dirty="0" smtClean="0"/>
-              <a:t>Examples</a:t>
-            </a:r>
-          </a:p>
-          <a:p>
-            <a:pPr lvl="1"/>
-            <a:r>
-              <a:rPr lang="en-US" dirty="0" smtClean="0">
-                <a:latin typeface="Courier New" panose="02070309020205020404" pitchFamily="49" charset="0"/>
-                <a:cs typeface="Courier New" panose="02070309020205020404" pitchFamily="49" charset="0"/>
-              </a:rPr>
-              <a:t>[^\d]</a:t>
-            </a:r>
-          </a:p>
-          <a:p>
-            <a:pPr lvl="1"/>
-            <a:r>
-              <a:rPr lang="en-US" dirty="0" smtClean="0">
-                <a:latin typeface="Courier New" panose="02070309020205020404" pitchFamily="49" charset="0"/>
-                <a:cs typeface="Courier New" panose="02070309020205020404" pitchFamily="49" charset="0"/>
-              </a:rPr>
-              <a:t>[^abcdr]</a:t>
-            </a:r>
-            <a:endParaRPr lang="en-US" dirty="0">
-              <a:latin typeface="Courier New" panose="02070309020205020404" pitchFamily="49" charset="0"/>
-              <a:cs typeface="Courier New" panose="02070309020205020404" pitchFamily="49" charset="0"/>
-            </a:endParaRPr>
+              <a:rPr lang="en-US" dirty="0"/>
+              <a:t>Find patterns with:</a:t>
+            </a:r>
+          </a:p>
+          <a:p>
+            <a:pPr marL="714375" lvl="1" indent="-457200">
+              <a:buFont typeface="+mj-lt"/>
+              <a:buAutoNum type="arabicPeriod"/>
+            </a:pPr>
+            <a:r>
+              <a:rPr lang="en-US" dirty="0"/>
+              <a:t>Any number of numeric digits, </a:t>
+            </a:r>
+          </a:p>
+          <a:p>
+            <a:pPr marL="714375" lvl="1" indent="-457200">
+              <a:buFont typeface="+mj-lt"/>
+              <a:buAutoNum type="arabicPeriod"/>
+            </a:pPr>
+            <a:r>
+              <a:rPr lang="en-US" dirty="0"/>
+              <a:t>Followed by either a decimal point or a comma, </a:t>
+            </a:r>
+          </a:p>
+          <a:p>
+            <a:pPr marL="714375" lvl="1" indent="-457200">
+              <a:buFont typeface="+mj-lt"/>
+              <a:buAutoNum type="arabicPeriod"/>
+            </a:pPr>
+            <a:r>
+              <a:rPr lang="en-US" dirty="0"/>
+              <a:t>Followed by three numeric digits, </a:t>
+            </a:r>
+          </a:p>
+          <a:p>
+            <a:pPr marL="714375" lvl="1" indent="-457200">
+              <a:buFont typeface="+mj-lt"/>
+              <a:buAutoNum type="arabicPeriod"/>
+            </a:pPr>
+            <a:r>
+              <a:rPr lang="en-US"/>
+              <a:t>Followed </a:t>
+            </a:r>
+            <a:r>
+              <a:rPr lang="en-US" dirty="0"/>
+              <a:t>by a word break</a:t>
+            </a:r>
           </a:p>
         </p:txBody>
       </p:sp>
@@ -23397,20 +23140,13 @@
     </p:spTree>
     <p:extLst>
       <p:ext uri="{BB962C8B-B14F-4D97-AF65-F5344CB8AC3E}">
-        <p14:creationId xmlns:p14="http://schemas.microsoft.com/office/powerpoint/2010/main" val="2838727552"/>
+        <p14:creationId xmlns:p14="http://schemas.microsoft.com/office/powerpoint/2010/main" val="1405646308"/>
       </p:ext>
     </p:extLst>
   </p:cSld>
   <p:clrMapOvr>
     <a:masterClrMapping/>
   </p:clrMapOvr>
-  <p:timing>
-    <p:tnLst>
-      <p:par>
-        <p:cTn id="1" dur="indefinite" restart="never" nodeType="tmRoot"/>
-      </p:par>
-    </p:tnLst>
-  </p:timing>
 </p:sld>
 </file>
 
@@ -23447,10 +23183,9 @@
           <a:lstStyle/>
           <a:p>
             <a:r>
-              <a:rPr lang="en-US" dirty="0" smtClean="0"/>
-              <a:t>Exercise 6</a:t>
-            </a:r>
-            <a:endParaRPr lang="en-US" dirty="0"/>
+              <a:rPr lang="en-US" dirty="0"/>
+              <a:t>Syntax Instance 6</a:t>
+            </a:r>
           </a:p>
         </p:txBody>
       </p:sp>
@@ -23470,15 +23205,56 @@
           <a:lstStyle/>
           <a:p>
             <a:r>
+              <a:rPr lang="en-US" dirty="0">
+                <a:latin typeface="Courier New" panose="02070309020205020404" pitchFamily="49" charset="0"/>
+                <a:cs typeface="Courier New" panose="02070309020205020404" pitchFamily="49" charset="0"/>
+              </a:rPr>
+              <a:t>[^w]</a:t>
+            </a:r>
+          </a:p>
+          <a:p>
+            <a:pPr lvl="1"/>
+            <a:r>
               <a:rPr lang="en-US" dirty="0"/>
-              <a:t>Find all characters that are not one of these: ‘, “, &gt;, &lt;, -</a:t>
-            </a:r>
-          </a:p>
-          <a:p>
-            <a:endParaRPr lang="en-US" dirty="0" smtClean="0"/>
-          </a:p>
-          <a:p>
-            <a:endParaRPr lang="en-US" dirty="0"/>
+              <a:t>Within brackets the caret, </a:t>
+            </a:r>
+            <a:r>
+              <a:rPr lang="en-US" dirty="0">
+                <a:latin typeface="Courier New" panose="02070309020205020404" pitchFamily="49" charset="0"/>
+                <a:cs typeface="Courier New" panose="02070309020205020404" pitchFamily="49" charset="0"/>
+              </a:rPr>
+              <a:t>^</a:t>
+            </a:r>
+            <a:r>
+              <a:rPr lang="en-US" dirty="0"/>
+              <a:t>, means “not one of these characters”.  Here “not w”</a:t>
+            </a:r>
+          </a:p>
+          <a:p>
+            <a:r>
+              <a:rPr lang="en-US" dirty="0"/>
+              <a:t>Examples</a:t>
+            </a:r>
+          </a:p>
+          <a:p>
+            <a:pPr lvl="1"/>
+            <a:r>
+              <a:rPr lang="en-US" dirty="0">
+                <a:latin typeface="Courier New" panose="02070309020205020404" pitchFamily="49" charset="0"/>
+                <a:cs typeface="Courier New" panose="02070309020205020404" pitchFamily="49" charset="0"/>
+              </a:rPr>
+              <a:t>[^\d]</a:t>
+            </a:r>
+          </a:p>
+          <a:p>
+            <a:pPr lvl="1"/>
+            <a:r>
+              <a:rPr lang="en-US" dirty="0">
+                <a:latin typeface="Courier New" panose="02070309020205020404" pitchFamily="49" charset="0"/>
+                <a:cs typeface="Courier New" panose="02070309020205020404" pitchFamily="49" charset="0"/>
+              </a:rPr>
+              <a:t>[^abcdr]</a:t>
+            </a:r>
           </a:p>
         </p:txBody>
       </p:sp>
@@ -23508,20 +23284,13 @@
     </p:spTree>
     <p:extLst>
       <p:ext uri="{BB962C8B-B14F-4D97-AF65-F5344CB8AC3E}">
-        <p14:creationId xmlns:p14="http://schemas.microsoft.com/office/powerpoint/2010/main" val="3423181645"/>
+        <p14:creationId xmlns:p14="http://schemas.microsoft.com/office/powerpoint/2010/main" val="2838727552"/>
       </p:ext>
     </p:extLst>
   </p:cSld>
   <p:clrMapOvr>
     <a:masterClrMapping/>
   </p:clrMapOvr>
-  <p:timing>
-    <p:tnLst>
-      <p:par>
-        <p:cTn id="1" dur="indefinite" restart="never" nodeType="tmRoot"/>
-      </p:par>
-    </p:tnLst>
-  </p:timing>
 </p:sld>
 </file>
 
@@ -23558,10 +23327,9 @@
           <a:lstStyle/>
           <a:p>
             <a:r>
-              <a:rPr lang="en-US" dirty="0" smtClean="0"/>
+              <a:rPr lang="en-US" dirty="0"/>
               <a:t>Regular Expressions</a:t>
             </a:r>
-            <a:endParaRPr lang="en-US" dirty="0"/>
           </a:p>
         </p:txBody>
       </p:sp>
@@ -23581,84 +23349,84 @@
           <a:lstStyle/>
           <a:p>
             <a:r>
-              <a:rPr lang="en-US" dirty="0" smtClean="0"/>
+              <a:rPr lang="en-US" dirty="0"/>
               <a:t>Purposes</a:t>
             </a:r>
           </a:p>
           <a:p>
             <a:pPr lvl="1"/>
             <a:r>
-              <a:rPr lang="en-US" dirty="0" smtClean="0"/>
+              <a:rPr lang="en-US" dirty="0"/>
               <a:t>Finding patterns of characters</a:t>
             </a:r>
           </a:p>
           <a:p>
             <a:pPr lvl="1"/>
             <a:r>
-              <a:rPr lang="en-US" dirty="0" smtClean="0"/>
+              <a:rPr lang="en-US" dirty="0"/>
               <a:t>Text analysis</a:t>
             </a:r>
           </a:p>
           <a:p>
             <a:pPr lvl="1"/>
             <a:r>
-              <a:rPr lang="en-US" dirty="0" smtClean="0"/>
+              <a:rPr lang="en-US" dirty="0"/>
               <a:t>For processing text, strings</a:t>
             </a:r>
           </a:p>
           <a:p>
             <a:pPr lvl="2"/>
             <a:r>
-              <a:rPr lang="en-US" dirty="0" smtClean="0"/>
+              <a:rPr lang="en-US" dirty="0"/>
               <a:t>Validating data entry: </a:t>
             </a:r>
           </a:p>
           <a:p>
             <a:pPr lvl="3"/>
             <a:r>
-              <a:rPr lang="en-US" dirty="0" smtClean="0"/>
+              <a:rPr lang="en-US" dirty="0"/>
               <a:t>Email addresses, phone numbers, social security numbers</a:t>
             </a:r>
           </a:p>
           <a:p>
             <a:pPr lvl="2"/>
             <a:r>
-              <a:rPr lang="en-US" dirty="0" smtClean="0"/>
+              <a:rPr lang="en-US" dirty="0"/>
               <a:t>Replacement, substitution</a:t>
             </a:r>
           </a:p>
           <a:p>
             <a:pPr lvl="1"/>
             <a:r>
-              <a:rPr lang="en-US" dirty="0" smtClean="0"/>
+              <a:rPr lang="en-US" dirty="0"/>
               <a:t>Cleaning text</a:t>
             </a:r>
           </a:p>
           <a:p>
             <a:pPr lvl="2"/>
             <a:r>
-              <a:rPr lang="en-US" dirty="0" smtClean="0"/>
+              <a:rPr lang="en-US" dirty="0"/>
               <a:t>Removing characters</a:t>
             </a:r>
           </a:p>
           <a:p>
             <a:pPr lvl="2"/>
             <a:r>
-              <a:rPr lang="en-US" dirty="0" smtClean="0"/>
+              <a:rPr lang="en-US" dirty="0"/>
               <a:t>Stripping whitespace characters, punctuation</a:t>
             </a:r>
           </a:p>
           <a:p>
             <a:pPr lvl="1"/>
             <a:r>
-              <a:rPr lang="en-US" dirty="0" smtClean="0"/>
+              <a:rPr lang="en-US" dirty="0"/>
               <a:t>Parsing text</a:t>
             </a:r>
           </a:p>
           <a:p>
             <a:pPr lvl="2"/>
             <a:r>
-              <a:rPr lang="en-US" dirty="0" smtClean="0"/>
+              <a:rPr lang="en-US" dirty="0"/>
               <a:t>Splitting strings into a list of words at occurrence of particular characters</a:t>
             </a:r>
           </a:p>
@@ -23698,13 +23466,6 @@
   <p:clrMapOvr>
     <a:masterClrMapping/>
   </p:clrMapOvr>
-  <p:timing>
-    <p:tnLst>
-      <p:par>
-        <p:cTn id="1" dur="indefinite" restart="never" nodeType="tmRoot"/>
-      </p:par>
-    </p:tnLst>
-  </p:timing>
 </p:sld>
 </file>
 
@@ -23741,10 +23502,9 @@
           <a:lstStyle/>
           <a:p>
             <a:r>
-              <a:rPr lang="en-US" dirty="0" smtClean="0"/>
-              <a:t>Syntax Instance 7</a:t>
-            </a:r>
-            <a:endParaRPr lang="en-US" dirty="0"/>
+              <a:rPr lang="en-US" dirty="0"/>
+              <a:t>Exercise 6</a:t>
+            </a:r>
           </a:p>
         </p:txBody>
       </p:sp>
@@ -23764,93 +23524,15 @@
           <a:lstStyle/>
           <a:p>
             <a:r>
-              <a:rPr lang="en-US" dirty="0" smtClean="0"/>
-              <a:t>Grouping: </a:t>
-            </a:r>
-            <a:r>
-              <a:rPr lang="en-US" dirty="0" smtClean="0">
-                <a:latin typeface="Courier New" panose="02070309020205020404" pitchFamily="49" charset="0"/>
-                <a:cs typeface="Courier New" panose="02070309020205020404" pitchFamily="49" charset="0"/>
-              </a:rPr>
-              <a:t>()</a:t>
-            </a:r>
-          </a:p>
-          <a:p>
-            <a:r>
-              <a:rPr lang="en-US" dirty="0" smtClean="0"/>
-              <a:t>Most often used for contiguous, repeated sequences</a:t>
-            </a:r>
-          </a:p>
-          <a:p>
-            <a:r>
-              <a:rPr lang="en-US" dirty="0" smtClean="0"/>
-              <a:t>Examples</a:t>
-            </a:r>
-          </a:p>
-          <a:p>
-            <a:pPr lvl="1"/>
-            <a:r>
-              <a:rPr lang="en-US" dirty="0" smtClean="0">
-                <a:latin typeface="Courier New" panose="02070309020205020404" pitchFamily="49" charset="0"/>
-                <a:cs typeface="Courier New" panose="02070309020205020404" pitchFamily="49" charset="0"/>
-              </a:rPr>
-              <a:t>(\d{3}\.)+</a:t>
-            </a:r>
-          </a:p>
-          <a:p>
-            <a:pPr lvl="1"/>
-            <a:r>
-              <a:rPr lang="en-US" dirty="0" smtClean="0">
-                <a:latin typeface="Courier New" panose="02070309020205020404" pitchFamily="49" charset="0"/>
-                <a:cs typeface="Courier New" panose="02070309020205020404" pitchFamily="49" charset="0"/>
-              </a:rPr>
-              <a:t>(\w+\.)+</a:t>
-            </a:r>
-          </a:p>
-          <a:p>
-            <a:pPr lvl="1"/>
-            <a:r>
-              <a:rPr lang="en-US" dirty="0" smtClean="0">
-                <a:latin typeface="Courier New" panose="02070309020205020404" pitchFamily="49" charset="0"/>
-                <a:cs typeface="Courier New" panose="02070309020205020404" pitchFamily="49" charset="0"/>
-              </a:rPr>
-              <a:t>([a-zA-Z]+\.)+</a:t>
-            </a:r>
-          </a:p>
-          <a:p>
-            <a:pPr lvl="1"/>
-            <a:r>
-              <a:rPr lang="en-US" dirty="0">
-                <a:latin typeface="Courier New" panose="02070309020205020404" pitchFamily="49" charset="0"/>
-                <a:cs typeface="Courier New" panose="02070309020205020404" pitchFamily="49" charset="0"/>
-              </a:rPr>
-              <a:t>([a-zA-Z</a:t>
-            </a:r>
-            <a:r>
-              <a:rPr lang="en-US" dirty="0" smtClean="0">
-                <a:latin typeface="Courier New" panose="02070309020205020404" pitchFamily="49" charset="0"/>
-                <a:cs typeface="Courier New" panose="02070309020205020404" pitchFamily="49" charset="0"/>
-              </a:rPr>
-              <a:t>]{2,}\.)+</a:t>
-            </a:r>
-            <a:endParaRPr lang="en-US" dirty="0">
-              <a:latin typeface="Courier New" panose="02070309020205020404" pitchFamily="49" charset="0"/>
-              <a:cs typeface="Courier New" panose="02070309020205020404" pitchFamily="49" charset="0"/>
-            </a:endParaRPr>
-          </a:p>
-          <a:p>
-            <a:pPr lvl="1"/>
-            <a:endParaRPr lang="en-US" dirty="0">
-              <a:latin typeface="Courier New" panose="02070309020205020404" pitchFamily="49" charset="0"/>
-              <a:cs typeface="Courier New" panose="02070309020205020404" pitchFamily="49" charset="0"/>
-            </a:endParaRPr>
-          </a:p>
-          <a:p>
-            <a:pPr lvl="1"/>
-            <a:endParaRPr lang="en-US" dirty="0">
-              <a:latin typeface="Courier New" panose="02070309020205020404" pitchFamily="49" charset="0"/>
-              <a:cs typeface="Courier New" panose="02070309020205020404" pitchFamily="49" charset="0"/>
-            </a:endParaRPr>
+              <a:rPr lang="en-US" dirty="0"/>
+              <a:t>Find all characters that are not one of these: ‘, “, &gt;, &lt;, -</a:t>
+            </a:r>
+          </a:p>
+          <a:p>
+            <a:endParaRPr lang="en-US" dirty="0"/>
+          </a:p>
+          <a:p>
+            <a:endParaRPr lang="en-US" dirty="0"/>
           </a:p>
         </p:txBody>
       </p:sp>
@@ -23880,20 +23562,13 @@
     </p:spTree>
     <p:extLst>
       <p:ext uri="{BB962C8B-B14F-4D97-AF65-F5344CB8AC3E}">
-        <p14:creationId xmlns:p14="http://schemas.microsoft.com/office/powerpoint/2010/main" val="660706761"/>
+        <p14:creationId xmlns:p14="http://schemas.microsoft.com/office/powerpoint/2010/main" val="3423181645"/>
       </p:ext>
     </p:extLst>
   </p:cSld>
   <p:clrMapOvr>
     <a:masterClrMapping/>
   </p:clrMapOvr>
-  <p:timing>
-    <p:tnLst>
-      <p:par>
-        <p:cTn id="1" dur="indefinite" restart="never" nodeType="tmRoot"/>
-      </p:par>
-    </p:tnLst>
-  </p:timing>
 </p:sld>
 </file>
 
@@ -23930,10 +23605,9 @@
           <a:lstStyle/>
           <a:p>
             <a:r>
-              <a:rPr lang="en-US" dirty="0" smtClean="0"/>
-              <a:t>Syntax Instance 8</a:t>
-            </a:r>
-            <a:endParaRPr lang="en-US" dirty="0"/>
+              <a:rPr lang="en-US" dirty="0"/>
+              <a:t>Syntax Instance 7</a:t>
+            </a:r>
           </a:p>
         </p:txBody>
       </p:sp>
@@ -23954,81 +23628,67 @@
           <a:p>
             <a:r>
               <a:rPr lang="en-US" dirty="0"/>
-              <a:t>Search beginning of a string: </a:t>
+              <a:t>Grouping: </a:t>
             </a:r>
             <a:r>
               <a:rPr lang="en-US" dirty="0">
                 <a:latin typeface="Courier New" panose="02070309020205020404" pitchFamily="49" charset="0"/>
                 <a:cs typeface="Courier New" panose="02070309020205020404" pitchFamily="49" charset="0"/>
               </a:rPr>
-              <a:t>^</a:t>
-            </a:r>
-          </a:p>
-          <a:p>
-            <a:r>
-              <a:rPr lang="en-US" dirty="0" smtClean="0"/>
-              <a:t>Search end of a string: </a:t>
-            </a:r>
-            <a:r>
-              <a:rPr lang="en-US" dirty="0" smtClean="0">
+              <a:t>()</a:t>
+            </a:r>
+          </a:p>
+          <a:p>
+            <a:r>
+              <a:rPr lang="en-US" dirty="0"/>
+              <a:t>Most often used for contiguous, repeated sequences</a:t>
+            </a:r>
+          </a:p>
+          <a:p>
+            <a:r>
+              <a:rPr lang="en-US" dirty="0"/>
+              <a:t>Examples</a:t>
+            </a:r>
+          </a:p>
+          <a:p>
+            <a:pPr lvl="1"/>
+            <a:r>
+              <a:rPr lang="en-US" dirty="0">
                 <a:latin typeface="Courier New" panose="02070309020205020404" pitchFamily="49" charset="0"/>
                 <a:cs typeface="Courier New" panose="02070309020205020404" pitchFamily="49" charset="0"/>
               </a:rPr>
-              <a:t>$</a:t>
-            </a:r>
-          </a:p>
-          <a:p>
-            <a:r>
-              <a:rPr lang="en-US" dirty="0" smtClean="0"/>
-              <a:t>Behavior on </a:t>
-            </a:r>
-            <a:r>
-              <a:rPr lang="en-US" dirty="0" smtClean="0">
-                <a:latin typeface="Courier"/>
-              </a:rPr>
-              <a:t>regexr.com</a:t>
-            </a:r>
-            <a:r>
-              <a:rPr lang="en-US" dirty="0" smtClean="0"/>
-              <a:t> and in Python will be different</a:t>
+              <a:t>(\d{3}\.)+</a:t>
             </a:r>
           </a:p>
           <a:p>
             <a:pPr lvl="1"/>
             <a:r>
-              <a:rPr lang="en-US" dirty="0" smtClean="0"/>
-              <a:t>Let’s discuss</a:t>
-            </a:r>
-          </a:p>
-          <a:p>
-            <a:r>
-              <a:rPr lang="en-US" dirty="0" smtClean="0"/>
-              <a:t>Examples</a:t>
-            </a:r>
-          </a:p>
-          <a:p>
-            <a:pPr lvl="1"/>
-            <a:r>
-              <a:rPr lang="en-US" dirty="0" smtClean="0">
+              <a:rPr lang="en-US" dirty="0">
                 <a:latin typeface="Courier New" panose="02070309020205020404" pitchFamily="49" charset="0"/>
                 <a:cs typeface="Courier New" panose="02070309020205020404" pitchFamily="49" charset="0"/>
               </a:rPr>
-              <a:t>^Welcome</a:t>
+              <a:t>(\w+\.)+</a:t>
             </a:r>
           </a:p>
           <a:p>
             <a:pPr lvl="1"/>
             <a:r>
-              <a:rPr lang="en-US" dirty="0" smtClean="0">
+              <a:rPr lang="en-US" dirty="0">
                 <a:latin typeface="Courier New" panose="02070309020205020404" pitchFamily="49" charset="0"/>
                 <a:cs typeface="Courier New" panose="02070309020205020404" pitchFamily="49" charset="0"/>
               </a:rPr>
-              <a:t>net$</a:t>
-            </a:r>
-            <a:endParaRPr lang="en-US" dirty="0">
-              <a:latin typeface="Courier New" panose="02070309020205020404" pitchFamily="49" charset="0"/>
-              <a:cs typeface="Courier New" panose="02070309020205020404" pitchFamily="49" charset="0"/>
-            </a:endParaRPr>
+              <a:t>([a-zA-Z]+\.)+</a:t>
+            </a:r>
+          </a:p>
+          <a:p>
+            <a:pPr lvl="1"/>
+            <a:r>
+              <a:rPr lang="en-US" dirty="0">
+                <a:latin typeface="Courier New" panose="02070309020205020404" pitchFamily="49" charset="0"/>
+                <a:cs typeface="Courier New" panose="02070309020205020404" pitchFamily="49" charset="0"/>
+              </a:rPr>
+              <a:t>([a-zA-Z]{2,}\.)+</a:t>
+            </a:r>
           </a:p>
           <a:p>
             <a:pPr lvl="1"/>
@@ -24072,20 +23732,13 @@
     </p:spTree>
     <p:extLst>
       <p:ext uri="{BB962C8B-B14F-4D97-AF65-F5344CB8AC3E}">
-        <p14:creationId xmlns:p14="http://schemas.microsoft.com/office/powerpoint/2010/main" val="1125851643"/>
+        <p14:creationId xmlns:p14="http://schemas.microsoft.com/office/powerpoint/2010/main" val="660706761"/>
       </p:ext>
     </p:extLst>
   </p:cSld>
   <p:clrMapOvr>
     <a:masterClrMapping/>
   </p:clrMapOvr>
-  <p:timing>
-    <p:tnLst>
-      <p:par>
-        <p:cTn id="1" dur="indefinite" restart="never" nodeType="tmRoot"/>
-      </p:par>
-    </p:tnLst>
-  </p:timing>
 </p:sld>
 </file>
 
@@ -24122,10 +23775,189 @@
           <a:lstStyle/>
           <a:p>
             <a:r>
-              <a:rPr lang="en-US" dirty="0" smtClean="0"/>
+              <a:rPr lang="en-US" dirty="0"/>
+              <a:t>Syntax Instance 8</a:t>
+            </a:r>
+          </a:p>
+        </p:txBody>
+      </p:sp>
+      <p:sp>
+        <p:nvSpPr>
+          <p:cNvPr id="3" name="Content Placeholder 2"/>
+          <p:cNvSpPr>
+            <a:spLocks noGrp="1"/>
+          </p:cNvSpPr>
+          <p:nvPr>
+            <p:ph idx="1"/>
+          </p:nvPr>
+        </p:nvSpPr>
+        <p:spPr/>
+        <p:txBody>
+          <a:bodyPr/>
+          <a:lstStyle/>
+          <a:p>
+            <a:r>
+              <a:rPr lang="en-US" dirty="0"/>
+              <a:t>Search beginning of a string: </a:t>
+            </a:r>
+            <a:r>
+              <a:rPr lang="en-US" dirty="0">
+                <a:latin typeface="Courier New" panose="02070309020205020404" pitchFamily="49" charset="0"/>
+                <a:cs typeface="Courier New" panose="02070309020205020404" pitchFamily="49" charset="0"/>
+              </a:rPr>
+              <a:t>^</a:t>
+            </a:r>
+          </a:p>
+          <a:p>
+            <a:r>
+              <a:rPr lang="en-US" dirty="0"/>
+              <a:t>Search end of a string: </a:t>
+            </a:r>
+            <a:r>
+              <a:rPr lang="en-US" dirty="0">
+                <a:latin typeface="Courier New" panose="02070309020205020404" pitchFamily="49" charset="0"/>
+                <a:cs typeface="Courier New" panose="02070309020205020404" pitchFamily="49" charset="0"/>
+              </a:rPr>
+              <a:t>$</a:t>
+            </a:r>
+          </a:p>
+          <a:p>
+            <a:r>
+              <a:rPr lang="en-US" dirty="0"/>
+              <a:t>Behavior on </a:t>
+            </a:r>
+            <a:r>
+              <a:rPr lang="en-US" dirty="0">
+                <a:latin typeface="Courier"/>
+              </a:rPr>
+              <a:t>regexr.com</a:t>
+            </a:r>
+            <a:r>
+              <a:rPr lang="en-US" dirty="0"/>
+              <a:t> and in Python will be different</a:t>
+            </a:r>
+          </a:p>
+          <a:p>
+            <a:pPr lvl="1"/>
+            <a:r>
+              <a:rPr lang="en-US" dirty="0"/>
+              <a:t>Let’s discuss</a:t>
+            </a:r>
+          </a:p>
+          <a:p>
+            <a:r>
+              <a:rPr lang="en-US" dirty="0"/>
+              <a:t>Examples</a:t>
+            </a:r>
+          </a:p>
+          <a:p>
+            <a:pPr lvl="1"/>
+            <a:r>
+              <a:rPr lang="en-US" dirty="0">
+                <a:latin typeface="Courier New" panose="02070309020205020404" pitchFamily="49" charset="0"/>
+                <a:cs typeface="Courier New" panose="02070309020205020404" pitchFamily="49" charset="0"/>
+              </a:rPr>
+              <a:t>^Welcome</a:t>
+            </a:r>
+          </a:p>
+          <a:p>
+            <a:pPr lvl="1"/>
+            <a:r>
+              <a:rPr lang="en-US" dirty="0">
+                <a:latin typeface="Courier New" panose="02070309020205020404" pitchFamily="49" charset="0"/>
+                <a:cs typeface="Courier New" panose="02070309020205020404" pitchFamily="49" charset="0"/>
+              </a:rPr>
+              <a:t>net$</a:t>
+            </a:r>
+          </a:p>
+          <a:p>
+            <a:pPr lvl="1"/>
+            <a:endParaRPr lang="en-US" dirty="0">
+              <a:latin typeface="Courier New" panose="02070309020205020404" pitchFamily="49" charset="0"/>
+              <a:cs typeface="Courier New" panose="02070309020205020404" pitchFamily="49" charset="0"/>
+            </a:endParaRPr>
+          </a:p>
+          <a:p>
+            <a:pPr lvl="1"/>
+            <a:endParaRPr lang="en-US" dirty="0">
+              <a:latin typeface="Courier New" panose="02070309020205020404" pitchFamily="49" charset="0"/>
+              <a:cs typeface="Courier New" panose="02070309020205020404" pitchFamily="49" charset="0"/>
+            </a:endParaRPr>
+          </a:p>
+        </p:txBody>
+      </p:sp>
+      <p:sp>
+        <p:nvSpPr>
+          <p:cNvPr id="4" name="Slide Number Placeholder 3"/>
+          <p:cNvSpPr>
+            <a:spLocks noGrp="1"/>
+          </p:cNvSpPr>
+          <p:nvPr>
+            <p:ph type="sldNum" sz="quarter" idx="12"/>
+          </p:nvPr>
+        </p:nvSpPr>
+        <p:spPr/>
+        <p:txBody>
+          <a:bodyPr/>
+          <a:lstStyle/>
+          <a:p>
+            <a:fld id="{4577FE26-ACD1-4964-932B-823877B1C5B5}" type="slidenum">
+              <a:rPr lang="en-US" smtClean="0"/>
+              <a:t>22</a:t>
+            </a:fld>
+            <a:endParaRPr lang="en-US" dirty="0"/>
+          </a:p>
+        </p:txBody>
+      </p:sp>
+    </p:spTree>
+    <p:extLst>
+      <p:ext uri="{BB962C8B-B14F-4D97-AF65-F5344CB8AC3E}">
+        <p14:creationId xmlns:p14="http://schemas.microsoft.com/office/powerpoint/2010/main" val="1125851643"/>
+      </p:ext>
+    </p:extLst>
+  </p:cSld>
+  <p:clrMapOvr>
+    <a:masterClrMapping/>
+  </p:clrMapOvr>
+</p:sld>
+</file>
+
+<file path=ppt/slides/slide23.xml><?xml version="1.0" encoding="utf-8"?>
+<p:sld xmlns:a="http://schemas.openxmlformats.org/drawingml/2006/main" xmlns:r="http://schemas.openxmlformats.org/officeDocument/2006/relationships" xmlns:p="http://schemas.openxmlformats.org/presentationml/2006/main">
+  <p:cSld>
+    <p:spTree>
+      <p:nvGrpSpPr>
+        <p:cNvPr id="1" name=""/>
+        <p:cNvGrpSpPr/>
+        <p:nvPr/>
+      </p:nvGrpSpPr>
+      <p:grpSpPr>
+        <a:xfrm>
+          <a:off x="0" y="0"/>
+          <a:ext cx="0" cy="0"/>
+          <a:chOff x="0" y="0"/>
+          <a:chExt cx="0" cy="0"/>
+        </a:xfrm>
+      </p:grpSpPr>
+      <p:sp>
+        <p:nvSpPr>
+          <p:cNvPr id="2" name="Title 1"/>
+          <p:cNvSpPr>
+            <a:spLocks noGrp="1"/>
+          </p:cNvSpPr>
+          <p:nvPr>
+            <p:ph type="title"/>
+          </p:nvPr>
+        </p:nvSpPr>
+        <p:spPr/>
+        <p:txBody>
+          <a:bodyPr/>
+          <a:lstStyle/>
+          <a:p>
+            <a:r>
+              <a:rPr lang="en-US" dirty="0"/>
               <a:t>Putting Regex into Python</a:t>
             </a:r>
-            <a:endParaRPr lang="en-US" dirty="0"/>
           </a:p>
         </p:txBody>
       </p:sp>
@@ -24150,18 +23982,18 @@
           <a:lstStyle/>
           <a:p>
             <a:r>
-              <a:rPr lang="en-US" dirty="0" smtClean="0"/>
+              <a:rPr lang="en-US" dirty="0"/>
               <a:t>Files</a:t>
             </a:r>
           </a:p>
           <a:p>
             <a:pPr lvl="1"/>
             <a:r>
-              <a:rPr lang="en-US" dirty="0" smtClean="0"/>
+              <a:rPr lang="en-US" dirty="0"/>
               <a:t> </a:t>
             </a:r>
             <a:r>
-              <a:rPr lang="en-US" dirty="0" smtClean="0">
+              <a:rPr lang="en-US" dirty="0">
                 <a:latin typeface="Courier New" panose="02070309020205020404" pitchFamily="49" charset="0"/>
                 <a:cs typeface="Courier New" panose="02070309020205020404" pitchFamily="49" charset="0"/>
               </a:rPr>
@@ -24171,11 +24003,11 @@
           <a:p>
             <a:pPr lvl="1"/>
             <a:r>
-              <a:rPr lang="en-US" dirty="0" smtClean="0"/>
+              <a:rPr lang="en-US" dirty="0"/>
               <a:t> </a:t>
             </a:r>
             <a:r>
-              <a:rPr lang="en-US" dirty="0" smtClean="0">
+              <a:rPr lang="en-US" dirty="0">
                 <a:latin typeface="Courier New" panose="02070309020205020404" pitchFamily="49" charset="0"/>
                 <a:cs typeface="Courier New" panose="02070309020205020404" pitchFamily="49" charset="0"/>
               </a:rPr>
@@ -24204,7 +24036,7 @@
           <a:p>
             <a:fld id="{4577FE26-ACD1-4964-932B-823877B1C5B5}" type="slidenum">
               <a:rPr lang="en-US" smtClean="0"/>
-              <a:t>22</a:t>
+              <a:t>23</a:t>
             </a:fld>
             <a:endParaRPr lang="en-US" dirty="0"/>
           </a:p>
@@ -24244,17 +24076,10 @@
   <p:clrMapOvr>
     <a:masterClrMapping/>
   </p:clrMapOvr>
-  <p:timing>
-    <p:tnLst>
-      <p:par>
-        <p:cTn id="1" dur="indefinite" restart="never" nodeType="tmRoot"/>
-      </p:par>
-    </p:tnLst>
-  </p:timing>
 </p:sld>
 </file>
 
-<file path=ppt/slides/slide23.xml><?xml version="1.0" encoding="utf-8"?>
+<file path=ppt/slides/slide24.xml><?xml version="1.0" encoding="utf-8"?>
 <p:sld xmlns:a="http://schemas.openxmlformats.org/drawingml/2006/main" xmlns:r="http://schemas.openxmlformats.org/officeDocument/2006/relationships" xmlns:p="http://schemas.openxmlformats.org/presentationml/2006/main">
   <p:cSld>
     <p:spTree>
@@ -24314,16 +24139,12 @@
           <a:lstStyle/>
           <a:p>
             <a:r>
-              <a:rPr lang="en-US" dirty="0" smtClean="0">
+              <a:rPr lang="en-US" dirty="0">
                 <a:latin typeface="Courier New" panose="02070309020205020404" pitchFamily="49" charset="0"/>
                 <a:cs typeface="Courier New" panose="02070309020205020404" pitchFamily="49" charset="0"/>
               </a:rPr>
               <a:t>re.finditer()</a:t>
             </a:r>
-            <a:endParaRPr lang="en-US" dirty="0">
-              <a:latin typeface="Courier New" panose="02070309020205020404" pitchFamily="49" charset="0"/>
-              <a:cs typeface="Courier New" panose="02070309020205020404" pitchFamily="49" charset="0"/>
-            </a:endParaRPr>
           </a:p>
         </p:txBody>
       </p:sp>
@@ -24345,7 +24166,7 @@
             <a:fld id="{4577FE26-ACD1-4964-932B-823877B1C5B5}" type="slidenum">
               <a:rPr lang="en-US" smtClean="0"/>
               <a:pPr/>
-              <a:t>23</a:t>
+              <a:t>24</a:t>
             </a:fld>
             <a:endParaRPr lang="en-US" dirty="0"/>
           </a:p>
@@ -24385,17 +24206,10 @@
   <p:clrMapOvr>
     <a:masterClrMapping/>
   </p:clrMapOvr>
-  <p:timing>
-    <p:tnLst>
-      <p:par>
-        <p:cTn id="1" dur="indefinite" restart="never" nodeType="tmRoot"/>
-      </p:par>
-    </p:tnLst>
-  </p:timing>
 </p:sld>
 </file>
 
-<file path=ppt/slides/slide24.xml><?xml version="1.0" encoding="utf-8"?>
+<file path=ppt/slides/slide25.xml><?xml version="1.0" encoding="utf-8"?>
 <p:sld xmlns:a="http://schemas.openxmlformats.org/drawingml/2006/main" xmlns:r="http://schemas.openxmlformats.org/officeDocument/2006/relationships" xmlns:p="http://schemas.openxmlformats.org/presentationml/2006/main">
   <p:cSld>
     <p:spTree>
@@ -24450,16 +24264,12 @@
           <a:lstStyle/>
           <a:p>
             <a:r>
-              <a:rPr lang="en-US" dirty="0" smtClean="0">
+              <a:rPr lang="en-US" dirty="0">
                 <a:latin typeface="Courier New" panose="02070309020205020404" pitchFamily="49" charset="0"/>
                 <a:cs typeface="Courier New" panose="02070309020205020404" pitchFamily="49" charset="0"/>
               </a:rPr>
               <a:t>re.sub()</a:t>
             </a:r>
-            <a:endParaRPr lang="en-US" dirty="0">
-              <a:latin typeface="Courier New" panose="02070309020205020404" pitchFamily="49" charset="0"/>
-              <a:cs typeface="Courier New" panose="02070309020205020404" pitchFamily="49" charset="0"/>
-            </a:endParaRPr>
           </a:p>
         </p:txBody>
       </p:sp>
@@ -24481,7 +24291,7 @@
             <a:fld id="{4577FE26-ACD1-4964-932B-823877B1C5B5}" type="slidenum">
               <a:rPr lang="en-US" smtClean="0"/>
               <a:pPr/>
-              <a:t>24</a:t>
+              <a:t>25</a:t>
             </a:fld>
             <a:endParaRPr lang="en-US" dirty="0"/>
           </a:p>
@@ -24521,17 +24331,10 @@
   <p:clrMapOvr>
     <a:masterClrMapping/>
   </p:clrMapOvr>
-  <p:timing>
-    <p:tnLst>
-      <p:par>
-        <p:cTn id="1" dur="indefinite" restart="never" nodeType="tmRoot"/>
-      </p:par>
-    </p:tnLst>
-  </p:timing>
 </p:sld>
 </file>
 
-<file path=ppt/slides/slide25.xml><?xml version="1.0" encoding="utf-8"?>
+<file path=ppt/slides/slide26.xml><?xml version="1.0" encoding="utf-8"?>
 <p:sld xmlns:a="http://schemas.openxmlformats.org/drawingml/2006/main" xmlns:r="http://schemas.openxmlformats.org/officeDocument/2006/relationships" xmlns:p="http://schemas.openxmlformats.org/presentationml/2006/main">
   <p:cSld>
     <p:spTree>
@@ -24591,7 +24394,7 @@
           <a:lstStyle/>
           <a:p>
             <a:r>
-              <a:rPr lang="en-US" dirty="0" smtClean="0">
+              <a:rPr lang="en-US" dirty="0">
                 <a:latin typeface="Courier New" panose="02070309020205020404" pitchFamily="49" charset="0"/>
                 <a:cs typeface="Courier New" panose="02070309020205020404" pitchFamily="49" charset="0"/>
               </a:rPr>
@@ -24600,16 +24403,12 @@
           </a:p>
           <a:p>
             <a:r>
-              <a:rPr lang="en-US" dirty="0" smtClean="0">
+              <a:rPr lang="en-US" dirty="0">
                 <a:latin typeface="Courier New" panose="02070309020205020404" pitchFamily="49" charset="0"/>
                 <a:cs typeface="Courier New" panose="02070309020205020404" pitchFamily="49" charset="0"/>
               </a:rPr>
               <a:t>re.compile()</a:t>
             </a:r>
-            <a:endParaRPr lang="en-US" dirty="0">
-              <a:latin typeface="Courier New" panose="02070309020205020404" pitchFamily="49" charset="0"/>
-              <a:cs typeface="Courier New" panose="02070309020205020404" pitchFamily="49" charset="0"/>
-            </a:endParaRPr>
           </a:p>
         </p:txBody>
       </p:sp>
@@ -24631,7 +24430,7 @@
             <a:fld id="{4577FE26-ACD1-4964-932B-823877B1C5B5}" type="slidenum">
               <a:rPr lang="en-US" smtClean="0"/>
               <a:pPr/>
-              <a:t>25</a:t>
+              <a:t>26</a:t>
             </a:fld>
             <a:endParaRPr lang="en-US" dirty="0"/>
           </a:p>
@@ -24671,272 +24470,6 @@
   <p:clrMapOvr>
     <a:masterClrMapping/>
   </p:clrMapOvr>
-  <p:timing>
-    <p:tnLst>
-      <p:par>
-        <p:cTn id="1" dur="indefinite" restart="never" nodeType="tmRoot"/>
-      </p:par>
-    </p:tnLst>
-  </p:timing>
-</p:sld>
-</file>
-
-<file path=ppt/slides/slide26.xml><?xml version="1.0" encoding="utf-8"?>
-<p:sld xmlns:a="http://schemas.openxmlformats.org/drawingml/2006/main" xmlns:r="http://schemas.openxmlformats.org/officeDocument/2006/relationships" xmlns:p="http://schemas.openxmlformats.org/presentationml/2006/main">
-  <p:cSld>
-    <p:spTree>
-      <p:nvGrpSpPr>
-        <p:cNvPr id="1" name=""/>
-        <p:cNvGrpSpPr/>
-        <p:nvPr/>
-      </p:nvGrpSpPr>
-      <p:grpSpPr>
-        <a:xfrm>
-          <a:off x="0" y="0"/>
-          <a:ext cx="0" cy="0"/>
-          <a:chOff x="0" y="0"/>
-          <a:chExt cx="0" cy="0"/>
-        </a:xfrm>
-      </p:grpSpPr>
-      <p:sp>
-        <p:nvSpPr>
-          <p:cNvPr id="2" name="Title 1"/>
-          <p:cNvSpPr>
-            <a:spLocks noGrp="1"/>
-          </p:cNvSpPr>
-          <p:nvPr>
-            <p:ph type="title"/>
-          </p:nvPr>
-        </p:nvSpPr>
-        <p:spPr/>
-        <p:txBody>
-          <a:bodyPr/>
-          <a:lstStyle/>
-          <a:p>
-            <a:r>
-              <a:rPr lang="en-US" dirty="0" smtClean="0"/>
-              <a:t>Regular Expressions</a:t>
-            </a:r>
-            <a:endParaRPr lang="en-US" dirty="0"/>
-          </a:p>
-        </p:txBody>
-      </p:sp>
-      <p:sp>
-        <p:nvSpPr>
-          <p:cNvPr id="3" name="Content Placeholder 2"/>
-          <p:cNvSpPr>
-            <a:spLocks noGrp="1"/>
-          </p:cNvSpPr>
-          <p:nvPr>
-            <p:ph idx="1"/>
-          </p:nvPr>
-        </p:nvSpPr>
-        <p:spPr/>
-        <p:txBody>
-          <a:bodyPr/>
-          <a:lstStyle/>
-          <a:p>
-            <a:r>
-              <a:rPr lang="en-US" dirty="0" smtClean="0"/>
-              <a:t>Frequently used methods</a:t>
-            </a:r>
-          </a:p>
-          <a:p>
-            <a:pPr lvl="1"/>
-            <a:r>
-              <a:rPr lang="en-US" dirty="0" smtClean="0">
-                <a:latin typeface="Courier New" panose="02070309020205020404" pitchFamily="49" charset="0"/>
-                <a:cs typeface="Courier New" panose="02070309020205020404" pitchFamily="49" charset="0"/>
-              </a:rPr>
-              <a:t>re.search('text_2_find','text_2_search')</a:t>
-            </a:r>
-          </a:p>
-          <a:p>
-            <a:pPr lvl="2"/>
-            <a:r>
-              <a:rPr lang="en-US" dirty="0" smtClean="0"/>
-              <a:t>Finds </a:t>
-            </a:r>
-            <a:r>
-              <a:rPr lang="en-US" dirty="0" smtClean="0">
-                <a:latin typeface="Courier New" panose="02070309020205020404" pitchFamily="49" charset="0"/>
-                <a:cs typeface="Courier New" panose="02070309020205020404" pitchFamily="49" charset="0"/>
-              </a:rPr>
-              <a:t>text_2_find</a:t>
-            </a:r>
-            <a:endParaRPr lang="en-US" dirty="0" smtClean="0"/>
-          </a:p>
-          <a:p>
-            <a:pPr lvl="2"/>
-            <a:r>
-              <a:rPr lang="en-US" dirty="0" smtClean="0"/>
-              <a:t>Within the string </a:t>
-            </a:r>
-            <a:r>
-              <a:rPr lang="en-US" dirty="0" smtClean="0">
-                <a:latin typeface="Courier New" panose="02070309020205020404" pitchFamily="49" charset="0"/>
-                <a:cs typeface="Courier New" panose="02070309020205020404" pitchFamily="49" charset="0"/>
-              </a:rPr>
-              <a:t>text_2_search</a:t>
-            </a:r>
-            <a:endParaRPr lang="en-US" dirty="0" smtClean="0"/>
-          </a:p>
-          <a:p>
-            <a:pPr lvl="2"/>
-            <a:r>
-              <a:rPr lang="en-US" dirty="0" smtClean="0"/>
-              <a:t>Will find only the first match</a:t>
-            </a:r>
-          </a:p>
-          <a:p>
-            <a:pPr lvl="2"/>
-            <a:r>
-              <a:rPr lang="en-US" dirty="0" smtClean="0"/>
-              <a:t>If </a:t>
-            </a:r>
-            <a:r>
-              <a:rPr lang="en-US" dirty="0" smtClean="0">
-                <a:latin typeface="Courier New" panose="02070309020205020404" pitchFamily="49" charset="0"/>
-                <a:cs typeface="Courier New" panose="02070309020205020404" pitchFamily="49" charset="0"/>
-              </a:rPr>
-              <a:t>text_2_search</a:t>
-            </a:r>
-            <a:r>
-              <a:rPr lang="en-US" dirty="0" smtClean="0"/>
-              <a:t> is found then returns a </a:t>
-            </a:r>
-            <a:r>
-              <a:rPr lang="en-US" dirty="0" smtClean="0">
-                <a:latin typeface="Courier New" panose="02070309020205020404" pitchFamily="49" charset="0"/>
-                <a:cs typeface="Courier New" panose="02070309020205020404" pitchFamily="49" charset="0"/>
-              </a:rPr>
-              <a:t>Match</a:t>
-            </a:r>
-            <a:r>
-              <a:rPr lang="en-US" dirty="0" smtClean="0"/>
-              <a:t> object</a:t>
-            </a:r>
-          </a:p>
-          <a:p>
-            <a:pPr lvl="3"/>
-            <a:r>
-              <a:rPr lang="en-US" dirty="0" smtClean="0">
-                <a:latin typeface="Courier New" panose="02070309020205020404" pitchFamily="49" charset="0"/>
-                <a:cs typeface="Courier New" panose="02070309020205020404" pitchFamily="49" charset="0"/>
-              </a:rPr>
-              <a:t>&lt;_sre.SRE_Match at 0x3912b28&gt;</a:t>
-            </a:r>
-          </a:p>
-          <a:p>
-            <a:pPr lvl="2"/>
-            <a:r>
-              <a:rPr lang="en-US" dirty="0" smtClean="0"/>
-              <a:t>Otherwise, returns a result of the </a:t>
-            </a:r>
-            <a:r>
-              <a:rPr lang="en-US" dirty="0" smtClean="0">
-                <a:latin typeface="Courier New" panose="02070309020205020404" pitchFamily="49" charset="0"/>
-                <a:cs typeface="Courier New" panose="02070309020205020404" pitchFamily="49" charset="0"/>
-              </a:rPr>
-              <a:t>NoneType</a:t>
-            </a:r>
-            <a:r>
-              <a:rPr lang="en-US" dirty="0" smtClean="0"/>
-              <a:t> </a:t>
-            </a:r>
-          </a:p>
-          <a:p>
-            <a:pPr lvl="1"/>
-            <a:r>
-              <a:rPr lang="en-US" dirty="0" smtClean="0">
-                <a:latin typeface="Courier New" panose="02070309020205020404" pitchFamily="49" charset="0"/>
-                <a:cs typeface="Courier New" panose="02070309020205020404" pitchFamily="49" charset="0"/>
-              </a:rPr>
-              <a:t>re.match(</a:t>
-            </a:r>
-            <a:r>
-              <a:rPr lang="en-US" dirty="0">
-                <a:latin typeface="Courier New" panose="02070309020205020404" pitchFamily="49" charset="0"/>
-                <a:cs typeface="Courier New" panose="02070309020205020404" pitchFamily="49" charset="0"/>
-              </a:rPr>
-              <a:t>'text_2_find','text_2_search')</a:t>
-            </a:r>
-          </a:p>
-          <a:p>
-            <a:pPr lvl="2"/>
-            <a:r>
-              <a:rPr lang="en-US" dirty="0" smtClean="0"/>
-              <a:t>Same as </a:t>
-            </a:r>
-            <a:r>
-              <a:rPr lang="en-US" dirty="0" smtClean="0">
-                <a:latin typeface="Courier New" panose="02070309020205020404" pitchFamily="49" charset="0"/>
-                <a:cs typeface="Courier New" panose="02070309020205020404" pitchFamily="49" charset="0"/>
-              </a:rPr>
-              <a:t>re.search()</a:t>
-            </a:r>
-            <a:r>
-              <a:rPr lang="en-US" dirty="0" smtClean="0"/>
-              <a:t> but looks at the beginning of the string for a match</a:t>
-            </a:r>
-            <a:endParaRPr lang="en-US" dirty="0"/>
-          </a:p>
-          <a:p>
-            <a:pPr lvl="2"/>
-            <a:endParaRPr lang="en-US" dirty="0" smtClean="0"/>
-          </a:p>
-          <a:p>
-            <a:endParaRPr lang="en-US" dirty="0" smtClean="0"/>
-          </a:p>
-          <a:p>
-            <a:endParaRPr lang="en-US" dirty="0" smtClean="0"/>
-          </a:p>
-          <a:p>
-            <a:endParaRPr lang="en-US" dirty="0"/>
-          </a:p>
-        </p:txBody>
-      </p:sp>
-      <p:sp>
-        <p:nvSpPr>
-          <p:cNvPr id="4" name="Slide Number Placeholder 3"/>
-          <p:cNvSpPr>
-            <a:spLocks noGrp="1"/>
-          </p:cNvSpPr>
-          <p:nvPr>
-            <p:ph type="sldNum" sz="quarter" idx="12"/>
-          </p:nvPr>
-        </p:nvSpPr>
-        <p:spPr/>
-        <p:txBody>
-          <a:bodyPr/>
-          <a:lstStyle/>
-          <a:p>
-            <a:fld id="{55F4410E-0862-437D-8529-1EDBC387A0F9}" type="slidenum">
-              <a:rPr lang="en-US" smtClean="0"/>
-              <a:pPr/>
-              <a:t>26</a:t>
-            </a:fld>
-            <a:endParaRPr lang="en-US" dirty="0"/>
-          </a:p>
-        </p:txBody>
-      </p:sp>
-    </p:spTree>
-    <p:extLst>
-      <p:ext uri="{BB962C8B-B14F-4D97-AF65-F5344CB8AC3E}">
-        <p14:creationId xmlns:p14="http://schemas.microsoft.com/office/powerpoint/2010/main" val="2422474335"/>
-      </p:ext>
-    </p:extLst>
-  </p:cSld>
-  <p:clrMapOvr>
-    <a:masterClrMapping/>
-  </p:clrMapOvr>
-  <p:timing>
-    <p:tnLst>
-      <p:par>
-        <p:cTn id="1" dur="indefinite" restart="never" nodeType="tmRoot"/>
-      </p:par>
-    </p:tnLst>
-  </p:timing>
 </p:sld>
 </file>
 
@@ -24973,10 +24506,9 @@
           <a:lstStyle/>
           <a:p>
             <a:r>
-              <a:rPr lang="en-US" dirty="0" smtClean="0"/>
+              <a:rPr lang="en-US" dirty="0"/>
               <a:t>Regular Expressions</a:t>
             </a:r>
-            <a:endParaRPr lang="en-US" dirty="0"/>
           </a:p>
         </p:txBody>
       </p:sp>
@@ -24996,153 +24528,154 @@
           <a:lstStyle/>
           <a:p>
             <a:r>
-              <a:rPr lang="en-US" dirty="0" smtClean="0"/>
+              <a:rPr lang="en-US" dirty="0"/>
               <a:t>Frequently used methods</a:t>
             </a:r>
           </a:p>
           <a:p>
             <a:pPr lvl="1"/>
-            <a:r>
-              <a:rPr lang="en-US" dirty="0" smtClean="0">
-                <a:latin typeface="Courier New" panose="02070309020205020404" pitchFamily="49" charset="0"/>
-                <a:cs typeface="Courier New" panose="02070309020205020404" pitchFamily="49" charset="0"/>
-              </a:rPr>
-              <a:t>re.finditer(regex</a:t>
-            </a:r>
             <a:r>
               <a:rPr lang="en-US" dirty="0">
                 <a:latin typeface="Courier New" panose="02070309020205020404" pitchFamily="49" charset="0"/>
                 <a:cs typeface="Courier New" panose="02070309020205020404" pitchFamily="49" charset="0"/>
               </a:rPr>
-              <a:t>, string2search)</a:t>
+              <a:t>re.search('text_2_find','text_2_search')</a:t>
             </a:r>
           </a:p>
           <a:p>
             <a:pPr lvl="2"/>
             <a:r>
-              <a:rPr lang="en-US" dirty="0" smtClean="0"/>
-              <a:t>Return an iterable object that can be used in a for loop</a:t>
-            </a:r>
-          </a:p>
-          <a:p>
-            <a:pPr lvl="2"/>
-            <a:r>
-              <a:rPr lang="en-US" dirty="0" smtClean="0"/>
-              <a:t>Each iteration of the loop returns data of the match data type, if a match is found</a:t>
-            </a:r>
-          </a:p>
-          <a:p>
-            <a:pPr lvl="2"/>
-            <a:r>
-              <a:rPr lang="en-US" dirty="0" smtClean="0"/>
-              <a:t>The loop will iterate through all matches in a  string  </a:t>
-            </a:r>
-            <a:endParaRPr lang="en-US" dirty="0"/>
-          </a:p>
-          <a:p>
-            <a:pPr lvl="1"/>
-            <a:r>
-              <a:rPr lang="en-US" dirty="0" smtClean="0">
+              <a:rPr lang="en-US" dirty="0"/>
+              <a:t>Finds </a:t>
+            </a:r>
+            <a:r>
+              <a:rPr lang="en-US" dirty="0">
                 <a:latin typeface="Courier New" panose="02070309020205020404" pitchFamily="49" charset="0"/>
                 <a:cs typeface="Courier New" panose="02070309020205020404" pitchFamily="49" charset="0"/>
               </a:rPr>
-              <a:t>re.sub(regex,sub_text,string2search)</a:t>
-            </a:r>
+              <a:t>text_2_find</a:t>
+            </a:r>
+            <a:endParaRPr lang="en-US" dirty="0"/>
           </a:p>
           <a:p>
             <a:pPr lvl="2"/>
             <a:r>
-              <a:rPr lang="en-US" dirty="0" smtClean="0"/>
-              <a:t>Substitute this text: </a:t>
-            </a:r>
-            <a:r>
-              <a:rPr lang="en-US" dirty="0" smtClean="0">
+              <a:rPr lang="en-US" dirty="0"/>
+              <a:t>Within the string </a:t>
+            </a:r>
+            <a:r>
+              <a:rPr lang="en-US" dirty="0">
                 <a:latin typeface="Courier New" panose="02070309020205020404" pitchFamily="49" charset="0"/>
                 <a:cs typeface="Courier New" panose="02070309020205020404" pitchFamily="49" charset="0"/>
               </a:rPr>
-              <a:t>sub_text</a:t>
-            </a:r>
+              <a:t>text_2_search</a:t>
+            </a:r>
+            <a:endParaRPr lang="en-US" dirty="0"/>
           </a:p>
           <a:p>
             <a:pPr lvl="2"/>
             <a:r>
-              <a:rPr lang="en-US" dirty="0" smtClean="0"/>
-              <a:t>For this text: </a:t>
-            </a:r>
-            <a:r>
-              <a:rPr lang="en-US" dirty="0" smtClean="0">
+              <a:rPr lang="en-US" dirty="0"/>
+              <a:t>Will find only the first match</a:t>
+            </a:r>
+          </a:p>
+          <a:p>
+            <a:pPr lvl="2"/>
+            <a:r>
+              <a:rPr lang="en-US" dirty="0"/>
+              <a:t>If </a:t>
+            </a:r>
+            <a:r>
+              <a:rPr lang="en-US" dirty="0">
                 <a:latin typeface="Courier New" panose="02070309020205020404" pitchFamily="49" charset="0"/>
                 <a:cs typeface="Courier New" panose="02070309020205020404" pitchFamily="49" charset="0"/>
               </a:rPr>
-              <a:t>string2search</a:t>
-            </a:r>
-          </a:p>
-          <a:p>
-            <a:pPr lvl="1"/>
-            <a:r>
-              <a:rPr lang="en-US" dirty="0" smtClean="0">
+              <a:t>text_2_search</a:t>
+            </a:r>
+            <a:r>
+              <a:rPr lang="en-US" dirty="0"/>
+              <a:t> is found then returns a </a:t>
+            </a:r>
+            <a:r>
+              <a:rPr lang="en-US" dirty="0">
                 <a:latin typeface="Courier New" panose="02070309020205020404" pitchFamily="49" charset="0"/>
                 <a:cs typeface="Courier New" panose="02070309020205020404" pitchFamily="49" charset="0"/>
               </a:rPr>
-              <a:t>re.findall(regex, string2search)</a:t>
-            </a:r>
-          </a:p>
-          <a:p>
-            <a:pPr lvl="2"/>
-            <a:r>
-              <a:rPr lang="en-US" dirty="0" smtClean="0"/>
-              <a:t>Find this pattern: </a:t>
-            </a:r>
-            <a:r>
-              <a:rPr lang="en-US" dirty="0" smtClean="0">
+              <a:t>Match</a:t>
+            </a:r>
+            <a:r>
+              <a:rPr lang="en-US" dirty="0"/>
+              <a:t> object</a:t>
+            </a:r>
+          </a:p>
+          <a:p>
+            <a:pPr lvl="3"/>
+            <a:r>
+              <a:rPr lang="en-US" dirty="0">
                 <a:latin typeface="Courier New" panose="02070309020205020404" pitchFamily="49" charset="0"/>
                 <a:cs typeface="Courier New" panose="02070309020205020404" pitchFamily="49" charset="0"/>
               </a:rPr>
-              <a:t>regex</a:t>
-            </a:r>
-            <a:r>
-              <a:rPr lang="en-US" dirty="0" smtClean="0"/>
-              <a:t>  </a:t>
+              <a:t>&lt;_sre.SRE_Match at 0x3912b28&gt;</a:t>
             </a:r>
           </a:p>
           <a:p>
             <a:pPr lvl="2"/>
             <a:r>
-              <a:rPr lang="en-US" dirty="0" smtClean="0"/>
-              <a:t>In </a:t>
-            </a:r>
-            <a:r>
-              <a:rPr lang="en-US" dirty="0" smtClean="0">
+              <a:rPr lang="en-US" dirty="0"/>
+              <a:t>Otherwise, returns a result of the </a:t>
+            </a:r>
+            <a:r>
+              <a:rPr lang="en-US" dirty="0">
                 <a:latin typeface="Courier New" panose="02070309020205020404" pitchFamily="49" charset="0"/>
                 <a:cs typeface="Courier New" panose="02070309020205020404" pitchFamily="49" charset="0"/>
               </a:rPr>
-              <a:t>string2search</a:t>
-            </a:r>
-            <a:r>
-              <a:rPr lang="en-US" dirty="0" smtClean="0"/>
-              <a:t>     </a:t>
-            </a:r>
-          </a:p>
-          <a:p>
-            <a:pPr lvl="2"/>
-            <a:r>
-              <a:rPr lang="en-US" dirty="0" smtClean="0"/>
-              <a:t>Return all instances of </a:t>
-            </a:r>
-            <a:r>
-              <a:rPr lang="en-US" dirty="0" smtClean="0">
+              <a:t>NoneType</a:t>
+            </a:r>
+            <a:r>
+              <a:rPr lang="en-US" dirty="0"/>
+              <a:t> </a:t>
+            </a:r>
+          </a:p>
+          <a:p>
+            <a:pPr lvl="1"/>
+            <a:r>
+              <a:rPr lang="en-US" dirty="0">
                 <a:latin typeface="Courier New" panose="02070309020205020404" pitchFamily="49" charset="0"/>
                 <a:cs typeface="Courier New" panose="02070309020205020404" pitchFamily="49" charset="0"/>
               </a:rPr>
-              <a:t>string2search</a:t>
-            </a:r>
-            <a:r>
-              <a:rPr lang="en-US" dirty="0" smtClean="0"/>
-              <a:t> in a list</a:t>
-            </a:r>
-          </a:p>
-          <a:p>
-            <a:endParaRPr lang="en-US" dirty="0" smtClean="0"/>
+              <a:t>re.match('text_2_find','text_2_search')</a:t>
+            </a:r>
+          </a:p>
+          <a:p>
+            <a:pPr lvl="2"/>
+            <a:r>
+              <a:rPr lang="en-US" dirty="0"/>
+              <a:t>Same as </a:t>
+            </a:r>
+            <a:r>
+              <a:rPr lang="en-US" dirty="0">
+                <a:latin typeface="Courier New" panose="02070309020205020404" pitchFamily="49" charset="0"/>
+                <a:cs typeface="Courier New" panose="02070309020205020404" pitchFamily="49" charset="0"/>
+              </a:rPr>
+              <a:t>re.search()</a:t>
+            </a:r>
+            <a:r>
+              <a:rPr lang="en-US" dirty="0"/>
+              <a:t> but looks at the beginning of the string for a match</a:t>
+            </a:r>
+          </a:p>
+          <a:p>
+            <a:pPr lvl="2"/>
+            <a:endParaRPr lang="en-US" dirty="0"/>
+          </a:p>
+          <a:p>
+            <a:endParaRPr lang="en-US" dirty="0"/>
+          </a:p>
+          <a:p>
+            <a:endParaRPr lang="en-US" dirty="0"/>
+          </a:p>
+          <a:p>
+            <a:endParaRPr lang="en-US" dirty="0"/>
           </a:p>
         </p:txBody>
       </p:sp>
@@ -25173,20 +24706,13 @@
     </p:spTree>
     <p:extLst>
       <p:ext uri="{BB962C8B-B14F-4D97-AF65-F5344CB8AC3E}">
-        <p14:creationId xmlns:p14="http://schemas.microsoft.com/office/powerpoint/2010/main" val="3397134192"/>
+        <p14:creationId xmlns:p14="http://schemas.microsoft.com/office/powerpoint/2010/main" val="2422474335"/>
       </p:ext>
     </p:extLst>
   </p:cSld>
   <p:clrMapOvr>
     <a:masterClrMapping/>
   </p:clrMapOvr>
-  <p:timing>
-    <p:tnLst>
-      <p:par>
-        <p:cTn id="1" dur="indefinite" restart="never" nodeType="tmRoot"/>
-      </p:par>
-    </p:tnLst>
-  </p:timing>
 </p:sld>
 </file>
 
@@ -25223,10 +24749,9 @@
           <a:lstStyle/>
           <a:p>
             <a:r>
-              <a:rPr lang="en-US" dirty="0" smtClean="0"/>
+              <a:rPr lang="en-US" dirty="0"/>
               <a:t>Regular Expressions</a:t>
             </a:r>
-            <a:endParaRPr lang="en-US" dirty="0"/>
           </a:p>
         </p:txBody>
       </p:sp>
@@ -25246,87 +24771,94 @@
           <a:lstStyle/>
           <a:p>
             <a:r>
-              <a:rPr lang="en-US" dirty="0" smtClean="0"/>
+              <a:rPr lang="en-US" dirty="0"/>
               <a:t>Frequently used methods</a:t>
             </a:r>
           </a:p>
           <a:p>
             <a:pPr lvl="1"/>
-            <a:r>
-              <a:rPr lang="en-US" dirty="0" smtClean="0">
-                <a:latin typeface="Courier New" panose="02070309020205020404" pitchFamily="49" charset="0"/>
-                <a:cs typeface="Courier New" panose="02070309020205020404" pitchFamily="49" charset="0"/>
-              </a:rPr>
-              <a:t>re.split(regex</a:t>
-            </a:r>
             <a:r>
               <a:rPr lang="en-US" dirty="0">
                 <a:latin typeface="Courier New" panose="02070309020205020404" pitchFamily="49" charset="0"/>
                 <a:cs typeface="Courier New" panose="02070309020205020404" pitchFamily="49" charset="0"/>
               </a:rPr>
-              <a:t>, </a:t>
-            </a:r>
-            <a:r>
-              <a:rPr lang="en-US" dirty="0" smtClean="0">
-                <a:latin typeface="Courier New" panose="02070309020205020404" pitchFamily="49" charset="0"/>
-                <a:cs typeface="Courier New" panose="02070309020205020404" pitchFamily="49" charset="0"/>
-              </a:rPr>
-              <a:t>string2split)</a:t>
-            </a:r>
-            <a:endParaRPr lang="en-US" dirty="0">
-              <a:latin typeface="Courier New" panose="02070309020205020404" pitchFamily="49" charset="0"/>
-              <a:cs typeface="Courier New" panose="02070309020205020404" pitchFamily="49" charset="0"/>
-            </a:endParaRPr>
+              <a:t>re.finditer(regex, string2search)</a:t>
+            </a:r>
           </a:p>
           <a:p>
             <a:pPr lvl="2"/>
             <a:r>
-              <a:rPr lang="en-US" dirty="0" smtClean="0"/>
-              <a:t>Splits a string </a:t>
-            </a:r>
+              <a:rPr lang="en-US" dirty="0"/>
+              <a:t>Return an iterable object that can be used in a for loop</a:t>
+            </a:r>
+          </a:p>
+          <a:p>
+            <a:pPr lvl="2"/>
+            <a:r>
+              <a:rPr lang="en-US" dirty="0"/>
+              <a:t>Each iteration of the loop returns data of the match data type, if a match is found</a:t>
+            </a:r>
+          </a:p>
+          <a:p>
+            <a:pPr lvl="2"/>
+            <a:r>
+              <a:rPr lang="en-US" dirty="0"/>
+              <a:t>The loop will iterate through all matches in a  string  </a:t>
+            </a:r>
+          </a:p>
+          <a:p>
+            <a:pPr lvl="1"/>
             <a:r>
               <a:rPr lang="en-US" dirty="0">
                 <a:latin typeface="Courier New" panose="02070309020205020404" pitchFamily="49" charset="0"/>
                 <a:cs typeface="Courier New" panose="02070309020205020404" pitchFamily="49" charset="0"/>
               </a:rPr>
-              <a:t>string2split</a:t>
-            </a:r>
-            <a:r>
-              <a:rPr lang="en-US" dirty="0" smtClean="0"/>
-              <a:t> at the pattern </a:t>
-            </a:r>
-            <a:r>
-              <a:rPr lang="en-US" dirty="0" smtClean="0">
-                <a:latin typeface="Courier New" panose="02070309020205020404" pitchFamily="49" charset="0"/>
-                <a:cs typeface="Courier New" panose="02070309020205020404" pitchFamily="49" charset="0"/>
-              </a:rPr>
-              <a:t>regex</a:t>
-            </a:r>
-          </a:p>
-          <a:p>
-            <a:pPr lvl="1"/>
+              <a:t>re.sub(regex,sub_text,string2search)</a:t>
+            </a:r>
+          </a:p>
+          <a:p>
+            <a:pPr lvl="2"/>
+            <a:r>
+              <a:rPr lang="en-US" dirty="0"/>
+              <a:t>Substitute this text: </a:t>
+            </a:r>
             <a:r>
               <a:rPr lang="en-US" dirty="0">
                 <a:latin typeface="Courier New" panose="02070309020205020404" pitchFamily="49" charset="0"/>
                 <a:cs typeface="Courier New" panose="02070309020205020404" pitchFamily="49" charset="0"/>
               </a:rPr>
-              <a:t>re.compile(regex</a:t>
-            </a:r>
-            <a:r>
-              <a:rPr lang="en-US" dirty="0" smtClean="0">
+              <a:t>sub_text</a:t>
+            </a:r>
+          </a:p>
+          <a:p>
+            <a:pPr lvl="2"/>
+            <a:r>
+              <a:rPr lang="en-US" dirty="0"/>
+              <a:t>For this text: </a:t>
+            </a:r>
+            <a:r>
+              <a:rPr lang="en-US" dirty="0">
                 <a:latin typeface="Courier New" panose="02070309020205020404" pitchFamily="49" charset="0"/>
                 <a:cs typeface="Courier New" panose="02070309020205020404" pitchFamily="49" charset="0"/>
               </a:rPr>
-              <a:t>)</a:t>
-            </a:r>
-          </a:p>
-          <a:p>
-            <a:pPr lvl="2"/>
-            <a:r>
-              <a:rPr lang="en-US" dirty="0" smtClean="0">
+              <a:t>string2search</a:t>
+            </a:r>
+          </a:p>
+          <a:p>
+            <a:pPr lvl="1"/>
+            <a:r>
+              <a:rPr lang="en-US" dirty="0">
+                <a:latin typeface="Courier New" panose="02070309020205020404" pitchFamily="49" charset="0"/>
                 <a:cs typeface="Courier New" panose="02070309020205020404" pitchFamily="49" charset="0"/>
               </a:rPr>
-              <a:t>Creates a regular expressions object that uses the pattern </a:t>
+              <a:t>re.findall(regex, string2search)</a:t>
+            </a:r>
+          </a:p>
+          <a:p>
+            <a:pPr lvl="2"/>
+            <a:r>
+              <a:rPr lang="en-US" dirty="0"/>
+              <a:t>Find this pattern: </a:t>
             </a:r>
             <a:r>
               <a:rPr lang="en-US" dirty="0">
@@ -25336,96 +24868,48 @@
               <a:t>regex</a:t>
             </a:r>
             <a:r>
-              <a:rPr lang="en-US" dirty="0" smtClean="0">
+              <a:rPr lang="en-US" dirty="0"/>
+              <a:t>  </a:t>
+            </a:r>
+          </a:p>
+          <a:p>
+            <a:pPr lvl="2"/>
+            <a:r>
+              <a:rPr lang="en-US" dirty="0"/>
+              <a:t>In </a:t>
+            </a:r>
+            <a:r>
+              <a:rPr lang="en-US" dirty="0">
+                <a:latin typeface="Courier New" panose="02070309020205020404" pitchFamily="49" charset="0"/>
                 <a:cs typeface="Courier New" panose="02070309020205020404" pitchFamily="49" charset="0"/>
               </a:rPr>
-              <a:t> that can be used multiple times with the foregoing methods</a:t>
+              <a:t>string2search</a:t>
+            </a:r>
+            <a:r>
+              <a:rPr lang="en-US" dirty="0"/>
+              <a:t>     </a:t>
             </a:r>
           </a:p>
           <a:p>
             <a:pPr lvl="2"/>
             <a:r>
-              <a:rPr lang="en-US" dirty="0" smtClean="0">
+              <a:rPr lang="en-US" dirty="0"/>
+              <a:t>Return all instances of </a:t>
+            </a:r>
+            <a:r>
+              <a:rPr lang="en-US" dirty="0">
+                <a:latin typeface="Courier New" panose="02070309020205020404" pitchFamily="49" charset="0"/>
                 <a:cs typeface="Courier New" panose="02070309020205020404" pitchFamily="49" charset="0"/>
               </a:rPr>
-              <a:t>For example, </a:t>
-            </a:r>
-            <a:r>
-              <a:rPr lang="en-US" dirty="0" smtClean="0">
-                <a:latin typeface="Courier"/>
-                <a:cs typeface="Courier New" panose="02070309020205020404" pitchFamily="49" charset="0"/>
-              </a:rPr>
-              <a:t>x = re.compile(′\n</a:t>
-            </a:r>
-            <a:r>
-              <a:rPr lang="en-US" dirty="0">
-                <a:latin typeface="Courier"/>
-                <a:cs typeface="Courier New" panose="02070309020205020404" pitchFamily="49" charset="0"/>
-              </a:rPr>
-              <a:t>′</a:t>
-            </a:r>
-            <a:r>
-              <a:rPr lang="en-US" dirty="0" smtClean="0">
-                <a:latin typeface="Courier"/>
-                <a:cs typeface="Courier New" panose="02070309020205020404" pitchFamily="49" charset="0"/>
-              </a:rPr>
-              <a:t>)</a:t>
-            </a:r>
-            <a:r>
-              <a:rPr lang="en-US" dirty="0" smtClean="0">
-                <a:cs typeface="Courier New" panose="02070309020205020404" pitchFamily="49" charset="0"/>
-              </a:rPr>
-              <a:t> creates a regex object that can be used to search for line breaks</a:t>
-            </a:r>
-          </a:p>
-          <a:p>
-            <a:pPr lvl="3"/>
-            <a:r>
-              <a:rPr lang="en-US" dirty="0" smtClean="0">
-                <a:latin typeface="Courier"/>
-                <a:cs typeface="Courier New" panose="02070309020205020404" pitchFamily="49" charset="0"/>
-              </a:rPr>
-              <a:t>x.search(string2search)</a:t>
-            </a:r>
-          </a:p>
-          <a:p>
-            <a:pPr lvl="4"/>
-            <a:r>
-              <a:rPr lang="en-US" dirty="0" smtClean="0">
-                <a:cs typeface="Courier New" panose="02070309020205020404" pitchFamily="49" charset="0"/>
-              </a:rPr>
-              <a:t>Note that the regex pattern is omitted from the parameters</a:t>
-            </a:r>
-          </a:p>
-          <a:p>
-            <a:pPr lvl="3"/>
-            <a:r>
-              <a:rPr lang="en-US" dirty="0" smtClean="0">
-                <a:latin typeface="Courier"/>
-                <a:cs typeface="Courier New" panose="02070309020205020404" pitchFamily="49" charset="0"/>
-              </a:rPr>
-              <a:t>x.split(string2split)</a:t>
-            </a:r>
-            <a:endParaRPr lang="en-US" dirty="0">
-              <a:latin typeface="Courier"/>
-              <a:cs typeface="Courier New" panose="02070309020205020404" pitchFamily="49" charset="0"/>
-            </a:endParaRPr>
-          </a:p>
-          <a:p>
-            <a:pPr lvl="4"/>
-            <a:r>
-              <a:rPr lang="en-US" dirty="0">
-                <a:cs typeface="Courier New" panose="02070309020205020404" pitchFamily="49" charset="0"/>
-              </a:rPr>
-              <a:t>Note that the regex pattern is omitted from the parameters</a:t>
-            </a:r>
-          </a:p>
-          <a:p>
-            <a:pPr lvl="3"/>
-            <a:endParaRPr lang="en-US" dirty="0" smtClean="0"/>
-          </a:p>
-          <a:p>
-            <a:endParaRPr lang="en-US" dirty="0" smtClean="0"/>
+              <a:t>string2search</a:t>
+            </a:r>
+            <a:r>
+              <a:rPr lang="en-US" dirty="0"/>
+              <a:t> in a list</a:t>
+            </a:r>
+          </a:p>
+          <a:p>
+            <a:endParaRPr lang="en-US" dirty="0"/>
           </a:p>
         </p:txBody>
       </p:sp>
@@ -25456,20 +24940,13 @@
     </p:spTree>
     <p:extLst>
       <p:ext uri="{BB962C8B-B14F-4D97-AF65-F5344CB8AC3E}">
-        <p14:creationId xmlns:p14="http://schemas.microsoft.com/office/powerpoint/2010/main" val="603383290"/>
+        <p14:creationId xmlns:p14="http://schemas.microsoft.com/office/powerpoint/2010/main" val="3397134192"/>
       </p:ext>
     </p:extLst>
   </p:cSld>
   <p:clrMapOvr>
     <a:masterClrMapping/>
   </p:clrMapOvr>
-  <p:timing>
-    <p:tnLst>
-      <p:par>
-        <p:cTn id="1" dur="indefinite" restart="never" nodeType="tmRoot"/>
-      </p:par>
-    </p:tnLst>
-  </p:timing>
 </p:sld>
 </file>
 
@@ -25506,10 +24983,9 @@
           <a:lstStyle/>
           <a:p>
             <a:r>
-              <a:rPr lang="en-US" dirty="0" smtClean="0"/>
+              <a:rPr lang="en-US" dirty="0"/>
               <a:t>Regular Expressions</a:t>
             </a:r>
-            <a:endParaRPr lang="en-US" dirty="0"/>
           </a:p>
         </p:txBody>
       </p:sp>
@@ -25529,25 +25005,8 @@
           <a:lstStyle/>
           <a:p>
             <a:r>
-              <a:rPr lang="en-US" dirty="0" smtClean="0"/>
-              <a:t>Match data type properties</a:t>
-            </a:r>
-          </a:p>
-          <a:p>
-            <a:pPr lvl="1"/>
-            <a:r>
-              <a:rPr lang="en-US" dirty="0" smtClean="0">
-                <a:latin typeface="Courier New" panose="02070309020205020404" pitchFamily="49" charset="0"/>
-                <a:cs typeface="Courier New" panose="02070309020205020404" pitchFamily="49" charset="0"/>
-              </a:rPr>
-              <a:t>match.group()</a:t>
-            </a:r>
-          </a:p>
-          <a:p>
-            <a:pPr lvl="2"/>
-            <a:r>
-              <a:rPr lang="en-US" dirty="0" smtClean="0"/>
-              <a:t>Get the string that matched the Regex pattern </a:t>
+              <a:rPr lang="en-US" dirty="0"/>
+              <a:t>Frequently used methods</a:t>
             </a:r>
           </a:p>
           <a:p>
@@ -25557,109 +25016,129 @@
                 <a:latin typeface="Courier New" panose="02070309020205020404" pitchFamily="49" charset="0"/>
                 <a:cs typeface="Courier New" panose="02070309020205020404" pitchFamily="49" charset="0"/>
               </a:rPr>
-              <a:t>match</a:t>
-            </a:r>
-            <a:r>
-              <a:rPr lang="en-US" dirty="0" smtClean="0">
-                <a:latin typeface="Courier New" panose="02070309020205020404" pitchFamily="49" charset="0"/>
-                <a:cs typeface="Courier New" panose="02070309020205020404" pitchFamily="49" charset="0"/>
-              </a:rPr>
-              <a:t>.start()</a:t>
-            </a:r>
-            <a:endParaRPr lang="en-US" dirty="0">
-              <a:latin typeface="Courier New" panose="02070309020205020404" pitchFamily="49" charset="0"/>
-              <a:cs typeface="Courier New" panose="02070309020205020404" pitchFamily="49" charset="0"/>
-            </a:endParaRPr>
+              <a:t>re.split(regex, string2split)</a:t>
+            </a:r>
           </a:p>
           <a:p>
             <a:pPr lvl="2"/>
             <a:r>
-              <a:rPr lang="en-US" dirty="0" smtClean="0"/>
-              <a:t>String index of the start of the matched string</a:t>
-            </a:r>
-          </a:p>
-          <a:p>
-            <a:pPr lvl="1"/>
-            <a:r>
-              <a:rPr lang="en-US" dirty="0" smtClean="0"/>
-              <a:t> </a:t>
+              <a:rPr lang="en-US" dirty="0"/>
+              <a:t>Splits a string </a:t>
             </a:r>
             <a:r>
               <a:rPr lang="en-US" dirty="0">
                 <a:latin typeface="Courier New" panose="02070309020205020404" pitchFamily="49" charset="0"/>
                 <a:cs typeface="Courier New" panose="02070309020205020404" pitchFamily="49" charset="0"/>
               </a:rPr>
-              <a:t>match</a:t>
-            </a:r>
-            <a:r>
-              <a:rPr lang="en-US" dirty="0" smtClean="0">
-                <a:latin typeface="Courier New" panose="02070309020205020404" pitchFamily="49" charset="0"/>
-                <a:cs typeface="Courier New" panose="02070309020205020404" pitchFamily="49" charset="0"/>
-              </a:rPr>
-              <a:t>.end()</a:t>
-            </a:r>
-            <a:endParaRPr lang="en-US" dirty="0">
-              <a:latin typeface="Courier New" panose="02070309020205020404" pitchFamily="49" charset="0"/>
-              <a:cs typeface="Courier New" panose="02070309020205020404" pitchFamily="49" charset="0"/>
-            </a:endParaRPr>
-          </a:p>
-          <a:p>
-            <a:pPr lvl="2"/>
+              <a:t>string2split</a:t>
+            </a:r>
             <a:r>
               <a:rPr lang="en-US" dirty="0"/>
-              <a:t>String index</a:t>
-            </a:r>
-            <a:r>
-              <a:rPr lang="en-US" dirty="0" smtClean="0"/>
-              <a:t> </a:t>
-            </a:r>
-            <a:r>
-              <a:rPr lang="en-US" dirty="0"/>
-              <a:t>of the </a:t>
-            </a:r>
-            <a:r>
-              <a:rPr lang="en-US" dirty="0" smtClean="0"/>
-              <a:t>end </a:t>
-            </a:r>
-            <a:r>
-              <a:rPr lang="en-US" dirty="0"/>
-              <a:t>of the matched string</a:t>
-            </a:r>
-          </a:p>
-          <a:p>
-            <a:pPr lvl="1"/>
+              <a:t> at the pattern </a:t>
+            </a:r>
             <a:r>
               <a:rPr lang="en-US" dirty="0">
                 <a:latin typeface="Courier New" panose="02070309020205020404" pitchFamily="49" charset="0"/>
                 <a:cs typeface="Courier New" panose="02070309020205020404" pitchFamily="49" charset="0"/>
               </a:rPr>
-              <a:t>match</a:t>
-            </a:r>
-            <a:r>
-              <a:rPr lang="en-US" dirty="0" smtClean="0">
+              <a:t>regex</a:t>
+            </a:r>
+          </a:p>
+          <a:p>
+            <a:pPr lvl="1"/>
+            <a:r>
+              <a:rPr lang="en-US" dirty="0">
                 <a:latin typeface="Courier New" panose="02070309020205020404" pitchFamily="49" charset="0"/>
                 <a:cs typeface="Courier New" panose="02070309020205020404" pitchFamily="49" charset="0"/>
               </a:rPr>
-              <a:t>.span()</a:t>
-            </a:r>
-            <a:endParaRPr lang="en-US" dirty="0">
-              <a:latin typeface="Courier New" panose="02070309020205020404" pitchFamily="49" charset="0"/>
-              <a:cs typeface="Courier New" panose="02070309020205020404" pitchFamily="49" charset="0"/>
-            </a:endParaRPr>
+              <a:t>re.compile(regex)</a:t>
+            </a:r>
           </a:p>
           <a:p>
             <a:pPr lvl="2"/>
             <a:r>
-              <a:rPr lang="en-US" dirty="0" smtClean="0"/>
-              <a:t>Returns a tuple with the start and end string index of the matched string</a:t>
-            </a:r>
+              <a:rPr lang="en-US" dirty="0">
+                <a:cs typeface="Courier New" panose="02070309020205020404" pitchFamily="49" charset="0"/>
+              </a:rPr>
+              <a:t>Creates a regular expressions object that uses the pattern </a:t>
+            </a:r>
+            <a:r>
+              <a:rPr lang="en-US" dirty="0">
+                <a:latin typeface="Courier New" panose="02070309020205020404" pitchFamily="49" charset="0"/>
+                <a:cs typeface="Courier New" panose="02070309020205020404" pitchFamily="49" charset="0"/>
+              </a:rPr>
+              <a:t>regex</a:t>
+            </a:r>
+            <a:r>
+              <a:rPr lang="en-US" dirty="0">
+                <a:cs typeface="Courier New" panose="02070309020205020404" pitchFamily="49" charset="0"/>
+              </a:rPr>
+              <a:t> that can be used multiple times with the foregoing methods</a:t>
+            </a:r>
+          </a:p>
+          <a:p>
+            <a:pPr lvl="2"/>
+            <a:r>
+              <a:rPr lang="en-US" dirty="0">
+                <a:cs typeface="Courier New" panose="02070309020205020404" pitchFamily="49" charset="0"/>
+              </a:rPr>
+              <a:t>For example, </a:t>
+            </a:r>
+            <a:r>
+              <a:rPr lang="en-US" dirty="0">
+                <a:latin typeface="Courier"/>
+                <a:cs typeface="Courier New" panose="02070309020205020404" pitchFamily="49" charset="0"/>
+              </a:rPr>
+              <a:t>x = re.compile(′\n′)</a:t>
+            </a:r>
+            <a:r>
+              <a:rPr lang="en-US" dirty="0">
+                <a:cs typeface="Courier New" panose="02070309020205020404" pitchFamily="49" charset="0"/>
+              </a:rPr>
+              <a:t> creates a regex object that can be used to search for line breaks</a:t>
+            </a:r>
+          </a:p>
+          <a:p>
+            <a:pPr lvl="3"/>
+            <a:r>
+              <a:rPr lang="en-US" dirty="0">
+                <a:latin typeface="Courier"/>
+                <a:cs typeface="Courier New" panose="02070309020205020404" pitchFamily="49" charset="0"/>
+              </a:rPr>
+              <a:t>x.search(string2search)</a:t>
+            </a:r>
+          </a:p>
+          <a:p>
+            <a:pPr lvl="4"/>
+            <a:r>
+              <a:rPr lang="en-US" dirty="0">
+                <a:cs typeface="Courier New" panose="02070309020205020404" pitchFamily="49" charset="0"/>
+              </a:rPr>
+              <a:t>Note that the regex pattern is omitted from the parameters</a:t>
+            </a:r>
+          </a:p>
+          <a:p>
+            <a:pPr lvl="3"/>
+            <a:r>
+              <a:rPr lang="en-US" dirty="0">
+                <a:latin typeface="Courier"/>
+                <a:cs typeface="Courier New" panose="02070309020205020404" pitchFamily="49" charset="0"/>
+              </a:rPr>
+              <a:t>x.split(string2split)</a:t>
+            </a:r>
+          </a:p>
+          <a:p>
+            <a:pPr lvl="4"/>
+            <a:r>
+              <a:rPr lang="en-US" dirty="0">
+                <a:cs typeface="Courier New" panose="02070309020205020404" pitchFamily="49" charset="0"/>
+              </a:rPr>
+              <a:t>Note that the regex pattern is omitted from the parameters</a:t>
+            </a:r>
+          </a:p>
+          <a:p>
+            <a:pPr lvl="3"/>
             <a:endParaRPr lang="en-US" dirty="0"/>
-          </a:p>
-          <a:p>
-            <a:endParaRPr lang="en-US" dirty="0" smtClean="0"/>
-          </a:p>
-          <a:p>
-            <a:endParaRPr lang="en-US" dirty="0" smtClean="0"/>
           </a:p>
           <a:p>
             <a:endParaRPr lang="en-US" dirty="0"/>
@@ -25693,20 +25172,13 @@
     </p:spTree>
     <p:extLst>
       <p:ext uri="{BB962C8B-B14F-4D97-AF65-F5344CB8AC3E}">
-        <p14:creationId xmlns:p14="http://schemas.microsoft.com/office/powerpoint/2010/main" val="1516957457"/>
+        <p14:creationId xmlns:p14="http://schemas.microsoft.com/office/powerpoint/2010/main" val="603383290"/>
       </p:ext>
     </p:extLst>
   </p:cSld>
   <p:clrMapOvr>
     <a:masterClrMapping/>
   </p:clrMapOvr>
-  <p:timing>
-    <p:tnLst>
-      <p:par>
-        <p:cTn id="1" dur="indefinite" restart="never" nodeType="tmRoot"/>
-      </p:par>
-    </p:tnLst>
-  </p:timing>
 </p:sld>
 </file>
 
@@ -25743,10 +25215,9 @@
           <a:lstStyle/>
           <a:p>
             <a:r>
-              <a:rPr lang="en-US" dirty="0" smtClean="0"/>
-              <a:t>Put Regex on Your Resume</a:t>
-            </a:r>
-            <a:endParaRPr lang="en-US" dirty="0"/>
+              <a:rPr lang="en-US" dirty="0"/>
+              <a:t>Regular Expressions</a:t>
+            </a:r>
           </a:p>
         </p:txBody>
       </p:sp>
@@ -25766,82 +25237,85 @@
           <a:lstStyle/>
           <a:p>
             <a:r>
-              <a:rPr lang="en-US" dirty="0" smtClean="0"/>
-              <a:t>Take a course</a:t>
+              <a:rPr lang="en-US" dirty="0"/>
+              <a:t>Specific applications</a:t>
             </a:r>
           </a:p>
           <a:p>
             <a:pPr lvl="1"/>
             <a:r>
-              <a:rPr lang="en-US" dirty="0" smtClean="0"/>
-              <a:t>Lynda.com</a:t>
+              <a:rPr lang="en-US" dirty="0"/>
+              <a:t> </a:t>
+            </a:r>
+            <a:r>
+              <a:rPr lang="en-US" dirty="0" err="1"/>
+              <a:t>Webscraping</a:t>
+            </a:r>
+            <a:r>
+              <a:rPr lang="en-US" dirty="0"/>
+              <a:t> </a:t>
             </a:r>
           </a:p>
           <a:p>
             <a:pPr lvl="2"/>
             <a:r>
-              <a:rPr lang="en-US" dirty="0" smtClean="0"/>
-              <a:t>Free, “Regular Expressions Training and Tutorials,” Kevin Skoglund</a:t>
+              <a:rPr lang="en-US" dirty="0"/>
+              <a:t> Specifying tag attribute values</a:t>
             </a:r>
           </a:p>
           <a:p>
             <a:pPr lvl="2"/>
             <a:r>
-              <a:rPr lang="en-US" dirty="0" smtClean="0"/>
-              <a:t>Go through the Swem Library web site</a:t>
-            </a:r>
-          </a:p>
-          <a:p>
-            <a:pPr lvl="2"/>
-            <a:r>
-              <a:rPr lang="en-US" dirty="0" smtClean="0">
-                <a:hlinkClick r:id="rId2"/>
-              </a:rPr>
-              <a:t>https://www.lynda.com/Regular-Expressions-training-tutorials/1066-0.html</a:t>
-            </a:r>
-            <a:r>
-              <a:rPr lang="en-US" dirty="0" smtClean="0"/>
+              <a:rPr lang="en-US" dirty="0"/>
               <a:t> </a:t>
             </a:r>
-          </a:p>
-          <a:p>
-            <a:pPr lvl="2"/>
-            <a:r>
-              <a:rPr lang="en-US" dirty="0" smtClean="0"/>
-              <a:t>Comprehensive, many examples at the end</a:t>
-            </a:r>
+            <a:r>
+              <a:rPr lang="en-US"/>
+              <a:t>Filtering text</a:t>
+            </a:r>
+            <a:endParaRPr lang="en-US" dirty="0"/>
           </a:p>
           <a:p>
             <a:pPr lvl="1"/>
             <a:r>
-              <a:rPr lang="en-US" dirty="0" smtClean="0"/>
-              <a:t>teamtreehouse.com </a:t>
-            </a:r>
-          </a:p>
-          <a:p>
-            <a:pPr lvl="2"/>
-            <a:r>
-              <a:rPr lang="en-US" dirty="0" smtClean="0">
-                <a:hlinkClick r:id="rId3"/>
-              </a:rPr>
-              <a:t>https://teamtreehouse.com/library/regular-expressions-in-python</a:t>
-            </a:r>
-            <a:r>
-              <a:rPr lang="en-US" dirty="0" smtClean="0"/>
-              <a:t> </a:t>
-            </a:r>
-          </a:p>
-          <a:p>
-            <a:pPr lvl="2"/>
-            <a:r>
-              <a:rPr lang="en-US" dirty="0" smtClean="0"/>
-              <a:t>Exam, but no certification</a:t>
-            </a:r>
-          </a:p>
-          <a:p>
-            <a:r>
-              <a:rPr lang="en-US" dirty="0" smtClean="0"/>
-              <a:t>Post a project on Github</a:t>
+              <a:rPr lang="en-US" dirty="0"/>
+              <a:t> Finding relevant filenames in hard drive folders</a:t>
+            </a:r>
+          </a:p>
+          <a:p>
+            <a:pPr lvl="1"/>
+            <a:r>
+              <a:rPr lang="en-US" dirty="0"/>
+              <a:t> Finding relevant email messages based on content or distribution</a:t>
+            </a:r>
+          </a:p>
+          <a:p>
+            <a:pPr lvl="1"/>
+            <a:r>
+              <a:rPr lang="en-US" dirty="0"/>
+              <a:t> Finding relevant database records</a:t>
+            </a:r>
+          </a:p>
+          <a:p>
+            <a:pPr lvl="1"/>
+            <a:r>
+              <a:rPr lang="en-US" dirty="0"/>
+              <a:t> Searching for comments in Python files</a:t>
+            </a:r>
+          </a:p>
+          <a:p>
+            <a:pPr lvl="1"/>
+            <a:r>
+              <a:rPr lang="en-US" dirty="0"/>
+              <a:t> Finding code or markdown cells in </a:t>
+            </a:r>
+            <a:r>
+              <a:rPr lang="en-US" dirty="0" err="1"/>
+              <a:t>Jupyter</a:t>
+            </a:r>
+            <a:r>
+              <a:rPr lang="en-US" dirty="0"/>
+              <a:t> files</a:t>
             </a:r>
           </a:p>
         </p:txBody>
@@ -25861,7 +25335,7 @@
           <a:bodyPr/>
           <a:lstStyle/>
           <a:p>
-            <a:fld id="{4577FE26-ACD1-4964-932B-823877B1C5B5}" type="slidenum">
+            <a:fld id="{55F4410E-0862-437D-8529-1EDBC387A0F9}" type="slidenum">
               <a:rPr lang="en-US" smtClean="0"/>
               <a:pPr/>
               <a:t>3</a:t>
@@ -25873,20 +25347,13 @@
     </p:spTree>
     <p:extLst>
       <p:ext uri="{BB962C8B-B14F-4D97-AF65-F5344CB8AC3E}">
-        <p14:creationId xmlns:p14="http://schemas.microsoft.com/office/powerpoint/2010/main" val="1715585293"/>
+        <p14:creationId xmlns:p14="http://schemas.microsoft.com/office/powerpoint/2010/main" val="3966319125"/>
       </p:ext>
     </p:extLst>
   </p:cSld>
   <p:clrMapOvr>
     <a:masterClrMapping/>
   </p:clrMapOvr>
-  <p:timing>
-    <p:tnLst>
-      <p:par>
-        <p:cTn id="1" dur="indefinite" restart="never" nodeType="tmRoot"/>
-      </p:par>
-    </p:tnLst>
-  </p:timing>
 </p:sld>
 </file>
 
@@ -25923,10 +25390,9 @@
           <a:lstStyle/>
           <a:p>
             <a:r>
-              <a:rPr lang="en-US" dirty="0" smtClean="0"/>
-              <a:t>In-Class Exercise 1</a:t>
-            </a:r>
-            <a:endParaRPr lang="en-US" dirty="0"/>
+              <a:rPr lang="en-US" dirty="0"/>
+              <a:t>Regular Expressions</a:t>
+            </a:r>
           </a:p>
         </p:txBody>
       </p:sp>
@@ -25946,49 +25412,87 @@
           <a:lstStyle/>
           <a:p>
             <a:r>
-              <a:rPr lang="en-US" dirty="0" smtClean="0"/>
-              <a:t>Write a Regex expression to find numbers in any of these formats</a:t>
+              <a:rPr lang="en-US" dirty="0"/>
+              <a:t>Match data type properties</a:t>
             </a:r>
           </a:p>
           <a:p>
             <a:pPr lvl="1"/>
             <a:r>
-              <a:rPr lang="en-US" dirty="0" smtClean="0"/>
-              <a:t>1234, 12.34, .1234, 1234.</a:t>
-            </a:r>
-          </a:p>
-          <a:p>
-            <a:r>
-              <a:rPr lang="en-US" dirty="0" smtClean="0"/>
-              <a:t>… with any number of digits before and after a possible decimal point</a:t>
-            </a:r>
-          </a:p>
-          <a:p>
-            <a:r>
-              <a:rPr lang="en-US" dirty="0" smtClean="0"/>
-              <a:t>Experiment, prototype with </a:t>
-            </a:r>
-            <a:r>
-              <a:rPr lang="en-US" dirty="0" smtClean="0">
-                <a:latin typeface="Courier"/>
+              <a:rPr lang="en-US" dirty="0">
+                <a:latin typeface="Courier New" panose="02070309020205020404" pitchFamily="49" charset="0"/>
+                <a:cs typeface="Courier New" panose="02070309020205020404" pitchFamily="49" charset="0"/>
               </a:rPr>
-              <a:t>regexr.com</a:t>
-            </a:r>
-          </a:p>
-          <a:p>
-            <a:endParaRPr lang="en-US" dirty="0" smtClean="0"/>
-          </a:p>
-          <a:p>
-            <a:endParaRPr lang="en-US" dirty="0" smtClean="0"/>
-          </a:p>
-          <a:p>
-            <a:endParaRPr lang="en-US" dirty="0" smtClean="0"/>
-          </a:p>
-          <a:p>
-            <a:endParaRPr lang="en-US" dirty="0" smtClean="0"/>
-          </a:p>
-          <a:p>
-            <a:endParaRPr lang="en-US" dirty="0" smtClean="0"/>
+              <a:t>match.group()</a:t>
+            </a:r>
+          </a:p>
+          <a:p>
+            <a:pPr lvl="2"/>
+            <a:r>
+              <a:rPr lang="en-US" dirty="0"/>
+              <a:t>Get the string that matched the Regex pattern </a:t>
+            </a:r>
+          </a:p>
+          <a:p>
+            <a:pPr lvl="1"/>
+            <a:r>
+              <a:rPr lang="en-US" dirty="0">
+                <a:latin typeface="Courier New" panose="02070309020205020404" pitchFamily="49" charset="0"/>
+                <a:cs typeface="Courier New" panose="02070309020205020404" pitchFamily="49" charset="0"/>
+              </a:rPr>
+              <a:t>match.start()</a:t>
+            </a:r>
+          </a:p>
+          <a:p>
+            <a:pPr lvl="2"/>
+            <a:r>
+              <a:rPr lang="en-US" dirty="0"/>
+              <a:t>String index of the start of the matched string</a:t>
+            </a:r>
+          </a:p>
+          <a:p>
+            <a:pPr lvl="1"/>
+            <a:r>
+              <a:rPr lang="en-US" dirty="0"/>
+              <a:t> </a:t>
+            </a:r>
+            <a:r>
+              <a:rPr lang="en-US" dirty="0">
+                <a:latin typeface="Courier New" panose="02070309020205020404" pitchFamily="49" charset="0"/>
+                <a:cs typeface="Courier New" panose="02070309020205020404" pitchFamily="49" charset="0"/>
+              </a:rPr>
+              <a:t>match.end()</a:t>
+            </a:r>
+          </a:p>
+          <a:p>
+            <a:pPr lvl="2"/>
+            <a:r>
+              <a:rPr lang="en-US" dirty="0"/>
+              <a:t>String index of the end of the matched string</a:t>
+            </a:r>
+          </a:p>
+          <a:p>
+            <a:pPr lvl="1"/>
+            <a:r>
+              <a:rPr lang="en-US" dirty="0">
+                <a:latin typeface="Courier New" panose="02070309020205020404" pitchFamily="49" charset="0"/>
+                <a:cs typeface="Courier New" panose="02070309020205020404" pitchFamily="49" charset="0"/>
+              </a:rPr>
+              <a:t>match.span()</a:t>
+            </a:r>
+          </a:p>
+          <a:p>
+            <a:pPr lvl="2"/>
+            <a:r>
+              <a:rPr lang="en-US" dirty="0"/>
+              <a:t>Returns a tuple with the start and end string index of the matched string</a:t>
+            </a:r>
+          </a:p>
+          <a:p>
+            <a:endParaRPr lang="en-US" dirty="0"/>
+          </a:p>
+          <a:p>
+            <a:endParaRPr lang="en-US" dirty="0"/>
           </a:p>
           <a:p>
             <a:endParaRPr lang="en-US" dirty="0"/>
@@ -26010,7 +25514,7 @@
           <a:bodyPr/>
           <a:lstStyle/>
           <a:p>
-            <a:fld id="{4577FE26-ACD1-4964-932B-823877B1C5B5}" type="slidenum">
+            <a:fld id="{55F4410E-0862-437D-8529-1EDBC387A0F9}" type="slidenum">
               <a:rPr lang="en-US" smtClean="0"/>
               <a:pPr/>
               <a:t>30</a:t>
@@ -26022,20 +25526,13 @@
     </p:spTree>
     <p:extLst>
       <p:ext uri="{BB962C8B-B14F-4D97-AF65-F5344CB8AC3E}">
-        <p14:creationId xmlns:p14="http://schemas.microsoft.com/office/powerpoint/2010/main" val="2038450402"/>
+        <p14:creationId xmlns:p14="http://schemas.microsoft.com/office/powerpoint/2010/main" val="1516957457"/>
       </p:ext>
     </p:extLst>
   </p:cSld>
   <p:clrMapOvr>
     <a:masterClrMapping/>
   </p:clrMapOvr>
-  <p:timing>
-    <p:tnLst>
-      <p:par>
-        <p:cTn id="1" dur="indefinite" restart="never" nodeType="tmRoot"/>
-      </p:par>
-    </p:tnLst>
-  </p:timing>
 </p:sld>
 </file>
 
@@ -26072,10 +25569,9 @@
           <a:lstStyle/>
           <a:p>
             <a:r>
-              <a:rPr lang="en-US" dirty="0" smtClean="0"/>
-              <a:t>In-Class Exercise 2</a:t>
-            </a:r>
-            <a:endParaRPr lang="en-US" dirty="0"/>
+              <a:rPr lang="en-US" dirty="0"/>
+              <a:t>In-Class Exercise 1</a:t>
+            </a:r>
           </a:p>
         </p:txBody>
       </p:sp>
@@ -26089,84 +25585,33 @@
             <p:ph idx="1"/>
           </p:nvPr>
         </p:nvSpPr>
-        <p:spPr>
-          <a:xfrm>
-            <a:off x="1219200" y="1083014"/>
-            <a:ext cx="10363200" cy="5043150"/>
-          </a:xfrm>
-        </p:spPr>
+        <p:spPr/>
         <p:txBody>
           <a:bodyPr/>
           <a:lstStyle/>
           <a:p>
             <a:r>
               <a:rPr lang="en-US" dirty="0"/>
-              <a:t>Find </a:t>
-            </a:r>
-            <a:r>
-              <a:rPr lang="en-US" dirty="0" smtClean="0"/>
-              <a:t>text of President Trump’s tweets that satisfy these criteria:</a:t>
-            </a:r>
-            <a:endParaRPr lang="en-US" dirty="0"/>
+              <a:t>Write a Regex expression to find numbers in any of these formats</a:t>
+            </a:r>
           </a:p>
           <a:p>
             <a:pPr lvl="1"/>
             <a:r>
-              <a:rPr lang="en-US" dirty="0" smtClean="0"/>
-              <a:t>From May or June 2019</a:t>
-            </a:r>
-          </a:p>
-          <a:p>
-            <a:r>
-              <a:rPr lang="en-US" dirty="0" smtClean="0"/>
-              <a:t>Next, if time:</a:t>
-            </a:r>
-          </a:p>
-          <a:p>
-            <a:pPr lvl="1"/>
-            <a:r>
-              <a:rPr lang="en-US" dirty="0" smtClean="0"/>
-              <a:t>Search text of tweets to find text containing a particular word</a:t>
-            </a:r>
-            <a:endParaRPr lang="en-US" dirty="0"/>
-          </a:p>
-          <a:p>
-            <a:r>
               <a:rPr lang="en-US" dirty="0"/>
-              <a:t>Steps</a:t>
-            </a:r>
-          </a:p>
-          <a:p>
-            <a:pPr lvl="1"/>
-            <a:r>
-              <a:rPr lang="en-US" dirty="0" smtClean="0"/>
-              <a:t>Inspect date field</a:t>
-            </a:r>
-          </a:p>
-          <a:p>
-            <a:pPr lvl="1"/>
-            <a:r>
-              <a:rPr lang="en-US" dirty="0" smtClean="0"/>
-              <a:t>Develop regex strategy</a:t>
-            </a:r>
-          </a:p>
-          <a:p>
-            <a:pPr lvl="1"/>
-            <a:r>
-              <a:rPr lang="en-US" dirty="0" smtClean="0"/>
-              <a:t>Prototype</a:t>
-            </a:r>
+              <a:t>1234, 12.34, .1234, 1234.</a:t>
+            </a:r>
+          </a:p>
+          <a:p>
             <a:r>
               <a:rPr lang="en-US" dirty="0"/>
-              <a:t>, and iteratively improve your </a:t>
-            </a:r>
-            <a:r>
-              <a:rPr lang="en-US" dirty="0" smtClean="0"/>
-              <a:t>strategy </a:t>
-            </a:r>
+              <a:t>… with any number of digits before and after a possible decimal point</a:t>
+            </a:r>
+          </a:p>
+          <a:p>
             <a:r>
               <a:rPr lang="en-US" dirty="0"/>
-              <a:t>at </a:t>
+              <a:t>Experiment, prototype with </a:t>
             </a:r>
             <a:r>
               <a:rPr lang="en-US" dirty="0">
@@ -26174,67 +25619,21 @@
               </a:rPr>
               <a:t>regexr.com</a:t>
             </a:r>
-            <a:r>
-              <a:rPr lang="en-US" dirty="0"/>
-              <a:t> </a:t>
-            </a:r>
-          </a:p>
-          <a:p>
-            <a:pPr lvl="1"/>
-            <a:r>
-              <a:rPr lang="en-US" dirty="0"/>
-              <a:t>Then put into a Python program</a:t>
-            </a:r>
-          </a:p>
-          <a:p>
-            <a:r>
-              <a:rPr lang="en-US" dirty="0" smtClean="0"/>
-              <a:t>Data (abridged version of source)</a:t>
-            </a:r>
+          </a:p>
+          <a:p>
             <a:endParaRPr lang="en-US" dirty="0"/>
           </a:p>
           <a:p>
-            <a:pPr lvl="1"/>
-            <a:r>
-              <a:rPr lang="en-US" dirty="0"/>
-              <a:t> </a:t>
-            </a:r>
-            <a:r>
-              <a:rPr lang="en-US" dirty="0" err="1" smtClean="0">
-                <a:latin typeface="Courier New" panose="02070309020205020404" pitchFamily="49" charset="0"/>
-                <a:cs typeface="Courier New" panose="02070309020205020404" pitchFamily="49" charset="0"/>
-              </a:rPr>
-              <a:t>realdonaldtrump_abridged.ndjson</a:t>
-            </a:r>
-            <a:endParaRPr lang="en-US" dirty="0">
-              <a:latin typeface="Courier New" panose="02070309020205020404" pitchFamily="49" charset="0"/>
-              <a:cs typeface="Courier New" panose="02070309020205020404" pitchFamily="49" charset="0"/>
-            </a:endParaRPr>
-          </a:p>
-          <a:p>
-            <a:r>
-              <a:rPr lang="en-US" dirty="0" smtClean="0"/>
-              <a:t>Source: </a:t>
-            </a:r>
-            <a:r>
-              <a:rPr lang="en-US" sz="1600" dirty="0">
-                <a:hlinkClick r:id="rId2"/>
-              </a:rPr>
-              <a:t>https://dataverse.harvard.edu/dataset.xhtml?persistentId=doi%3A10.7910%2FDVN%2FKJEBIL</a:t>
-            </a:r>
-            <a:endParaRPr lang="en-US" dirty="0" smtClean="0"/>
-          </a:p>
-          <a:p>
-            <a:endParaRPr lang="en-US" dirty="0" smtClean="0"/>
-          </a:p>
-          <a:p>
-            <a:endParaRPr lang="en-US" dirty="0" smtClean="0"/>
-          </a:p>
-          <a:p>
-            <a:endParaRPr lang="en-US" dirty="0" smtClean="0"/>
-          </a:p>
-          <a:p>
-            <a:endParaRPr lang="en-US" dirty="0" smtClean="0"/>
+            <a:endParaRPr lang="en-US" dirty="0"/>
+          </a:p>
+          <a:p>
+            <a:endParaRPr lang="en-US" dirty="0"/>
+          </a:p>
+          <a:p>
+            <a:endParaRPr lang="en-US" dirty="0"/>
+          </a:p>
+          <a:p>
+            <a:endParaRPr lang="en-US" dirty="0"/>
           </a:p>
           <a:p>
             <a:endParaRPr lang="en-US" dirty="0"/>
@@ -26268,20 +25667,13 @@
     </p:spTree>
     <p:extLst>
       <p:ext uri="{BB962C8B-B14F-4D97-AF65-F5344CB8AC3E}">
-        <p14:creationId xmlns:p14="http://schemas.microsoft.com/office/powerpoint/2010/main" val="3085089897"/>
+        <p14:creationId xmlns:p14="http://schemas.microsoft.com/office/powerpoint/2010/main" val="2038450402"/>
       </p:ext>
     </p:extLst>
   </p:cSld>
   <p:clrMapOvr>
     <a:masterClrMapping/>
   </p:clrMapOvr>
-  <p:timing>
-    <p:tnLst>
-      <p:par>
-        <p:cTn id="1" dur="indefinite" restart="never" nodeType="tmRoot"/>
-      </p:par>
-    </p:tnLst>
-  </p:timing>
 </p:sld>
 </file>
 
@@ -26318,10 +25710,9 @@
           <a:lstStyle/>
           <a:p>
             <a:r>
-              <a:rPr lang="en-US" dirty="0" smtClean="0"/>
-              <a:t>In-Class Exercise 3</a:t>
-            </a:r>
-            <a:endParaRPr lang="en-US" dirty="0"/>
+              <a:rPr lang="en-US" dirty="0"/>
+              <a:t>In-Class Exercise 2</a:t>
+            </a:r>
           </a:p>
         </p:txBody>
       </p:sp>
@@ -26337,8 +25728,8 @@
         </p:nvSpPr>
         <p:spPr>
           <a:xfrm>
-            <a:off x="1219200" y="1219200"/>
-            <a:ext cx="10363200" cy="4906963"/>
+            <a:off x="1219200" y="1083014"/>
+            <a:ext cx="10363200" cy="5043150"/>
           </a:xfrm>
         </p:spPr>
         <p:txBody>
@@ -26346,120 +25737,125 @@
           <a:lstStyle/>
           <a:p>
             <a:r>
-              <a:rPr lang="en-US" dirty="0" smtClean="0"/>
-              <a:t>Find email addresses in Hillary Clinton’s email</a:t>
+              <a:rPr lang="en-US" dirty="0"/>
+              <a:t>Find text of President Trump’s tweets that satisfy these criteria:</a:t>
             </a:r>
           </a:p>
           <a:p>
             <a:pPr lvl="1"/>
             <a:r>
-              <a:rPr lang="en-US" dirty="0" smtClean="0"/>
-              <a:t>With whom did she correspond?</a:t>
+              <a:rPr lang="en-US" dirty="0"/>
+              <a:t>From May or June 2019</a:t>
+            </a:r>
+          </a:p>
+          <a:p>
+            <a:r>
+              <a:rPr lang="en-US" dirty="0"/>
+              <a:t>Next, if time:</a:t>
             </a:r>
           </a:p>
           <a:p>
             <a:pPr lvl="1"/>
             <a:r>
-              <a:rPr lang="en-US" dirty="0" smtClean="0"/>
-              <a:t>Create frequency histogram in a dictionary</a:t>
-            </a:r>
-          </a:p>
-          <a:p>
-            <a:pPr lvl="2"/>
-            <a:r>
-              <a:rPr lang="en-US" dirty="0" smtClean="0"/>
-              <a:t>Keys are email addresses, values are frequencies</a:t>
+              <a:rPr lang="en-US" dirty="0"/>
+              <a:t>Search text of tweets to find text containing a particular word</a:t>
+            </a:r>
+          </a:p>
+          <a:p>
+            <a:r>
+              <a:rPr lang="en-US" dirty="0"/>
+              <a:t>Steps</a:t>
             </a:r>
           </a:p>
           <a:p>
             <a:pPr lvl="1"/>
             <a:r>
-              <a:rPr lang="en-US" dirty="0" smtClean="0"/>
-              <a:t>First step is Regex to find email addresses</a:t>
-            </a:r>
-          </a:p>
-          <a:p>
-            <a:r>
-              <a:rPr lang="en-US" dirty="0" smtClean="0"/>
-              <a:t>Steps</a:t>
+              <a:rPr lang="en-US" dirty="0"/>
+              <a:t>Inspect date field</a:t>
             </a:r>
           </a:p>
           <a:p>
             <a:pPr lvl="1"/>
             <a:r>
-              <a:rPr lang="en-US" dirty="0" smtClean="0"/>
-              <a:t>Prototype, and iteratively improve your Regex at </a:t>
-            </a:r>
-            <a:r>
-              <a:rPr lang="en-US" dirty="0" smtClean="0">
+              <a:rPr lang="en-US" dirty="0"/>
+              <a:t>Develop regex strategy</a:t>
+            </a:r>
+          </a:p>
+          <a:p>
+            <a:pPr lvl="1"/>
+            <a:r>
+              <a:rPr lang="en-US" dirty="0"/>
+              <a:t>Prototype, and iteratively improve your strategy at </a:t>
+            </a:r>
+            <a:r>
+              <a:rPr lang="en-US" dirty="0">
                 <a:latin typeface="Courier"/>
               </a:rPr>
               <a:t>regexr.com</a:t>
             </a:r>
             <a:r>
-              <a:rPr lang="en-US" dirty="0" smtClean="0"/>
+              <a:rPr lang="en-US" dirty="0"/>
               <a:t> </a:t>
             </a:r>
           </a:p>
           <a:p>
             <a:pPr lvl="1"/>
             <a:r>
-              <a:rPr lang="en-US" dirty="0" smtClean="0"/>
+              <a:rPr lang="en-US" dirty="0"/>
               <a:t>Then put into a Python program</a:t>
             </a:r>
           </a:p>
           <a:p>
+            <a:r>
+              <a:rPr lang="en-US" dirty="0"/>
+              <a:t>Data (abridged version of source)</a:t>
+            </a:r>
+          </a:p>
+          <a:p>
             <a:pPr lvl="1"/>
             <a:r>
-              <a:rPr lang="en-US" dirty="0" smtClean="0"/>
-              <a:t>This </a:t>
-            </a:r>
-            <a:r>
               <a:rPr lang="en-US" dirty="0"/>
-              <a:t>process </a:t>
-            </a:r>
-            <a:r>
-              <a:rPr lang="en-US" dirty="0" smtClean="0"/>
-              <a:t>is an iterative, trial and error</a:t>
-            </a:r>
-          </a:p>
-          <a:p>
-            <a:r>
-              <a:rPr lang="en-US" dirty="0" smtClean="0"/>
-              <a:t>Files</a:t>
-            </a:r>
-          </a:p>
-          <a:p>
-            <a:pPr lvl="1"/>
-            <a:r>
-              <a:rPr lang="en-US" dirty="0" smtClean="0"/>
               <a:t> </a:t>
             </a:r>
             <a:r>
-              <a:rPr lang="en-US" dirty="0" smtClean="0">
+              <a:rPr lang="en-US" dirty="0" err="1">
                 <a:latin typeface="Courier New" panose="02070309020205020404" pitchFamily="49" charset="0"/>
                 <a:cs typeface="Courier New" panose="02070309020205020404" pitchFamily="49" charset="0"/>
               </a:rPr>
-              <a:t>hillary-clinton-emails-august-31-release_djvu.txt</a:t>
-            </a:r>
-          </a:p>
-          <a:p>
-            <a:pPr lvl="1"/>
-            <a:r>
-              <a:rPr lang="en-US" dirty="0" smtClean="0"/>
-              <a:t> </a:t>
-            </a:r>
-            <a:r>
-              <a:rPr lang="en-US" dirty="0" smtClean="0">
-                <a:latin typeface="Courier New" panose="02070309020205020404" pitchFamily="49" charset="0"/>
-                <a:cs typeface="Courier New" panose="02070309020205020404" pitchFamily="49" charset="0"/>
+              <a:t>realdonaldtrump_abridged.ndjson</a:t>
+            </a:r>
+            <a:endParaRPr lang="en-US" dirty="0">
+              <a:latin typeface="Courier New" panose="02070309020205020404" pitchFamily="49" charset="0"/>
+              <a:cs typeface="Courier New" panose="02070309020205020404" pitchFamily="49" charset="0"/>
+            </a:endParaRPr>
+          </a:p>
+          <a:p>
+            <a:r>
+              <a:rPr lang="en-US" dirty="0"/>
+              <a:t>Source: </a:t>
+            </a:r>
+            <a:r>
+              <a:rPr lang="en-US" sz="1600" dirty="0">
+                <a:hlinkClick r:id="rId2"/>
               </a:rPr>
-              <a:t>Regex.ipynb</a:t>
-            </a:r>
-          </a:p>
-          <a:p>
-            <a:pPr lvl="1"/>
-            <a:endParaRPr lang="en-US" dirty="0" smtClean="0"/>
+              <a:t>https://dataverse.harvard.edu/dataset.xhtml?persistentId=doi%3A10.7910%2FDVN%2FKJEBIL</a:t>
+            </a:r>
+            <a:endParaRPr lang="en-US" dirty="0"/>
+          </a:p>
+          <a:p>
+            <a:endParaRPr lang="en-US" dirty="0"/>
+          </a:p>
+          <a:p>
+            <a:endParaRPr lang="en-US" dirty="0"/>
+          </a:p>
+          <a:p>
+            <a:endParaRPr lang="en-US" dirty="0"/>
+          </a:p>
+          <a:p>
+            <a:endParaRPr lang="en-US" dirty="0"/>
+          </a:p>
+          <a:p>
+            <a:endParaRPr lang="en-US" dirty="0"/>
           </a:p>
         </p:txBody>
       </p:sp>
@@ -26478,7 +25874,7 @@
           <a:bodyPr/>
           <a:lstStyle/>
           <a:p>
-            <a:fld id="{55F4410E-0862-437D-8529-1EDBC387A0F9}" type="slidenum">
+            <a:fld id="{4577FE26-ACD1-4964-932B-823877B1C5B5}" type="slidenum">
               <a:rPr lang="en-US" smtClean="0"/>
               <a:pPr/>
               <a:t>32</a:t>
@@ -26490,20 +25886,13 @@
     </p:spTree>
     <p:extLst>
       <p:ext uri="{BB962C8B-B14F-4D97-AF65-F5344CB8AC3E}">
-        <p14:creationId xmlns:p14="http://schemas.microsoft.com/office/powerpoint/2010/main" val="3886825253"/>
+        <p14:creationId xmlns:p14="http://schemas.microsoft.com/office/powerpoint/2010/main" val="3085089897"/>
       </p:ext>
     </p:extLst>
   </p:cSld>
   <p:clrMapOvr>
     <a:masterClrMapping/>
   </p:clrMapOvr>
-  <p:timing>
-    <p:tnLst>
-      <p:par>
-        <p:cTn id="1" dur="indefinite" restart="never" nodeType="tmRoot"/>
-      </p:par>
-    </p:tnLst>
-  </p:timing>
 </p:sld>
 </file>
 
@@ -26540,10 +25929,215 @@
           <a:lstStyle/>
           <a:p>
             <a:r>
-              <a:rPr lang="en-US" dirty="0" smtClean="0"/>
+              <a:rPr lang="en-US" dirty="0"/>
+              <a:t>In-Class Exercise 3</a:t>
+            </a:r>
+          </a:p>
+        </p:txBody>
+      </p:sp>
+      <p:sp>
+        <p:nvSpPr>
+          <p:cNvPr id="3" name="Content Placeholder 2"/>
+          <p:cNvSpPr>
+            <a:spLocks noGrp="1"/>
+          </p:cNvSpPr>
+          <p:nvPr>
+            <p:ph idx="1"/>
+          </p:nvPr>
+        </p:nvSpPr>
+        <p:spPr>
+          <a:xfrm>
+            <a:off x="1219200" y="1219200"/>
+            <a:ext cx="10363200" cy="4906963"/>
+          </a:xfrm>
+        </p:spPr>
+        <p:txBody>
+          <a:bodyPr/>
+          <a:lstStyle/>
+          <a:p>
+            <a:r>
+              <a:rPr lang="en-US" dirty="0"/>
+              <a:t>Find email addresses in Hillary Clinton’s email</a:t>
+            </a:r>
+          </a:p>
+          <a:p>
+            <a:pPr lvl="1"/>
+            <a:r>
+              <a:rPr lang="en-US" dirty="0"/>
+              <a:t>With whom did she correspond?</a:t>
+            </a:r>
+          </a:p>
+          <a:p>
+            <a:pPr lvl="1"/>
+            <a:r>
+              <a:rPr lang="en-US" dirty="0"/>
+              <a:t>Create frequency histogram in a dictionary</a:t>
+            </a:r>
+          </a:p>
+          <a:p>
+            <a:pPr lvl="2"/>
+            <a:r>
+              <a:rPr lang="en-US" dirty="0"/>
+              <a:t>Keys are email addresses, values are frequencies</a:t>
+            </a:r>
+          </a:p>
+          <a:p>
+            <a:pPr lvl="1"/>
+            <a:r>
+              <a:rPr lang="en-US" dirty="0"/>
+              <a:t>First step is Regex to find email addresses</a:t>
+            </a:r>
+          </a:p>
+          <a:p>
+            <a:r>
+              <a:rPr lang="en-US" dirty="0"/>
+              <a:t>Steps</a:t>
+            </a:r>
+          </a:p>
+          <a:p>
+            <a:pPr lvl="1"/>
+            <a:r>
+              <a:rPr lang="en-US" dirty="0"/>
+              <a:t>Prototype, and iteratively improve your Regex at </a:t>
+            </a:r>
+            <a:r>
+              <a:rPr lang="en-US" dirty="0">
+                <a:latin typeface="Courier"/>
+              </a:rPr>
+              <a:t>regexr.com</a:t>
+            </a:r>
+            <a:r>
+              <a:rPr lang="en-US" dirty="0"/>
+              <a:t> </a:t>
+            </a:r>
+          </a:p>
+          <a:p>
+            <a:pPr lvl="1"/>
+            <a:r>
+              <a:rPr lang="en-US" dirty="0"/>
+              <a:t>Then put into a Python program</a:t>
+            </a:r>
+          </a:p>
+          <a:p>
+            <a:pPr lvl="1"/>
+            <a:r>
+              <a:rPr lang="en-US" dirty="0"/>
+              <a:t>This process is an iterative, trial and error</a:t>
+            </a:r>
+          </a:p>
+          <a:p>
+            <a:r>
+              <a:rPr lang="en-US" dirty="0"/>
+              <a:t>Files</a:t>
+            </a:r>
+          </a:p>
+          <a:p>
+            <a:pPr lvl="1"/>
+            <a:r>
+              <a:rPr lang="en-US" dirty="0"/>
+              <a:t> </a:t>
+            </a:r>
+            <a:r>
+              <a:rPr lang="en-US" dirty="0">
+                <a:latin typeface="Courier New" panose="02070309020205020404" pitchFamily="49" charset="0"/>
+                <a:cs typeface="Courier New" panose="02070309020205020404" pitchFamily="49" charset="0"/>
+              </a:rPr>
+              <a:t>hillary-clinton-emails-august-31-release_djvu.txt</a:t>
+            </a:r>
+          </a:p>
+          <a:p>
+            <a:pPr lvl="1"/>
+            <a:r>
+              <a:rPr lang="en-US" dirty="0"/>
+              <a:t> </a:t>
+            </a:r>
+            <a:r>
+              <a:rPr lang="en-US" dirty="0">
+                <a:latin typeface="Courier New" panose="02070309020205020404" pitchFamily="49" charset="0"/>
+                <a:cs typeface="Courier New" panose="02070309020205020404" pitchFamily="49" charset="0"/>
+              </a:rPr>
+              <a:t>Regex.ipynb</a:t>
+            </a:r>
+          </a:p>
+          <a:p>
+            <a:pPr lvl="1"/>
+            <a:endParaRPr lang="en-US" dirty="0"/>
+          </a:p>
+        </p:txBody>
+      </p:sp>
+      <p:sp>
+        <p:nvSpPr>
+          <p:cNvPr id="4" name="Slide Number Placeholder 3"/>
+          <p:cNvSpPr>
+            <a:spLocks noGrp="1"/>
+          </p:cNvSpPr>
+          <p:nvPr>
+            <p:ph type="sldNum" sz="quarter" idx="12"/>
+          </p:nvPr>
+        </p:nvSpPr>
+        <p:spPr/>
+        <p:txBody>
+          <a:bodyPr/>
+          <a:lstStyle/>
+          <a:p>
+            <a:fld id="{55F4410E-0862-437D-8529-1EDBC387A0F9}" type="slidenum">
+              <a:rPr lang="en-US" smtClean="0"/>
+              <a:pPr/>
+              <a:t>33</a:t>
+            </a:fld>
+            <a:endParaRPr lang="en-US" dirty="0"/>
+          </a:p>
+        </p:txBody>
+      </p:sp>
+    </p:spTree>
+    <p:extLst>
+      <p:ext uri="{BB962C8B-B14F-4D97-AF65-F5344CB8AC3E}">
+        <p14:creationId xmlns:p14="http://schemas.microsoft.com/office/powerpoint/2010/main" val="3886825253"/>
+      </p:ext>
+    </p:extLst>
+  </p:cSld>
+  <p:clrMapOvr>
+    <a:masterClrMapping/>
+  </p:clrMapOvr>
+</p:sld>
+</file>
+
+<file path=ppt/slides/slide34.xml><?xml version="1.0" encoding="utf-8"?>
+<p:sld xmlns:a="http://schemas.openxmlformats.org/drawingml/2006/main" xmlns:r="http://schemas.openxmlformats.org/officeDocument/2006/relationships" xmlns:p="http://schemas.openxmlformats.org/presentationml/2006/main">
+  <p:cSld>
+    <p:spTree>
+      <p:nvGrpSpPr>
+        <p:cNvPr id="1" name=""/>
+        <p:cNvGrpSpPr/>
+        <p:nvPr/>
+      </p:nvGrpSpPr>
+      <p:grpSpPr>
+        <a:xfrm>
+          <a:off x="0" y="0"/>
+          <a:ext cx="0" cy="0"/>
+          <a:chOff x="0" y="0"/>
+          <a:chExt cx="0" cy="0"/>
+        </a:xfrm>
+      </p:grpSpPr>
+      <p:sp>
+        <p:nvSpPr>
+          <p:cNvPr id="2" name="Title 1"/>
+          <p:cNvSpPr>
+            <a:spLocks noGrp="1"/>
+          </p:cNvSpPr>
+          <p:nvPr>
+            <p:ph type="title"/>
+          </p:nvPr>
+        </p:nvSpPr>
+        <p:spPr/>
+        <p:txBody>
+          <a:bodyPr/>
+          <a:lstStyle/>
+          <a:p>
+            <a:r>
+              <a:rPr lang="en-US" dirty="0"/>
               <a:t>Regular Expressions</a:t>
             </a:r>
-            <a:endParaRPr lang="en-US" dirty="0"/>
           </a:p>
         </p:txBody>
       </p:sp>
@@ -26563,86 +26157,77 @@
           <a:lstStyle/>
           <a:p>
             <a:r>
-              <a:rPr lang="en-US" dirty="0" smtClean="0"/>
+              <a:rPr lang="en-US" dirty="0"/>
               <a:t>Python Regex References </a:t>
             </a:r>
           </a:p>
           <a:p>
             <a:pPr lvl="1"/>
             <a:r>
-              <a:rPr lang="en-US" dirty="0" smtClean="0">
+              <a:rPr lang="en-US" dirty="0">
                 <a:hlinkClick r:id="rId2"/>
               </a:rPr>
               <a:t>https://docs.python.org/2/library/re.html</a:t>
             </a:r>
             <a:r>
-              <a:rPr lang="en-US" dirty="0" smtClean="0"/>
+              <a:rPr lang="en-US" dirty="0"/>
               <a:t> </a:t>
             </a:r>
           </a:p>
           <a:p>
             <a:pPr lvl="1"/>
             <a:r>
-              <a:rPr lang="en-US" dirty="0" smtClean="0">
+              <a:rPr lang="en-US" dirty="0">
                 <a:hlinkClick r:id="rId3"/>
               </a:rPr>
               <a:t>https://docs.python.org/2/howto/regex.html</a:t>
             </a:r>
-            <a:endParaRPr lang="en-US" dirty="0" smtClean="0"/>
-          </a:p>
-          <a:p>
-            <a:r>
-              <a:rPr lang="en-US" dirty="0" smtClean="0"/>
+            <a:endParaRPr lang="en-US" dirty="0"/>
+          </a:p>
+          <a:p>
+            <a:r>
+              <a:rPr lang="en-US" dirty="0"/>
               <a:t>Online Regex editors</a:t>
             </a:r>
           </a:p>
           <a:p>
             <a:pPr lvl="1"/>
             <a:r>
-              <a:rPr lang="en-US" dirty="0" smtClean="0"/>
+              <a:rPr lang="en-US" dirty="0"/>
               <a:t> </a:t>
             </a:r>
             <a:r>
-              <a:rPr lang="en-US" dirty="0" smtClean="0">
+              <a:rPr lang="en-US" dirty="0">
                 <a:latin typeface="Courier"/>
               </a:rPr>
               <a:t>regexr.com</a:t>
             </a:r>
-            <a:endParaRPr lang="en-US" dirty="0" smtClean="0">
-              <a:latin typeface="Courier"/>
-            </a:endParaRPr>
           </a:p>
           <a:p>
             <a:pPr lvl="1"/>
             <a:r>
-              <a:rPr lang="en-US" dirty="0" smtClean="0"/>
+              <a:rPr lang="en-US" dirty="0"/>
               <a:t> </a:t>
             </a:r>
             <a:r>
-              <a:rPr lang="en-US" dirty="0" smtClean="0">
+              <a:rPr lang="en-US" dirty="0">
                 <a:latin typeface="Courier"/>
               </a:rPr>
               <a:t>regexpal.com</a:t>
             </a:r>
-            <a:endParaRPr lang="en-US" dirty="0" smtClean="0">
-              <a:latin typeface="Courier"/>
-            </a:endParaRPr>
           </a:p>
           <a:p>
             <a:pPr lvl="1"/>
             <a:r>
-              <a:rPr lang="en-US" dirty="0" smtClean="0"/>
+              <a:rPr lang="en-US" dirty="0"/>
               <a:t> </a:t>
             </a:r>
             <a:r>
-              <a:rPr lang="en-US" dirty="0" smtClean="0">
+              <a:rPr lang="en-US" dirty="0">
                 <a:latin typeface="Courier"/>
               </a:rPr>
               <a:t>regex101.com</a:t>
             </a:r>
-            <a:endParaRPr lang="en-US" dirty="0" smtClean="0">
-              <a:latin typeface="Courier"/>
-            </a:endParaRPr>
           </a:p>
           <a:p>
             <a:endParaRPr lang="en-US" dirty="0"/>
@@ -26667,7 +26252,7 @@
             <a:fld id="{4577FE26-ACD1-4964-932B-823877B1C5B5}" type="slidenum">
               <a:rPr lang="en-US" smtClean="0"/>
               <a:pPr/>
-              <a:t>33</a:t>
+              <a:t>34</a:t>
             </a:fld>
             <a:endParaRPr lang="en-US" dirty="0"/>
           </a:p>
@@ -26683,13 +26268,6 @@
   <p:clrMapOvr>
     <a:masterClrMapping/>
   </p:clrMapOvr>
-  <p:timing>
-    <p:tnLst>
-      <p:par>
-        <p:cTn id="1" dur="indefinite" restart="never" nodeType="tmRoot"/>
-      </p:par>
-    </p:tnLst>
-  </p:timing>
 </p:sld>
 </file>
 
@@ -26726,10 +26304,9 @@
           <a:lstStyle/>
           <a:p>
             <a:r>
-              <a:rPr lang="en-US" dirty="0" smtClean="0"/>
-              <a:t>Training Tasks</a:t>
-            </a:r>
-            <a:endParaRPr lang="en-US" dirty="0"/>
+              <a:rPr lang="en-US" dirty="0"/>
+              <a:t>Put Regex on Your Resume</a:t>
+            </a:r>
           </a:p>
         </p:txBody>
       </p:sp>
@@ -26749,75 +26326,76 @@
           <a:lstStyle/>
           <a:p>
             <a:r>
-              <a:rPr lang="en-US" dirty="0" smtClean="0"/>
-              <a:t>Multiple iterations of…</a:t>
+              <a:rPr lang="en-US" dirty="0"/>
+              <a:t>Take a course</a:t>
             </a:r>
           </a:p>
           <a:p>
             <a:pPr lvl="1"/>
             <a:r>
-              <a:rPr lang="en-US" dirty="0" smtClean="0"/>
-              <a:t>Exposure to various Regex syntax examples</a:t>
+              <a:rPr lang="en-US" dirty="0"/>
+              <a:t>Lynda.com</a:t>
+            </a:r>
+          </a:p>
+          <a:p>
+            <a:pPr lvl="2"/>
+            <a:r>
+              <a:rPr lang="en-US" dirty="0"/>
+              <a:t>Free, “Regular Expressions Training and Tutorials,” Kevin Skoglund</a:t>
+            </a:r>
+          </a:p>
+          <a:p>
+            <a:pPr lvl="2"/>
+            <a:r>
+              <a:rPr lang="en-US" dirty="0"/>
+              <a:t>Go through the Swem Library web site</a:t>
+            </a:r>
+          </a:p>
+          <a:p>
+            <a:pPr lvl="2"/>
+            <a:r>
+              <a:rPr lang="en-US" dirty="0">
+                <a:hlinkClick r:id="rId2"/>
+              </a:rPr>
+              <a:t>https://www.lynda.com/Regular-Expressions-training-tutorials/1066-0.html</a:t>
+            </a:r>
+            <a:r>
+              <a:rPr lang="en-US" dirty="0"/>
+              <a:t> </a:t>
+            </a:r>
+          </a:p>
+          <a:p>
+            <a:pPr lvl="2"/>
+            <a:r>
+              <a:rPr lang="en-US" dirty="0"/>
+              <a:t>Comprehensive, many examples at the end</a:t>
             </a:r>
           </a:p>
           <a:p>
             <a:pPr lvl="1"/>
             <a:r>
-              <a:rPr lang="en-US" dirty="0" smtClean="0"/>
-              <a:t>Applying those examples to different tasks</a:t>
-            </a:r>
-          </a:p>
-          <a:p>
-            <a:pPr lvl="1"/>
-            <a:r>
-              <a:rPr lang="en-US" dirty="0" smtClean="0"/>
-              <a:t>Using </a:t>
-            </a:r>
-            <a:r>
-              <a:rPr lang="en-US" dirty="0" smtClean="0">
-                <a:latin typeface="Courier New" panose="02070309020205020404" pitchFamily="49" charset="0"/>
-                <a:cs typeface="Courier New" panose="02070309020205020404" pitchFamily="49" charset="0"/>
+              <a:rPr lang="en-US" dirty="0"/>
+              <a:t>datacamp.com </a:t>
+            </a:r>
+          </a:p>
+          <a:p>
+            <a:pPr lvl="2"/>
+            <a:r>
+              <a:rPr lang="en-US" dirty="0">
+                <a:hlinkClick r:id="rId3"/>
               </a:rPr>
-              <a:t>regexr.com</a:t>
-            </a:r>
-            <a:r>
-              <a:rPr lang="en-US" dirty="0" smtClean="0"/>
+              <a:t>https://www.datacamp.com/courses/regular-expressions-in-python</a:t>
+            </a:r>
+            <a:r>
+              <a:rPr lang="en-US" dirty="0"/>
               <a:t> </a:t>
             </a:r>
           </a:p>
           <a:p>
-            <a:pPr lvl="2"/>
-            <a:r>
-              <a:rPr lang="en-US" dirty="0" smtClean="0">
-                <a:cs typeface="Courier New" panose="02070309020205020404" pitchFamily="49" charset="0"/>
-              </a:rPr>
-              <a:t>Other </a:t>
-            </a:r>
-            <a:r>
-              <a:rPr lang="en-US" dirty="0" smtClean="0"/>
-              <a:t>similar environments mentioned in references</a:t>
-            </a:r>
-          </a:p>
-          <a:p>
-            <a:r>
-              <a:rPr lang="en-US" dirty="0" smtClean="0"/>
-              <a:t>Complete a programming task</a:t>
-            </a:r>
-          </a:p>
-          <a:p>
-            <a:pPr lvl="1"/>
-            <a:r>
-              <a:rPr lang="en-US" dirty="0" smtClean="0"/>
-              <a:t>Using Python</a:t>
-            </a:r>
-          </a:p>
-          <a:p>
-            <a:pPr lvl="1"/>
-            <a:r>
-              <a:rPr lang="en-US" dirty="0" smtClean="0"/>
-              <a:t>Find all email address in file of email messages</a:t>
-            </a:r>
-            <a:endParaRPr lang="en-US" dirty="0"/>
+            <a:r>
+              <a:rPr lang="en-US" dirty="0"/>
+              <a:t>Post a project on Github</a:t>
+            </a:r>
           </a:p>
         </p:txBody>
       </p:sp>
@@ -26838,6 +26416,7 @@
           <a:p>
             <a:fld id="{4577FE26-ACD1-4964-932B-823877B1C5B5}" type="slidenum">
               <a:rPr lang="en-US" smtClean="0"/>
+              <a:pPr/>
               <a:t>4</a:t>
             </a:fld>
             <a:endParaRPr lang="en-US" dirty="0"/>
@@ -26847,20 +26426,13 @@
     </p:spTree>
     <p:extLst>
       <p:ext uri="{BB962C8B-B14F-4D97-AF65-F5344CB8AC3E}">
-        <p14:creationId xmlns:p14="http://schemas.microsoft.com/office/powerpoint/2010/main" val="2538487111"/>
+        <p14:creationId xmlns:p14="http://schemas.microsoft.com/office/powerpoint/2010/main" val="1715585293"/>
       </p:ext>
     </p:extLst>
   </p:cSld>
   <p:clrMapOvr>
     <a:masterClrMapping/>
   </p:clrMapOvr>
-  <p:timing>
-    <p:tnLst>
-      <p:par>
-        <p:cTn id="1" dur="indefinite" restart="never" nodeType="tmRoot"/>
-      </p:par>
-    </p:tnLst>
-  </p:timing>
 </p:sld>
 </file>
 
@@ -26897,10 +26469,171 @@
           <a:lstStyle/>
           <a:p>
             <a:r>
-              <a:rPr lang="en-US" dirty="0" smtClean="0"/>
+              <a:rPr lang="en-US" dirty="0"/>
+              <a:t>Training Tasks</a:t>
+            </a:r>
+          </a:p>
+        </p:txBody>
+      </p:sp>
+      <p:sp>
+        <p:nvSpPr>
+          <p:cNvPr id="3" name="Content Placeholder 2"/>
+          <p:cNvSpPr>
+            <a:spLocks noGrp="1"/>
+          </p:cNvSpPr>
+          <p:nvPr>
+            <p:ph idx="1"/>
+          </p:nvPr>
+        </p:nvSpPr>
+        <p:spPr/>
+        <p:txBody>
+          <a:bodyPr/>
+          <a:lstStyle/>
+          <a:p>
+            <a:r>
+              <a:rPr lang="en-US" dirty="0"/>
+              <a:t>Multiple iterations of…</a:t>
+            </a:r>
+          </a:p>
+          <a:p>
+            <a:pPr lvl="1"/>
+            <a:r>
+              <a:rPr lang="en-US" dirty="0"/>
+              <a:t>Exposure to various Regex syntax examples</a:t>
+            </a:r>
+          </a:p>
+          <a:p>
+            <a:pPr lvl="1"/>
+            <a:r>
+              <a:rPr lang="en-US" dirty="0"/>
+              <a:t>Applying those examples to different tasks</a:t>
+            </a:r>
+          </a:p>
+          <a:p>
+            <a:pPr lvl="1"/>
+            <a:r>
+              <a:rPr lang="en-US" dirty="0"/>
+              <a:t>Using </a:t>
+            </a:r>
+            <a:r>
+              <a:rPr lang="en-US" dirty="0">
+                <a:latin typeface="Courier New" panose="02070309020205020404" pitchFamily="49" charset="0"/>
+                <a:cs typeface="Courier New" panose="02070309020205020404" pitchFamily="49" charset="0"/>
+              </a:rPr>
+              <a:t>regexr.com</a:t>
+            </a:r>
+            <a:r>
+              <a:rPr lang="en-US" dirty="0"/>
+              <a:t> </a:t>
+            </a:r>
+          </a:p>
+          <a:p>
+            <a:pPr lvl="2"/>
+            <a:r>
+              <a:rPr lang="en-US" dirty="0">
+                <a:cs typeface="Courier New" panose="02070309020205020404" pitchFamily="49" charset="0"/>
+              </a:rPr>
+              <a:t>Other </a:t>
+            </a:r>
+            <a:r>
+              <a:rPr lang="en-US" dirty="0"/>
+              <a:t>similar environments mentioned in references</a:t>
+            </a:r>
+          </a:p>
+          <a:p>
+            <a:r>
+              <a:rPr lang="en-US" dirty="0"/>
+              <a:t>Complete a programming task</a:t>
+            </a:r>
+          </a:p>
+          <a:p>
+            <a:pPr lvl="1"/>
+            <a:r>
+              <a:rPr lang="en-US" dirty="0"/>
+              <a:t>Using Python</a:t>
+            </a:r>
+          </a:p>
+          <a:p>
+            <a:pPr lvl="1"/>
+            <a:r>
+              <a:rPr lang="en-US" dirty="0"/>
+              <a:t>Find all email address in file of email messages</a:t>
+            </a:r>
+          </a:p>
+        </p:txBody>
+      </p:sp>
+      <p:sp>
+        <p:nvSpPr>
+          <p:cNvPr id="4" name="Slide Number Placeholder 3"/>
+          <p:cNvSpPr>
+            <a:spLocks noGrp="1"/>
+          </p:cNvSpPr>
+          <p:nvPr>
+            <p:ph type="sldNum" sz="quarter" idx="12"/>
+          </p:nvPr>
+        </p:nvSpPr>
+        <p:spPr/>
+        <p:txBody>
+          <a:bodyPr/>
+          <a:lstStyle/>
+          <a:p>
+            <a:fld id="{4577FE26-ACD1-4964-932B-823877B1C5B5}" type="slidenum">
+              <a:rPr lang="en-US" smtClean="0"/>
+              <a:t>5</a:t>
+            </a:fld>
+            <a:endParaRPr lang="en-US" dirty="0"/>
+          </a:p>
+        </p:txBody>
+      </p:sp>
+    </p:spTree>
+    <p:extLst>
+      <p:ext uri="{BB962C8B-B14F-4D97-AF65-F5344CB8AC3E}">
+        <p14:creationId xmlns:p14="http://schemas.microsoft.com/office/powerpoint/2010/main" val="2538487111"/>
+      </p:ext>
+    </p:extLst>
+  </p:cSld>
+  <p:clrMapOvr>
+    <a:masterClrMapping/>
+  </p:clrMapOvr>
+</p:sld>
+</file>
+
+<file path=ppt/slides/slide6.xml><?xml version="1.0" encoding="utf-8"?>
+<p:sld xmlns:a="http://schemas.openxmlformats.org/drawingml/2006/main" xmlns:r="http://schemas.openxmlformats.org/officeDocument/2006/relationships" xmlns:p="http://schemas.openxmlformats.org/presentationml/2006/main">
+  <p:cSld>
+    <p:spTree>
+      <p:nvGrpSpPr>
+        <p:cNvPr id="1" name=""/>
+        <p:cNvGrpSpPr/>
+        <p:nvPr/>
+      </p:nvGrpSpPr>
+      <p:grpSpPr>
+        <a:xfrm>
+          <a:off x="0" y="0"/>
+          <a:ext cx="0" cy="0"/>
+          <a:chOff x="0" y="0"/>
+          <a:chExt cx="0" cy="0"/>
+        </a:xfrm>
+      </p:grpSpPr>
+      <p:sp>
+        <p:nvSpPr>
+          <p:cNvPr id="2" name="Title 1"/>
+          <p:cNvSpPr>
+            <a:spLocks noGrp="1"/>
+          </p:cNvSpPr>
+          <p:nvPr>
+            <p:ph type="title"/>
+          </p:nvPr>
+        </p:nvSpPr>
+        <p:spPr/>
+        <p:txBody>
+          <a:bodyPr/>
+          <a:lstStyle/>
+          <a:p>
+            <a:r>
+              <a:rPr lang="en-US" dirty="0"/>
               <a:t>Regular Expressions</a:t>
             </a:r>
-            <a:endParaRPr lang="en-US" dirty="0"/>
           </a:p>
         </p:txBody>
       </p:sp>
@@ -26941,7 +26674,7 @@
             <a:fld id="{55F4410E-0862-437D-8529-1EDBC387A0F9}" type="slidenum">
               <a:rPr lang="en-US" smtClean="0"/>
               <a:pPr/>
-              <a:t>5</a:t>
+              <a:t>6</a:t>
             </a:fld>
             <a:endParaRPr lang="en-US" dirty="0"/>
           </a:p>
@@ -26981,379 +26714,6 @@
   <p:clrMapOvr>
     <a:masterClrMapping/>
   </p:clrMapOvr>
-  <p:timing>
-    <p:tnLst>
-      <p:par>
-        <p:cTn id="1" dur="indefinite" restart="never" nodeType="tmRoot"/>
-      </p:par>
-    </p:tnLst>
-  </p:timing>
-</p:sld>
-</file>
-
-<file path=ppt/slides/slide6.xml><?xml version="1.0" encoding="utf-8"?>
-<p:sld xmlns:a="http://schemas.openxmlformats.org/drawingml/2006/main" xmlns:r="http://schemas.openxmlformats.org/officeDocument/2006/relationships" xmlns:p="http://schemas.openxmlformats.org/presentationml/2006/main">
-  <p:cSld>
-    <p:spTree>
-      <p:nvGrpSpPr>
-        <p:cNvPr id="1" name=""/>
-        <p:cNvGrpSpPr/>
-        <p:nvPr/>
-      </p:nvGrpSpPr>
-      <p:grpSpPr>
-        <a:xfrm>
-          <a:off x="0" y="0"/>
-          <a:ext cx="0" cy="0"/>
-          <a:chOff x="0" y="0"/>
-          <a:chExt cx="0" cy="0"/>
-        </a:xfrm>
-      </p:grpSpPr>
-      <p:sp>
-        <p:nvSpPr>
-          <p:cNvPr id="2" name="Title 1"/>
-          <p:cNvSpPr>
-            <a:spLocks noGrp="1"/>
-          </p:cNvSpPr>
-          <p:nvPr>
-            <p:ph type="title"/>
-          </p:nvPr>
-        </p:nvSpPr>
-        <p:spPr/>
-        <p:txBody>
-          <a:bodyPr/>
-          <a:lstStyle/>
-          <a:p>
-            <a:r>
-              <a:rPr lang="en-US" dirty="0" smtClean="0"/>
-              <a:t>Syntax Instance 0</a:t>
-            </a:r>
-            <a:endParaRPr lang="en-US" dirty="0"/>
-          </a:p>
-        </p:txBody>
-      </p:sp>
-      <p:sp>
-        <p:nvSpPr>
-          <p:cNvPr id="3" name="Content Placeholder 2"/>
-          <p:cNvSpPr>
-            <a:spLocks noGrp="1"/>
-          </p:cNvSpPr>
-          <p:nvPr>
-            <p:ph idx="1"/>
-          </p:nvPr>
-        </p:nvSpPr>
-        <p:spPr>
-          <a:xfrm>
-            <a:off x="1219200" y="1017768"/>
-            <a:ext cx="10363200" cy="5108396"/>
-          </a:xfrm>
-        </p:spPr>
-        <p:txBody>
-          <a:bodyPr/>
-          <a:lstStyle/>
-          <a:p>
-            <a:pPr>
-              <a:spcBef>
-                <a:spcPts val="300"/>
-              </a:spcBef>
-            </a:pPr>
-            <a:r>
-              <a:rPr lang="en-US" dirty="0" smtClean="0"/>
-              <a:t>Insert </a:t>
-            </a:r>
-            <a:r>
-              <a:rPr lang="en-US" dirty="0" smtClean="0">
-                <a:latin typeface="Courier New" panose="02070309020205020404" pitchFamily="49" charset="0"/>
-                <a:cs typeface="Courier New" panose="02070309020205020404" pitchFamily="49" charset="0"/>
-              </a:rPr>
-              <a:t>Text</a:t>
-            </a:r>
-            <a:r>
-              <a:rPr lang="en-US" dirty="0" smtClean="0"/>
-              <a:t> into </a:t>
-            </a:r>
-            <a:r>
-              <a:rPr lang="en-US" dirty="0" smtClean="0">
-                <a:latin typeface="Courier"/>
-              </a:rPr>
-              <a:t>regexr.com</a:t>
-            </a:r>
-          </a:p>
-          <a:p>
-            <a:pPr lvl="1">
-              <a:spcBef>
-                <a:spcPts val="300"/>
-              </a:spcBef>
-            </a:pPr>
-            <a:r>
-              <a:rPr lang="en-US" dirty="0" smtClean="0"/>
-              <a:t>Matches that contiguous pattern of letters</a:t>
-            </a:r>
-          </a:p>
-          <a:p>
-            <a:pPr lvl="1">
-              <a:spcBef>
-                <a:spcPts val="300"/>
-              </a:spcBef>
-            </a:pPr>
-            <a:r>
-              <a:rPr lang="en-US" dirty="0" smtClean="0"/>
-              <a:t>Matches in </a:t>
-            </a:r>
-            <a:r>
-              <a:rPr lang="en-US" dirty="0" smtClean="0">
-                <a:latin typeface="Courier"/>
-              </a:rPr>
-              <a:t>regexr.com</a:t>
-            </a:r>
-            <a:r>
-              <a:rPr lang="en-US" dirty="0" smtClean="0"/>
-              <a:t> are indicated by highlighting</a:t>
-            </a:r>
-          </a:p>
-          <a:p>
-            <a:pPr>
-              <a:spcBef>
-                <a:spcPts val="300"/>
-              </a:spcBef>
-            </a:pPr>
-            <a:r>
-              <a:rPr lang="en-US" dirty="0" smtClean="0"/>
-              <a:t>(</a:t>
-            </a:r>
-            <a:r>
-              <a:rPr lang="en-US" dirty="0" smtClean="0">
-                <a:latin typeface="Courier New" panose="02070309020205020404" pitchFamily="49" charset="0"/>
-                <a:cs typeface="Courier New" panose="02070309020205020404" pitchFamily="49" charset="0"/>
-              </a:rPr>
-              <a:t>T|t</a:t>
-            </a:r>
-            <a:r>
-              <a:rPr lang="en-US" dirty="0" smtClean="0"/>
-              <a:t>)</a:t>
-            </a:r>
-            <a:r>
-              <a:rPr lang="en-US" dirty="0" smtClean="0">
-                <a:latin typeface="Courier New" panose="02070309020205020404" pitchFamily="49" charset="0"/>
-                <a:cs typeface="Courier New" panose="02070309020205020404" pitchFamily="49" charset="0"/>
-              </a:rPr>
-              <a:t>ext</a:t>
-            </a:r>
-          </a:p>
-          <a:p>
-            <a:pPr lvl="1">
-              <a:spcBef>
-                <a:spcPts val="300"/>
-              </a:spcBef>
-            </a:pPr>
-            <a:r>
-              <a:rPr lang="en-US" dirty="0" smtClean="0"/>
-              <a:t>Matched “text” with either upper or lower case </a:t>
-            </a:r>
-            <a:r>
-              <a:rPr lang="en-US" dirty="0" smtClean="0">
-                <a:latin typeface="Courier New" panose="02070309020205020404" pitchFamily="49" charset="0"/>
-                <a:cs typeface="Courier New" panose="02070309020205020404" pitchFamily="49" charset="0"/>
-              </a:rPr>
-              <a:t>t</a:t>
-            </a:r>
-            <a:endParaRPr lang="en-US" dirty="0" smtClean="0"/>
-          </a:p>
-          <a:p>
-            <a:pPr lvl="1">
-              <a:spcBef>
-                <a:spcPts val="300"/>
-              </a:spcBef>
-            </a:pPr>
-            <a:r>
-              <a:rPr lang="en-US" dirty="0" smtClean="0"/>
-              <a:t>The pipe (|) performs logical or</a:t>
-            </a:r>
-          </a:p>
-          <a:p>
-            <a:pPr lvl="1">
-              <a:spcBef>
-                <a:spcPts val="300"/>
-              </a:spcBef>
-            </a:pPr>
-            <a:r>
-              <a:rPr lang="en-US" dirty="0" smtClean="0"/>
-              <a:t>The parentheses group the upper/lower cases of the </a:t>
-            </a:r>
-            <a:r>
-              <a:rPr lang="en-US" dirty="0" smtClean="0">
-                <a:latin typeface="Courier New" panose="02070309020205020404" pitchFamily="49" charset="0"/>
-                <a:cs typeface="Courier New" panose="02070309020205020404" pitchFamily="49" charset="0"/>
-              </a:rPr>
-              <a:t>t</a:t>
-            </a:r>
-            <a:r>
-              <a:rPr lang="en-US" dirty="0" smtClean="0"/>
-              <a:t> together</a:t>
-            </a:r>
-          </a:p>
-          <a:p>
-            <a:pPr>
-              <a:spcBef>
-                <a:spcPts val="300"/>
-              </a:spcBef>
-            </a:pPr>
-            <a:r>
-              <a:rPr lang="en-US" dirty="0" smtClean="0">
-                <a:latin typeface="Courier New" panose="02070309020205020404" pitchFamily="49" charset="0"/>
-                <a:cs typeface="Courier New" panose="02070309020205020404" pitchFamily="49" charset="0"/>
-              </a:rPr>
-              <a:t>[Tt]ext</a:t>
-            </a:r>
-          </a:p>
-          <a:p>
-            <a:pPr lvl="1">
-              <a:spcBef>
-                <a:spcPts val="300"/>
-              </a:spcBef>
-            </a:pPr>
-            <a:r>
-              <a:rPr lang="en-US" dirty="0">
-                <a:cs typeface="Courier New" panose="02070309020205020404" pitchFamily="49" charset="0"/>
-              </a:rPr>
-              <a:t> </a:t>
-            </a:r>
-            <a:r>
-              <a:rPr lang="en-US" dirty="0" smtClean="0">
-                <a:cs typeface="Courier New" panose="02070309020205020404" pitchFamily="49" charset="0"/>
-              </a:rPr>
-              <a:t>Brackets indicate that any of the characters contained therein can be matched</a:t>
-            </a:r>
-          </a:p>
-          <a:p>
-            <a:pPr>
-              <a:spcBef>
-                <a:spcPts val="300"/>
-              </a:spcBef>
-            </a:pPr>
-            <a:r>
-              <a:rPr lang="en-US" dirty="0" smtClean="0"/>
-              <a:t>Examples </a:t>
-            </a:r>
-            <a:r>
-              <a:rPr lang="en-US" dirty="0"/>
-              <a:t>(to try in </a:t>
-            </a:r>
-            <a:r>
-              <a:rPr lang="en-US" dirty="0">
-                <a:latin typeface="Courier"/>
-              </a:rPr>
-              <a:t>regexr.com</a:t>
-            </a:r>
-            <a:r>
-              <a:rPr lang="en-US" dirty="0"/>
-              <a:t>)</a:t>
-            </a:r>
-          </a:p>
-          <a:p>
-            <a:pPr lvl="1">
-              <a:spcBef>
-                <a:spcPts val="300"/>
-              </a:spcBef>
-            </a:pPr>
-            <a:r>
-              <a:rPr lang="en-US" dirty="0" smtClean="0"/>
-              <a:t>[</a:t>
-            </a:r>
-            <a:r>
-              <a:rPr lang="en-US" dirty="0"/>
-              <a:t>abc</a:t>
-            </a:r>
-            <a:r>
-              <a:rPr lang="en-US" dirty="0" smtClean="0"/>
-              <a:t>]</a:t>
-            </a:r>
-          </a:p>
-          <a:p>
-            <a:pPr lvl="1">
-              <a:spcBef>
-                <a:spcPts val="300"/>
-              </a:spcBef>
-            </a:pPr>
-            <a:r>
-              <a:rPr lang="en-US" dirty="0" smtClean="0"/>
-              <a:t>[</a:t>
-            </a:r>
-            <a:r>
-              <a:rPr lang="en-US" dirty="0"/>
-              <a:t>d-g</a:t>
-            </a:r>
-            <a:r>
-              <a:rPr lang="en-US" dirty="0" smtClean="0"/>
-              <a:t>]</a:t>
-            </a:r>
-          </a:p>
-          <a:p>
-            <a:pPr lvl="1">
-              <a:spcBef>
-                <a:spcPts val="300"/>
-              </a:spcBef>
-            </a:pPr>
-            <a:r>
-              <a:rPr lang="en-US" dirty="0" smtClean="0"/>
-              <a:t>[</a:t>
-            </a:r>
-            <a:r>
-              <a:rPr lang="en-US" dirty="0"/>
-              <a:t>4-7]</a:t>
-            </a:r>
-          </a:p>
-          <a:p>
-            <a:pPr>
-              <a:spcBef>
-                <a:spcPts val="300"/>
-              </a:spcBef>
-            </a:pPr>
-            <a:endParaRPr lang="en-US" dirty="0">
-              <a:cs typeface="Courier New" panose="02070309020205020404" pitchFamily="49" charset="0"/>
-            </a:endParaRPr>
-          </a:p>
-        </p:txBody>
-      </p:sp>
-      <p:sp>
-        <p:nvSpPr>
-          <p:cNvPr id="4" name="Slide Number Placeholder 3"/>
-          <p:cNvSpPr>
-            <a:spLocks noGrp="1"/>
-          </p:cNvSpPr>
-          <p:nvPr>
-            <p:ph type="sldNum" sz="quarter" idx="12"/>
-          </p:nvPr>
-        </p:nvSpPr>
-        <p:spPr/>
-        <p:txBody>
-          <a:bodyPr/>
-          <a:lstStyle/>
-          <a:p>
-            <a:fld id="{4577FE26-ACD1-4964-932B-823877B1C5B5}" type="slidenum">
-              <a:rPr lang="en-US" smtClean="0"/>
-              <a:t>6</a:t>
-            </a:fld>
-            <a:endParaRPr lang="en-US" dirty="0"/>
-          </a:p>
-        </p:txBody>
-      </p:sp>
-    </p:spTree>
-    <p:extLst>
-      <p:ext uri="{BB962C8B-B14F-4D97-AF65-F5344CB8AC3E}">
-        <p14:creationId xmlns:p14="http://schemas.microsoft.com/office/powerpoint/2010/main" val="895780729"/>
-      </p:ext>
-    </p:extLst>
-  </p:cSld>
-  <p:clrMapOvr>
-    <a:masterClrMapping/>
-  </p:clrMapOvr>
-  <p:timing>
-    <p:tnLst>
-      <p:par>
-        <p:cTn id="1" dur="indefinite" restart="never" nodeType="tmRoot"/>
-      </p:par>
-    </p:tnLst>
-  </p:timing>
 </p:sld>
 </file>
 
@@ -27390,10 +26750,9 @@
           <a:lstStyle/>
           <a:p>
             <a:r>
-              <a:rPr lang="en-US" dirty="0" smtClean="0"/>
-              <a:t>Exercise 0</a:t>
-            </a:r>
-            <a:endParaRPr lang="en-US" dirty="0"/>
+              <a:rPr lang="en-US" dirty="0"/>
+              <a:t>Syntax Instance 0</a:t>
+            </a:r>
           </a:p>
         </p:txBody>
       </p:sp>
@@ -27407,79 +26766,246 @@
             <p:ph idx="1"/>
           </p:nvPr>
         </p:nvSpPr>
-        <p:spPr/>
+        <p:spPr>
+          <a:xfrm>
+            <a:off x="1219200" y="1017768"/>
+            <a:ext cx="10363200" cy="5108396"/>
+          </a:xfrm>
+        </p:spPr>
         <p:txBody>
           <a:bodyPr/>
           <a:lstStyle/>
           <a:p>
-            <a:r>
-              <a:rPr lang="en-US" dirty="0" smtClean="0"/>
-              <a:t>Search for  </a:t>
-            </a:r>
-            <a:r>
-              <a:rPr lang="en-US" dirty="0" smtClean="0">
+            <a:pPr>
+              <a:spcBef>
+                <a:spcPts val="300"/>
+              </a:spcBef>
+            </a:pPr>
+            <a:r>
+              <a:rPr lang="en-US" dirty="0"/>
+              <a:t>Insert </a:t>
+            </a:r>
+            <a:r>
+              <a:rPr lang="en-US" dirty="0">
                 <a:latin typeface="Courier New" panose="02070309020205020404" pitchFamily="49" charset="0"/>
                 <a:cs typeface="Courier New" panose="02070309020205020404" pitchFamily="49" charset="0"/>
               </a:rPr>
-              <a:t>Roll</a:t>
-            </a:r>
-          </a:p>
-          <a:p>
-            <a:r>
-              <a:rPr lang="en-US" dirty="0" smtClean="0"/>
-              <a:t>Search for either </a:t>
-            </a:r>
-            <a:r>
-              <a:rPr lang="en-US" dirty="0" smtClean="0">
+              <a:t>Text</a:t>
+            </a:r>
+            <a:r>
+              <a:rPr lang="en-US" dirty="0"/>
+              <a:t> into </a:t>
+            </a:r>
+            <a:r>
+              <a:rPr lang="en-US" dirty="0">
+                <a:latin typeface="Courier"/>
+              </a:rPr>
+              <a:t>regexr.com</a:t>
+            </a:r>
+          </a:p>
+          <a:p>
+            <a:pPr lvl="1">
+              <a:spcBef>
+                <a:spcPts val="300"/>
+              </a:spcBef>
+            </a:pPr>
+            <a:r>
+              <a:rPr lang="en-US" dirty="0"/>
+              <a:t>Matches that contiguous pattern of letters</a:t>
+            </a:r>
+          </a:p>
+          <a:p>
+            <a:pPr lvl="1">
+              <a:spcBef>
+                <a:spcPts val="300"/>
+              </a:spcBef>
+            </a:pPr>
+            <a:r>
+              <a:rPr lang="en-US" dirty="0"/>
+              <a:t>Matches in </a:t>
+            </a:r>
+            <a:r>
+              <a:rPr lang="en-US" dirty="0">
+                <a:latin typeface="Courier"/>
+              </a:rPr>
+              <a:t>regexr.com</a:t>
+            </a:r>
+            <a:r>
+              <a:rPr lang="en-US" dirty="0"/>
+              <a:t> are indicated by highlighting</a:t>
+            </a:r>
+          </a:p>
+          <a:p>
+            <a:pPr>
+              <a:spcBef>
+                <a:spcPts val="300"/>
+              </a:spcBef>
+            </a:pPr>
+            <a:r>
+              <a:rPr lang="en-US" dirty="0"/>
+              <a:t>(</a:t>
+            </a:r>
+            <a:r>
+              <a:rPr lang="en-US" dirty="0">
                 <a:latin typeface="Courier New" panose="02070309020205020404" pitchFamily="49" charset="0"/>
                 <a:cs typeface="Courier New" panose="02070309020205020404" pitchFamily="49" charset="0"/>
               </a:rPr>
-              <a:t>reg</a:t>
-            </a:r>
-            <a:r>
-              <a:rPr lang="en-US" dirty="0" smtClean="0"/>
-              <a:t> or </a:t>
-            </a:r>
-            <a:r>
-              <a:rPr lang="en-US" dirty="0" smtClean="0">
+              <a:t>T|t</a:t>
+            </a:r>
+            <a:r>
+              <a:rPr lang="en-US" dirty="0"/>
+              <a:t>)</a:t>
+            </a:r>
+            <a:r>
+              <a:rPr lang="en-US" dirty="0">
                 <a:latin typeface="Courier New" panose="02070309020205020404" pitchFamily="49" charset="0"/>
                 <a:cs typeface="Courier New" panose="02070309020205020404" pitchFamily="49" charset="0"/>
               </a:rPr>
-              <a:t>Reg</a:t>
-            </a:r>
-          </a:p>
-          <a:p>
+              <a:t>ext</a:t>
+            </a:r>
+          </a:p>
+          <a:p>
+            <a:pPr lvl="1">
+              <a:spcBef>
+                <a:spcPts val="300"/>
+              </a:spcBef>
+            </a:pPr>
             <a:r>
               <a:rPr lang="en-US" dirty="0"/>
-              <a:t>Find all instances of these two sequences of letters: </a:t>
-            </a:r>
-            <a:r>
-              <a:rPr lang="en-US" dirty="0" smtClean="0">
+              <a:t>Matched “text” with either upper or lower case </a:t>
+            </a:r>
+            <a:r>
+              <a:rPr lang="en-US" dirty="0">
                 <a:latin typeface="Courier New" panose="02070309020205020404" pitchFamily="49" charset="0"/>
                 <a:cs typeface="Courier New" panose="02070309020205020404" pitchFamily="49" charset="0"/>
               </a:rPr>
-              <a:t>in</a:t>
-            </a:r>
-            <a:r>
-              <a:rPr lang="en-US" dirty="0" smtClean="0"/>
-              <a:t> </a:t>
-            </a:r>
+              <a:t>t</a:t>
+            </a:r>
+            <a:endParaRPr lang="en-US" dirty="0"/>
+          </a:p>
+          <a:p>
+            <a:pPr lvl="1">
+              <a:spcBef>
+                <a:spcPts val="300"/>
+              </a:spcBef>
+            </a:pPr>
             <a:r>
               <a:rPr lang="en-US" dirty="0"/>
-              <a:t>or </a:t>
-            </a:r>
-            <a:r>
-              <a:rPr lang="en-US" dirty="0" smtClean="0">
+              <a:t>The pipe (|) performs logical or</a:t>
+            </a:r>
+          </a:p>
+          <a:p>
+            <a:pPr lvl="1">
+              <a:spcBef>
+                <a:spcPts val="300"/>
+              </a:spcBef>
+            </a:pPr>
+            <a:r>
+              <a:rPr lang="en-US" dirty="0"/>
+              <a:t>The parentheses group the upper/lower cases of the </a:t>
+            </a:r>
+            <a:r>
+              <a:rPr lang="en-US" dirty="0">
                 <a:latin typeface="Courier New" panose="02070309020205020404" pitchFamily="49" charset="0"/>
                 <a:cs typeface="Courier New" panose="02070309020205020404" pitchFamily="49" charset="0"/>
               </a:rPr>
-              <a:t>on</a:t>
-            </a:r>
-            <a:r>
-              <a:rPr lang="en-US" dirty="0" smtClean="0"/>
-              <a:t> </a:t>
-            </a:r>
-            <a:endParaRPr lang="en-US" dirty="0"/>
+              <a:t>t</a:t>
+            </a:r>
+            <a:r>
+              <a:rPr lang="en-US" dirty="0"/>
+              <a:t> together</a:t>
+            </a:r>
+          </a:p>
+          <a:p>
+            <a:pPr>
+              <a:spcBef>
+                <a:spcPts val="300"/>
+              </a:spcBef>
+            </a:pPr>
+            <a:r>
+              <a:rPr lang="en-US" dirty="0">
+                <a:latin typeface="Courier New" panose="02070309020205020404" pitchFamily="49" charset="0"/>
+                <a:cs typeface="Courier New" panose="02070309020205020404" pitchFamily="49" charset="0"/>
+              </a:rPr>
+              <a:t>[Tt]ext</a:t>
+            </a:r>
+          </a:p>
+          <a:p>
+            <a:pPr lvl="1">
+              <a:spcBef>
+                <a:spcPts val="300"/>
+              </a:spcBef>
+            </a:pPr>
+            <a:r>
+              <a:rPr lang="en-US" dirty="0">
+                <a:cs typeface="Courier New" panose="02070309020205020404" pitchFamily="49" charset="0"/>
+              </a:rPr>
+              <a:t> Brackets indicate that any of the characters contained therein can be matched</a:t>
+            </a:r>
+          </a:p>
+          <a:p>
+            <a:pPr>
+              <a:spcBef>
+                <a:spcPts val="300"/>
+              </a:spcBef>
+            </a:pPr>
+            <a:r>
+              <a:rPr lang="en-US" dirty="0"/>
+              <a:t>Examples (to try in </a:t>
+            </a:r>
+            <a:r>
+              <a:rPr lang="en-US" dirty="0">
+                <a:latin typeface="Courier"/>
+              </a:rPr>
+              <a:t>regexr.com</a:t>
+            </a:r>
+            <a:r>
+              <a:rPr lang="en-US" dirty="0"/>
+              <a:t>)</a:t>
+            </a:r>
+          </a:p>
+          <a:p>
+            <a:pPr lvl="1">
+              <a:spcBef>
+                <a:spcPts val="300"/>
+              </a:spcBef>
+            </a:pPr>
+            <a:r>
+              <a:rPr lang="en-US" dirty="0"/>
+              <a:t>[abc]</a:t>
+            </a:r>
+          </a:p>
+          <a:p>
+            <a:pPr lvl="1">
+              <a:spcBef>
+                <a:spcPts val="300"/>
+              </a:spcBef>
+            </a:pPr>
+            <a:r>
+              <a:rPr lang="en-US" dirty="0"/>
+              <a:t>[d-g]</a:t>
+            </a:r>
+          </a:p>
+          <a:p>
+            <a:pPr lvl="1">
+              <a:spcBef>
+                <a:spcPts val="300"/>
+              </a:spcBef>
+            </a:pPr>
+            <a:r>
+              <a:rPr lang="en-US" dirty="0"/>
+              <a:t>[4-7]</a:t>
+            </a:r>
+          </a:p>
+          <a:p>
+            <a:pPr>
+              <a:spcBef>
+                <a:spcPts val="300"/>
+              </a:spcBef>
+            </a:pPr>
+            <a:endParaRPr lang="en-US" dirty="0">
+              <a:cs typeface="Courier New" panose="02070309020205020404" pitchFamily="49" charset="0"/>
+            </a:endParaRPr>
           </a:p>
         </p:txBody>
       </p:sp>
@@ -27509,20 +27035,13 @@
     </p:spTree>
     <p:extLst>
       <p:ext uri="{BB962C8B-B14F-4D97-AF65-F5344CB8AC3E}">
-        <p14:creationId xmlns:p14="http://schemas.microsoft.com/office/powerpoint/2010/main" val="2961956315"/>
+        <p14:creationId xmlns:p14="http://schemas.microsoft.com/office/powerpoint/2010/main" val="895780729"/>
       </p:ext>
     </p:extLst>
   </p:cSld>
   <p:clrMapOvr>
     <a:masterClrMapping/>
   </p:clrMapOvr>
-  <p:timing>
-    <p:tnLst>
-      <p:par>
-        <p:cTn id="1" dur="indefinite" restart="never" nodeType="tmRoot"/>
-      </p:par>
-    </p:tnLst>
-  </p:timing>
 </p:sld>
 </file>
 
@@ -27559,10 +27078,9 @@
           <a:lstStyle/>
           <a:p>
             <a:r>
-              <a:rPr lang="en-US" dirty="0" smtClean="0"/>
-              <a:t>Syntax Instance 1</a:t>
-            </a:r>
-            <a:endParaRPr lang="en-US" dirty="0"/>
+              <a:rPr lang="en-US" dirty="0"/>
+              <a:t>Exercise 0</a:t>
+            </a:r>
           </a:p>
         </p:txBody>
       </p:sp>
@@ -27576,175 +27094,74 @@
             <p:ph idx="1"/>
           </p:nvPr>
         </p:nvSpPr>
-        <p:spPr>
-          <a:xfrm>
-            <a:off x="1219200" y="1136592"/>
-            <a:ext cx="10363200" cy="4989572"/>
-          </a:xfrm>
-        </p:spPr>
+        <p:spPr/>
         <p:txBody>
           <a:bodyPr/>
           <a:lstStyle/>
           <a:p>
             <a:r>
-              <a:rPr lang="en-US" dirty="0" smtClean="0">
+              <a:rPr lang="en-US" dirty="0"/>
+              <a:t>Search for  </a:t>
+            </a:r>
+            <a:r>
+              <a:rPr lang="en-US" dirty="0">
                 <a:latin typeface="Courier New" panose="02070309020205020404" pitchFamily="49" charset="0"/>
                 <a:cs typeface="Courier New" panose="02070309020205020404" pitchFamily="49" charset="0"/>
               </a:rPr>
-              <a:t>\d</a:t>
-            </a:r>
-            <a:r>
-              <a:rPr lang="en-US" dirty="0" smtClean="0"/>
-              <a:t>: or [0-9]: numeric digits</a:t>
-            </a:r>
-          </a:p>
-          <a:p>
-            <a:r>
-              <a:rPr lang="en-US" dirty="0" smtClean="0">
+              <a:t>Roll</a:t>
+            </a:r>
+          </a:p>
+          <a:p>
+            <a:r>
+              <a:rPr lang="en-US" dirty="0"/>
+              <a:t>Search for either </a:t>
+            </a:r>
+            <a:r>
+              <a:rPr lang="en-US" dirty="0">
                 <a:latin typeface="Courier New" panose="02070309020205020404" pitchFamily="49" charset="0"/>
                 <a:cs typeface="Courier New" panose="02070309020205020404" pitchFamily="49" charset="0"/>
               </a:rPr>
-              <a:t>\D</a:t>
-            </a:r>
-            <a:r>
-              <a:rPr lang="en-US" dirty="0" smtClean="0"/>
-              <a:t>: characters that are not numeric digits</a:t>
-            </a:r>
-          </a:p>
-          <a:p>
-            <a:r>
-              <a:rPr lang="en-US" dirty="0" smtClean="0"/>
-              <a:t>Append these to the right of \d or \D:</a:t>
-            </a:r>
-          </a:p>
-          <a:p>
-            <a:pPr lvl="1"/>
-            <a:r>
-              <a:rPr lang="en-US" dirty="0" smtClean="0">
+              <a:t>reg</a:t>
+            </a:r>
+            <a:r>
+              <a:rPr lang="en-US" dirty="0"/>
+              <a:t> or </a:t>
+            </a:r>
+            <a:r>
+              <a:rPr lang="en-US" dirty="0">
                 <a:latin typeface="Courier New" panose="02070309020205020404" pitchFamily="49" charset="0"/>
                 <a:cs typeface="Courier New" panose="02070309020205020404" pitchFamily="49" charset="0"/>
               </a:rPr>
-              <a:t>{n</a:t>
-            </a:r>
-            <a:r>
-              <a:rPr lang="en-US" dirty="0" smtClean="0"/>
-              <a:t>}: find </a:t>
-            </a:r>
-            <a:r>
-              <a:rPr lang="en-US" dirty="0" smtClean="0">
+              <a:t>Reg</a:t>
+            </a:r>
+          </a:p>
+          <a:p>
+            <a:r>
+              <a:rPr lang="en-US" dirty="0"/>
+              <a:t>Find all instances of these two sequences of letters: </a:t>
+            </a:r>
+            <a:r>
+              <a:rPr lang="en-US" dirty="0">
                 <a:latin typeface="Courier New" panose="02070309020205020404" pitchFamily="49" charset="0"/>
                 <a:cs typeface="Courier New" panose="02070309020205020404" pitchFamily="49" charset="0"/>
               </a:rPr>
-              <a:t>n</a:t>
+              <a:t>in</a:t>
             </a:r>
             <a:r>
               <a:rPr lang="en-US" dirty="0"/>
-              <a:t> contiguous</a:t>
-            </a:r>
-            <a:r>
-              <a:rPr lang="en-US" dirty="0" smtClean="0"/>
-              <a:t> instances</a:t>
-            </a:r>
-          </a:p>
-          <a:p>
-            <a:pPr lvl="1"/>
-            <a:r>
-              <a:rPr lang="en-US" dirty="0" smtClean="0">
+              <a:t> or </a:t>
+            </a:r>
+            <a:r>
+              <a:rPr lang="en-US" dirty="0">
                 <a:latin typeface="Courier New" panose="02070309020205020404" pitchFamily="49" charset="0"/>
                 <a:cs typeface="Courier New" panose="02070309020205020404" pitchFamily="49" charset="0"/>
               </a:rPr>
-              <a:t>{m,n}</a:t>
-            </a:r>
-            <a:r>
-              <a:rPr lang="en-US" dirty="0" smtClean="0"/>
-              <a:t>: </a:t>
+              <a:t>on</a:t>
             </a:r>
             <a:r>
               <a:rPr lang="en-US" dirty="0"/>
-              <a:t>append to right end of one of the above to find </a:t>
-            </a:r>
-            <a:r>
-              <a:rPr lang="en-US" dirty="0" smtClean="0"/>
-              <a:t>at least m instances and at most n </a:t>
-            </a:r>
-            <a:r>
-              <a:rPr lang="en-US" dirty="0"/>
-              <a:t>instances contiguously</a:t>
-            </a:r>
-          </a:p>
-          <a:p>
-            <a:r>
-              <a:rPr lang="en-US" dirty="0" smtClean="0"/>
-              <a:t>Examples (to try in </a:t>
-            </a:r>
-            <a:r>
-              <a:rPr lang="en-US" dirty="0" smtClean="0">
-                <a:latin typeface="Courier"/>
-              </a:rPr>
-              <a:t>regexr.com</a:t>
-            </a:r>
-            <a:r>
-              <a:rPr lang="en-US" dirty="0" smtClean="0"/>
-              <a:t>)</a:t>
-            </a:r>
-          </a:p>
-          <a:p>
-            <a:pPr lvl="1"/>
-            <a:r>
-              <a:rPr lang="en-US" dirty="0" smtClean="0">
-                <a:latin typeface="Courier New" panose="02070309020205020404" pitchFamily="49" charset="0"/>
-                <a:cs typeface="Courier New" panose="02070309020205020404" pitchFamily="49" charset="0"/>
-              </a:rPr>
-              <a:t>\d</a:t>
-            </a:r>
-          </a:p>
-          <a:p>
-            <a:pPr lvl="1"/>
-            <a:r>
-              <a:rPr lang="en-US" dirty="0" smtClean="0">
-                <a:latin typeface="Courier New" panose="02070309020205020404" pitchFamily="49" charset="0"/>
-                <a:cs typeface="Courier New" panose="02070309020205020404" pitchFamily="49" charset="0"/>
-              </a:rPr>
-              <a:t>\d{3}</a:t>
-            </a:r>
-          </a:p>
-          <a:p>
-            <a:pPr lvl="1"/>
-            <a:r>
-              <a:rPr lang="en-US" dirty="0" smtClean="0">
-                <a:latin typeface="Courier New" panose="02070309020205020404" pitchFamily="49" charset="0"/>
-                <a:cs typeface="Courier New" panose="02070309020205020404" pitchFamily="49" charset="0"/>
-              </a:rPr>
-              <a:t>\D</a:t>
-            </a:r>
-          </a:p>
-          <a:p>
-            <a:pPr lvl="1"/>
-            <a:r>
-              <a:rPr lang="en-US" dirty="0" smtClean="0"/>
-              <a:t>\</a:t>
-            </a:r>
-            <a:r>
-              <a:rPr lang="en-US" dirty="0" smtClean="0">
-                <a:latin typeface="Courier New" panose="02070309020205020404" pitchFamily="49" charset="0"/>
-                <a:cs typeface="Courier New" panose="02070309020205020404" pitchFamily="49" charset="0"/>
-              </a:rPr>
-              <a:t>D{2}</a:t>
-            </a:r>
-          </a:p>
-          <a:p>
-            <a:pPr lvl="1"/>
-            <a:r>
-              <a:rPr lang="en-US" dirty="0" smtClean="0">
-                <a:latin typeface="Courier New" panose="02070309020205020404" pitchFamily="49" charset="0"/>
-                <a:cs typeface="Courier New" panose="02070309020205020404" pitchFamily="49" charset="0"/>
-              </a:rPr>
-              <a:t>\d{2-4}</a:t>
-            </a:r>
-            <a:endParaRPr lang="en-US" dirty="0">
-              <a:latin typeface="Courier New" panose="02070309020205020404" pitchFamily="49" charset="0"/>
-              <a:cs typeface="Courier New" panose="02070309020205020404" pitchFamily="49" charset="0"/>
-            </a:endParaRPr>
+              <a:t> </a:t>
+            </a:r>
           </a:p>
         </p:txBody>
       </p:sp>
@@ -27774,20 +27191,13 @@
     </p:spTree>
     <p:extLst>
       <p:ext uri="{BB962C8B-B14F-4D97-AF65-F5344CB8AC3E}">
-        <p14:creationId xmlns:p14="http://schemas.microsoft.com/office/powerpoint/2010/main" val="3998829803"/>
+        <p14:creationId xmlns:p14="http://schemas.microsoft.com/office/powerpoint/2010/main" val="2961956315"/>
       </p:ext>
     </p:extLst>
   </p:cSld>
   <p:clrMapOvr>
     <a:masterClrMapping/>
   </p:clrMapOvr>
-  <p:timing>
-    <p:tnLst>
-      <p:par>
-        <p:cTn id="1" dur="indefinite" restart="never" nodeType="tmRoot"/>
-      </p:par>
-    </p:tnLst>
-  </p:timing>
 </p:sld>
 </file>
 
@@ -27824,10 +27234,9 @@
           <a:lstStyle/>
           <a:p>
             <a:r>
-              <a:rPr lang="en-US" dirty="0" smtClean="0"/>
-              <a:t>Exercise 1</a:t>
-            </a:r>
-            <a:endParaRPr lang="en-US" dirty="0"/>
+              <a:rPr lang="en-US" dirty="0"/>
+              <a:t>Syntax Instance 1</a:t>
+            </a:r>
           </a:p>
         </p:txBody>
       </p:sp>
@@ -27841,40 +27250,155 @@
             <p:ph idx="1"/>
           </p:nvPr>
         </p:nvSpPr>
-        <p:spPr/>
+        <p:spPr>
+          <a:xfrm>
+            <a:off x="1219200" y="1136592"/>
+            <a:ext cx="10363200" cy="4989572"/>
+          </a:xfrm>
+        </p:spPr>
         <p:txBody>
           <a:bodyPr/>
           <a:lstStyle/>
           <a:p>
             <a:r>
+              <a:rPr lang="en-US" dirty="0">
+                <a:latin typeface="Courier New" panose="02070309020205020404" pitchFamily="49" charset="0"/>
+                <a:cs typeface="Courier New" panose="02070309020205020404" pitchFamily="49" charset="0"/>
+              </a:rPr>
+              <a:t>\d</a:t>
+            </a:r>
+            <a:r>
               <a:rPr lang="en-US" dirty="0"/>
-              <a:t>Match any sequence of 2 digits</a:t>
-            </a:r>
-          </a:p>
-          <a:p>
-            <a:r>
-              <a:rPr lang="en-US" dirty="0" smtClean="0"/>
-              <a:t>Search for patterns of 1 to 3 consecutive digits</a:t>
-            </a:r>
-          </a:p>
-          <a:p>
+              <a:t>: or [0-9]: numeric digits</a:t>
+            </a:r>
+          </a:p>
+          <a:p>
+            <a:r>
+              <a:rPr lang="en-US" dirty="0">
+                <a:latin typeface="Courier New" panose="02070309020205020404" pitchFamily="49" charset="0"/>
+                <a:cs typeface="Courier New" panose="02070309020205020404" pitchFamily="49" charset="0"/>
+              </a:rPr>
+              <a:t>\D</a:t>
+            </a:r>
             <a:r>
               <a:rPr lang="en-US" dirty="0"/>
-              <a:t>Match any sequence of 3 or 4 digits preceded by a </a:t>
-            </a:r>
-            <a:r>
-              <a:rPr lang="en-US" dirty="0" smtClean="0"/>
-              <a:t>dash</a:t>
+              <a:t>: characters that are not numeric digits</a:t>
             </a:r>
           </a:p>
           <a:p>
             <a:r>
               <a:rPr lang="en-US" dirty="0"/>
-              <a:t>Find sequences of digits, any length, followed by a decimal point</a:t>
-            </a:r>
-          </a:p>
-          <a:p>
-            <a:endParaRPr lang="en-US" dirty="0"/>
+              <a:t>Append these to the right of \d or \D:</a:t>
+            </a:r>
+          </a:p>
+          <a:p>
+            <a:pPr lvl="1"/>
+            <a:r>
+              <a:rPr lang="en-US" dirty="0">
+                <a:latin typeface="Courier New" panose="02070309020205020404" pitchFamily="49" charset="0"/>
+                <a:cs typeface="Courier New" panose="02070309020205020404" pitchFamily="49" charset="0"/>
+              </a:rPr>
+              <a:t>{n</a:t>
+            </a:r>
+            <a:r>
+              <a:rPr lang="en-US" dirty="0"/>
+              <a:t>}: find </a:t>
+            </a:r>
+            <a:r>
+              <a:rPr lang="en-US" dirty="0">
+                <a:latin typeface="Courier New" panose="02070309020205020404" pitchFamily="49" charset="0"/>
+                <a:cs typeface="Courier New" panose="02070309020205020404" pitchFamily="49" charset="0"/>
+              </a:rPr>
+              <a:t>n</a:t>
+            </a:r>
+            <a:r>
+              <a:rPr lang="en-US" dirty="0"/>
+              <a:t> contiguous instances</a:t>
+            </a:r>
+          </a:p>
+          <a:p>
+            <a:pPr lvl="1"/>
+            <a:r>
+              <a:rPr lang="en-US" dirty="0">
+                <a:latin typeface="Courier New" panose="02070309020205020404" pitchFamily="49" charset="0"/>
+                <a:cs typeface="Courier New" panose="02070309020205020404" pitchFamily="49" charset="0"/>
+              </a:rPr>
+              <a:t>{m,n}</a:t>
+            </a:r>
+            <a:r>
+              <a:rPr lang="en-US" dirty="0"/>
+              <a:t>: append to right end of one of the above to find at least m instances and at most n instances contiguously</a:t>
+            </a:r>
+          </a:p>
+          <a:p>
+            <a:r>
+              <a:rPr lang="en-US" dirty="0"/>
+              <a:t>Examples (to try in </a:t>
+            </a:r>
+            <a:r>
+              <a:rPr lang="en-US" dirty="0">
+                <a:latin typeface="Courier"/>
+              </a:rPr>
+              <a:t>regexr.com</a:t>
+            </a:r>
+            <a:r>
+              <a:rPr lang="en-US" dirty="0"/>
+              <a:t>)</a:t>
+            </a:r>
+          </a:p>
+          <a:p>
+            <a:pPr lvl="1"/>
+            <a:r>
+              <a:rPr lang="en-US" dirty="0">
+                <a:latin typeface="Courier New" panose="02070309020205020404" pitchFamily="49" charset="0"/>
+                <a:cs typeface="Courier New" panose="02070309020205020404" pitchFamily="49" charset="0"/>
+              </a:rPr>
+              <a:t>\d</a:t>
+            </a:r>
+          </a:p>
+          <a:p>
+            <a:pPr lvl="1"/>
+            <a:r>
+              <a:rPr lang="en-US" dirty="0">
+                <a:latin typeface="Courier New" panose="02070309020205020404" pitchFamily="49" charset="0"/>
+                <a:cs typeface="Courier New" panose="02070309020205020404" pitchFamily="49" charset="0"/>
+              </a:rPr>
+              <a:t>\d{3}</a:t>
+            </a:r>
+          </a:p>
+          <a:p>
+            <a:pPr lvl="1"/>
+            <a:r>
+              <a:rPr lang="en-US" dirty="0">
+                <a:latin typeface="Courier New" panose="02070309020205020404" pitchFamily="49" charset="0"/>
+                <a:cs typeface="Courier New" panose="02070309020205020404" pitchFamily="49" charset="0"/>
+              </a:rPr>
+              <a:t>\D</a:t>
+            </a:r>
+          </a:p>
+          <a:p>
+            <a:pPr lvl="1"/>
+            <a:r>
+              <a:rPr lang="en-US" dirty="0"/>
+              <a:t>\</a:t>
+            </a:r>
+            <a:r>
+              <a:rPr lang="en-US" dirty="0">
+                <a:latin typeface="Courier New" panose="02070309020205020404" pitchFamily="49" charset="0"/>
+                <a:cs typeface="Courier New" panose="02070309020205020404" pitchFamily="49" charset="0"/>
+              </a:rPr>
+              <a:t>D{2}</a:t>
+            </a:r>
+          </a:p>
+          <a:p>
+            <a:pPr lvl="1"/>
+            <a:r>
+              <a:rPr lang="en-US" dirty="0">
+                <a:latin typeface="Courier New" panose="02070309020205020404" pitchFamily="49" charset="0"/>
+                <a:cs typeface="Courier New" panose="02070309020205020404" pitchFamily="49" charset="0"/>
+              </a:rPr>
+              <a:t>\d{2-4}</a:t>
+            </a:r>
           </a:p>
         </p:txBody>
       </p:sp>
@@ -27904,20 +27428,13 @@
     </p:spTree>
     <p:extLst>
       <p:ext uri="{BB962C8B-B14F-4D97-AF65-F5344CB8AC3E}">
-        <p14:creationId xmlns:p14="http://schemas.microsoft.com/office/powerpoint/2010/main" val="4051533214"/>
+        <p14:creationId xmlns:p14="http://schemas.microsoft.com/office/powerpoint/2010/main" val="3998829803"/>
       </p:ext>
     </p:extLst>
   </p:cSld>
   <p:clrMapOvr>
     <a:masterClrMapping/>
   </p:clrMapOvr>
-  <p:timing>
-    <p:tnLst>
-      <p:par>
-        <p:cTn id="1" dur="indefinite" restart="never" nodeType="tmRoot"/>
-      </p:par>
-    </p:tnLst>
-  </p:timing>
 </p:sld>
 </file>
 
